--- a/AdDatabase/Lecture/Week10/MongoDB part 2.pptx
+++ b/AdDatabase/Lecture/Week10/MongoDB part 2.pptx
@@ -629,35 +629,35 @@
           <a:p>
             <a:pPr lvl="0"/>
             <a:r>
-              <a:rPr lang="en-IE" noProof="0" smtClean="0"/>
+              <a:rPr lang="en-IE" noProof="0"/>
               <a:t>Click to edit Master text styles</a:t>
             </a:r>
           </a:p>
           <a:p>
             <a:pPr lvl="1"/>
             <a:r>
-              <a:rPr lang="en-IE" noProof="0" smtClean="0"/>
+              <a:rPr lang="en-IE" noProof="0"/>
               <a:t>Second level</a:t>
             </a:r>
           </a:p>
           <a:p>
             <a:pPr lvl="2"/>
             <a:r>
-              <a:rPr lang="en-IE" noProof="0" smtClean="0"/>
+              <a:rPr lang="en-IE" noProof="0"/>
               <a:t>Third level</a:t>
             </a:r>
           </a:p>
           <a:p>
             <a:pPr lvl="3"/>
             <a:r>
-              <a:rPr lang="en-IE" noProof="0" smtClean="0"/>
+              <a:rPr lang="en-IE" noProof="0"/>
               <a:t>Fourth level</a:t>
             </a:r>
           </a:p>
           <a:p>
             <a:pPr lvl="4"/>
             <a:r>
-              <a:rPr lang="en-IE" noProof="0" smtClean="0"/>
+              <a:rPr lang="en-IE" noProof="0"/>
               <a:t>Fifth level</a:t>
             </a:r>
           </a:p>
@@ -1028,7 +1028,7 @@
           </a:lstStyle>
           <a:p>
             <a:r>
-              <a:rPr lang="en-US" dirty="0" smtClean="0"/>
+              <a:rPr lang="en-US" dirty="0"/>
               <a:t>Click to edit Master title style</a:t>
             </a:r>
             <a:endParaRPr lang="en-IE" dirty="0"/>
@@ -1062,7 +1062,7 @@
           </a:lstStyle>
           <a:p>
             <a:r>
-              <a:rPr lang="en-US" smtClean="0"/>
+              <a:rPr lang="en-US"/>
               <a:t>Click to edit Master subtitle style</a:t>
             </a:r>
             <a:endParaRPr lang="en-IE"/>
@@ -1092,10 +1092,10 @@
               <a:defRPr/>
             </a:pPr>
             <a:r>
-              <a:rPr lang="en-US" dirty="0" smtClean="0"/>
+              <a:rPr lang="en-US" dirty="0"/>
               <a:t>2012/2013 - DT228/4</a:t>
             </a:r>
-            <a:endParaRPr lang="en-IE" dirty="0" smtClean="0"/>
+            <a:endParaRPr lang="en-IE" dirty="0"/>
           </a:p>
           <a:p>
             <a:pPr>
@@ -1128,10 +1128,9 @@
               <a:defRPr/>
             </a:pPr>
             <a:r>
-              <a:rPr lang="en-IE" dirty="0" smtClean="0"/>
+              <a:rPr lang="en-IE" dirty="0"/>
               <a:t>DT228/4</a:t>
             </a:r>
-            <a:endParaRPr lang="en-IE" dirty="0"/>
           </a:p>
         </p:txBody>
       </p:sp>
@@ -1173,13 +1172,6 @@
   <p:clrMapOvr>
     <a:masterClrMapping/>
   </p:clrMapOvr>
-  <p:timing>
-    <p:tnLst>
-      <p:par>
-        <p:cTn id="1" dur="indefinite" restart="never" nodeType="tmRoot"/>
-      </p:par>
-    </p:tnLst>
-  </p:timing>
 </p:sldLayout>
 </file>
 
@@ -1216,7 +1208,7 @@
           <a:lstStyle/>
           <a:p>
             <a:r>
-              <a:rPr lang="en-US" smtClean="0"/>
+              <a:rPr lang="en-US"/>
               <a:t>Click to edit Master title style</a:t>
             </a:r>
             <a:endParaRPr lang="en-IE"/>
@@ -1240,35 +1232,35 @@
           <a:p>
             <a:pPr lvl="0"/>
             <a:r>
-              <a:rPr lang="en-US" smtClean="0"/>
+              <a:rPr lang="en-US"/>
               <a:t>Click to edit Master text styles</a:t>
             </a:r>
           </a:p>
           <a:p>
             <a:pPr lvl="1"/>
             <a:r>
-              <a:rPr lang="en-US" smtClean="0"/>
+              <a:rPr lang="en-US"/>
               <a:t>Second level</a:t>
             </a:r>
           </a:p>
           <a:p>
             <a:pPr lvl="2"/>
             <a:r>
-              <a:rPr lang="en-US" smtClean="0"/>
+              <a:rPr lang="en-US"/>
               <a:t>Third level</a:t>
             </a:r>
           </a:p>
           <a:p>
             <a:pPr lvl="3"/>
             <a:r>
-              <a:rPr lang="en-US" smtClean="0"/>
+              <a:rPr lang="en-US"/>
               <a:t>Fourth level</a:t>
             </a:r>
           </a:p>
           <a:p>
             <a:pPr lvl="4"/>
             <a:r>
-              <a:rPr lang="en-US" smtClean="0"/>
+              <a:rPr lang="en-US"/>
               <a:t>Fifth level</a:t>
             </a:r>
             <a:endParaRPr lang="en-IE"/>
@@ -1300,7 +1292,7 @@
               <a:defRPr/>
             </a:pPr>
             <a:r>
-              <a:rPr lang="en-US" smtClean="0"/>
+              <a:rPr lang="en-US"/>
               <a:t>August 2010</a:t>
             </a:r>
             <a:endParaRPr lang="en-IE"/>
@@ -1416,7 +1408,7 @@
           <a:lstStyle/>
           <a:p>
             <a:r>
-              <a:rPr lang="en-US" smtClean="0"/>
+              <a:rPr lang="en-US"/>
               <a:t>Click to edit Master title style</a:t>
             </a:r>
             <a:endParaRPr lang="en-IE"/>
@@ -1445,35 +1437,35 @@
           <a:p>
             <a:pPr lvl="0"/>
             <a:r>
-              <a:rPr lang="en-US" smtClean="0"/>
+              <a:rPr lang="en-US"/>
               <a:t>Click to edit Master text styles</a:t>
             </a:r>
           </a:p>
           <a:p>
             <a:pPr lvl="1"/>
             <a:r>
-              <a:rPr lang="en-US" smtClean="0"/>
+              <a:rPr lang="en-US"/>
               <a:t>Second level</a:t>
             </a:r>
           </a:p>
           <a:p>
             <a:pPr lvl="2"/>
             <a:r>
-              <a:rPr lang="en-US" smtClean="0"/>
+              <a:rPr lang="en-US"/>
               <a:t>Third level</a:t>
             </a:r>
           </a:p>
           <a:p>
             <a:pPr lvl="3"/>
             <a:r>
-              <a:rPr lang="en-US" smtClean="0"/>
+              <a:rPr lang="en-US"/>
               <a:t>Fourth level</a:t>
             </a:r>
           </a:p>
           <a:p>
             <a:pPr lvl="4"/>
             <a:r>
-              <a:rPr lang="en-US" smtClean="0"/>
+              <a:rPr lang="en-US"/>
               <a:t>Fifth level</a:t>
             </a:r>
             <a:endParaRPr lang="en-IE"/>
@@ -1505,7 +1497,7 @@
               <a:defRPr/>
             </a:pPr>
             <a:r>
-              <a:rPr lang="en-US" smtClean="0"/>
+              <a:rPr lang="en-US"/>
               <a:t>August 2010</a:t>
             </a:r>
             <a:endParaRPr lang="en-IE"/>
@@ -1625,7 +1617,7 @@
               <a:defRPr/>
             </a:pPr>
             <a:r>
-              <a:rPr lang="en-US" smtClean="0"/>
+              <a:rPr lang="en-US"/>
               <a:t>S McKeever</a:t>
             </a:r>
             <a:endParaRPr lang="en-US" dirty="0"/>
@@ -1657,7 +1649,7 @@
               <a:defRPr/>
             </a:pPr>
             <a:r>
-              <a:rPr lang="en-GB" smtClean="0"/>
+              <a:rPr lang="en-GB"/>
               <a:t>Advanced Databases</a:t>
             </a:r>
             <a:endParaRPr lang="en-US" dirty="0"/>
@@ -1720,10 +1712,9 @@
           <a:lstStyle/>
           <a:p>
             <a:r>
-              <a:rPr lang="en-US" smtClean="0"/>
+              <a:rPr lang="en-US"/>
               <a:t>Click to edit Master title style</a:t>
             </a:r>
-            <a:endParaRPr lang="en-US"/>
           </a:p>
         </p:txBody>
       </p:sp>
@@ -1749,38 +1740,37 @@
           <a:p>
             <a:pPr lvl="0"/>
             <a:r>
-              <a:rPr lang="en-US" smtClean="0"/>
+              <a:rPr lang="en-US"/>
               <a:t>Click to edit Master text styles</a:t>
             </a:r>
           </a:p>
           <a:p>
             <a:pPr lvl="1"/>
             <a:r>
-              <a:rPr lang="en-US" smtClean="0"/>
+              <a:rPr lang="en-US"/>
               <a:t>Second level</a:t>
             </a:r>
           </a:p>
           <a:p>
             <a:pPr lvl="2"/>
             <a:r>
-              <a:rPr lang="en-US" smtClean="0"/>
+              <a:rPr lang="en-US"/>
               <a:t>Third level</a:t>
             </a:r>
           </a:p>
           <a:p>
             <a:pPr lvl="3"/>
             <a:r>
-              <a:rPr lang="en-US" smtClean="0"/>
+              <a:rPr lang="en-US"/>
               <a:t>Fourth level</a:t>
             </a:r>
           </a:p>
           <a:p>
             <a:pPr lvl="4"/>
             <a:r>
-              <a:rPr lang="en-US" smtClean="0"/>
+              <a:rPr lang="en-US"/>
               <a:t>Fifth level</a:t>
             </a:r>
-            <a:endParaRPr lang="en-US"/>
           </a:p>
         </p:txBody>
       </p:sp>
@@ -1834,7 +1824,7 @@
               <a:defRPr/>
             </a:pPr>
             <a:r>
-              <a:rPr lang="en-US" smtClean="0"/>
+              <a:rPr lang="en-US"/>
               <a:t>S McKeever</a:t>
             </a:r>
             <a:endParaRPr lang="en-US" dirty="0"/>
@@ -1866,7 +1856,7 @@
               <a:defRPr/>
             </a:pPr>
             <a:r>
-              <a:rPr lang="en-GB" smtClean="0"/>
+              <a:rPr lang="en-GB"/>
               <a:t>Advanced Databases</a:t>
             </a:r>
             <a:endParaRPr lang="en-US" dirty="0"/>
@@ -1929,10 +1919,9 @@
           <a:lstStyle/>
           <a:p>
             <a:r>
-              <a:rPr lang="en-US" smtClean="0"/>
+              <a:rPr lang="en-US"/>
               <a:t>Click to edit Master title style</a:t>
             </a:r>
-            <a:endParaRPr lang="en-US"/>
           </a:p>
         </p:txBody>
       </p:sp>
@@ -1958,38 +1947,37 @@
           <a:p>
             <a:pPr lvl="0"/>
             <a:r>
-              <a:rPr lang="en-US" smtClean="0"/>
+              <a:rPr lang="en-US"/>
               <a:t>Click to edit Master text styles</a:t>
             </a:r>
           </a:p>
           <a:p>
             <a:pPr lvl="1"/>
             <a:r>
-              <a:rPr lang="en-US" smtClean="0"/>
+              <a:rPr lang="en-US"/>
               <a:t>Second level</a:t>
             </a:r>
           </a:p>
           <a:p>
             <a:pPr lvl="2"/>
             <a:r>
-              <a:rPr lang="en-US" smtClean="0"/>
+              <a:rPr lang="en-US"/>
               <a:t>Third level</a:t>
             </a:r>
           </a:p>
           <a:p>
             <a:pPr lvl="3"/>
             <a:r>
-              <a:rPr lang="en-US" smtClean="0"/>
+              <a:rPr lang="en-US"/>
               <a:t>Fourth level</a:t>
             </a:r>
           </a:p>
           <a:p>
             <a:pPr lvl="4"/>
             <a:r>
-              <a:rPr lang="en-US" smtClean="0"/>
+              <a:rPr lang="en-US"/>
               <a:t>Fifth level</a:t>
             </a:r>
-            <a:endParaRPr lang="en-US"/>
           </a:p>
         </p:txBody>
       </p:sp>
@@ -2043,7 +2031,7 @@
               <a:defRPr/>
             </a:pPr>
             <a:r>
-              <a:rPr lang="en-US" smtClean="0"/>
+              <a:rPr lang="en-US"/>
               <a:t>S McKeever</a:t>
             </a:r>
             <a:endParaRPr lang="en-US" dirty="0"/>
@@ -2075,7 +2063,7 @@
               <a:defRPr/>
             </a:pPr>
             <a:r>
-              <a:rPr lang="en-GB" smtClean="0"/>
+              <a:rPr lang="en-GB"/>
               <a:t>Advanced Databases</a:t>
             </a:r>
             <a:endParaRPr lang="en-US" dirty="0"/>
@@ -2138,10 +2126,9 @@
           <a:lstStyle/>
           <a:p>
             <a:r>
-              <a:rPr lang="en-US" smtClean="0"/>
+              <a:rPr lang="en-US"/>
               <a:t>Click to edit Master title style</a:t>
             </a:r>
-            <a:endParaRPr lang="en-US"/>
           </a:p>
         </p:txBody>
       </p:sp>
@@ -2167,38 +2154,37 @@
           <a:p>
             <a:pPr lvl="0"/>
             <a:r>
-              <a:rPr lang="en-US" smtClean="0"/>
+              <a:rPr lang="en-US"/>
               <a:t>Click to edit Master text styles</a:t>
             </a:r>
           </a:p>
           <a:p>
             <a:pPr lvl="1"/>
             <a:r>
-              <a:rPr lang="en-US" smtClean="0"/>
+              <a:rPr lang="en-US"/>
               <a:t>Second level</a:t>
             </a:r>
           </a:p>
           <a:p>
             <a:pPr lvl="2"/>
             <a:r>
-              <a:rPr lang="en-US" smtClean="0"/>
+              <a:rPr lang="en-US"/>
               <a:t>Third level</a:t>
             </a:r>
           </a:p>
           <a:p>
             <a:pPr lvl="3"/>
             <a:r>
-              <a:rPr lang="en-US" smtClean="0"/>
+              <a:rPr lang="en-US"/>
               <a:t>Fourth level</a:t>
             </a:r>
           </a:p>
           <a:p>
             <a:pPr lvl="4"/>
             <a:r>
-              <a:rPr lang="en-US" smtClean="0"/>
+              <a:rPr lang="en-US"/>
               <a:t>Fifth level</a:t>
             </a:r>
-            <a:endParaRPr lang="en-US"/>
           </a:p>
         </p:txBody>
       </p:sp>
@@ -2252,7 +2238,7 @@
               <a:defRPr/>
             </a:pPr>
             <a:r>
-              <a:rPr lang="en-US" smtClean="0"/>
+              <a:rPr lang="en-US"/>
               <a:t>S McKeever</a:t>
             </a:r>
             <a:endParaRPr lang="en-US" dirty="0"/>
@@ -2284,7 +2270,7 @@
               <a:defRPr/>
             </a:pPr>
             <a:r>
-              <a:rPr lang="en-GB" smtClean="0"/>
+              <a:rPr lang="en-GB"/>
               <a:t>Advanced Databases</a:t>
             </a:r>
             <a:endParaRPr lang="en-US" dirty="0"/>
@@ -2347,10 +2333,9 @@
           <a:lstStyle/>
           <a:p>
             <a:r>
-              <a:rPr lang="en-US" smtClean="0"/>
+              <a:rPr lang="en-US"/>
               <a:t>Click to edit Master title style</a:t>
             </a:r>
-            <a:endParaRPr lang="en-US"/>
           </a:p>
         </p:txBody>
       </p:sp>
@@ -2376,38 +2361,37 @@
           <a:p>
             <a:pPr lvl="0"/>
             <a:r>
-              <a:rPr lang="en-US" smtClean="0"/>
+              <a:rPr lang="en-US"/>
               <a:t>Click to edit Master text styles</a:t>
             </a:r>
           </a:p>
           <a:p>
             <a:pPr lvl="1"/>
             <a:r>
-              <a:rPr lang="en-US" smtClean="0"/>
+              <a:rPr lang="en-US"/>
               <a:t>Second level</a:t>
             </a:r>
           </a:p>
           <a:p>
             <a:pPr lvl="2"/>
             <a:r>
-              <a:rPr lang="en-US" smtClean="0"/>
+              <a:rPr lang="en-US"/>
               <a:t>Third level</a:t>
             </a:r>
           </a:p>
           <a:p>
             <a:pPr lvl="3"/>
             <a:r>
-              <a:rPr lang="en-US" smtClean="0"/>
+              <a:rPr lang="en-US"/>
               <a:t>Fourth level</a:t>
             </a:r>
           </a:p>
           <a:p>
             <a:pPr lvl="4"/>
             <a:r>
-              <a:rPr lang="en-US" smtClean="0"/>
+              <a:rPr lang="en-US"/>
               <a:t>Fifth level</a:t>
             </a:r>
-            <a:endParaRPr lang="en-US"/>
           </a:p>
         </p:txBody>
       </p:sp>
@@ -2574,10 +2558,9 @@
           </a:lstStyle>
           <a:p>
             <a:r>
-              <a:rPr lang="en-US" dirty="0" smtClean="0"/>
+              <a:rPr lang="en-US" dirty="0"/>
               <a:t>Click to edit Master title style</a:t>
             </a:r>
-            <a:endParaRPr lang="en-US" dirty="0"/>
           </a:p>
         </p:txBody>
       </p:sp>
@@ -2662,42 +2645,41 @@
           <a:p>
             <a:pPr lvl="0"/>
             <a:r>
-              <a:rPr lang="en-US" dirty="0" smtClean="0"/>
+              <a:rPr lang="en-US" dirty="0"/>
               <a:t>Click to edit Master text styles</a:t>
             </a:r>
           </a:p>
           <a:p>
             <a:pPr lvl="1"/>
             <a:r>
-              <a:rPr lang="en-US" dirty="0" smtClean="0"/>
+              <a:rPr lang="en-US" dirty="0"/>
               <a:t>Second level</a:t>
             </a:r>
           </a:p>
           <a:p>
             <a:pPr lvl="2"/>
             <a:r>
-              <a:rPr lang="en-US" dirty="0" smtClean="0"/>
+              <a:rPr lang="en-US" dirty="0"/>
               <a:t>Third level</a:t>
             </a:r>
           </a:p>
           <a:p>
             <a:pPr lvl="3"/>
             <a:r>
-              <a:rPr lang="en-US" dirty="0" smtClean="0"/>
+              <a:rPr lang="en-US" dirty="0"/>
               <a:t>Fourth level</a:t>
             </a:r>
           </a:p>
           <a:p>
             <a:pPr lvl="4"/>
             <a:r>
-              <a:rPr lang="en-US" dirty="0" err="1" smtClean="0"/>
+              <a:rPr lang="en-US" dirty="0" err="1"/>
               <a:t>Fift</a:t>
             </a:r>
             <a:r>
-              <a:rPr lang="en-US" dirty="0" smtClean="0"/>
+              <a:rPr lang="en-US" dirty="0"/>
               <a:t> level</a:t>
             </a:r>
-            <a:endParaRPr lang="en-US" dirty="0"/>
           </a:p>
         </p:txBody>
       </p:sp>
@@ -2751,7 +2733,7 @@
               <a:defRPr/>
             </a:pPr>
             <a:r>
-              <a:rPr lang="en-US" smtClean="0"/>
+              <a:rPr lang="en-US"/>
               <a:t>S McKeever</a:t>
             </a:r>
             <a:endParaRPr lang="en-US" dirty="0"/>
@@ -2783,7 +2765,7 @@
               <a:defRPr/>
             </a:pPr>
             <a:r>
-              <a:rPr lang="en-GB" smtClean="0"/>
+              <a:rPr lang="en-GB"/>
               <a:t>Advanced Databases</a:t>
             </a:r>
             <a:endParaRPr lang="en-US" dirty="0"/>
@@ -2846,10 +2828,9 @@
           <a:lstStyle/>
           <a:p>
             <a:r>
-              <a:rPr lang="en-US" smtClean="0"/>
+              <a:rPr lang="en-US"/>
               <a:t>Click to edit Master title style</a:t>
             </a:r>
-            <a:endParaRPr lang="en-US"/>
           </a:p>
         </p:txBody>
       </p:sp>
@@ -2906,38 +2887,37 @@
           <a:p>
             <a:pPr lvl="0"/>
             <a:r>
-              <a:rPr lang="en-US" dirty="0" smtClean="0"/>
+              <a:rPr lang="en-US" dirty="0"/>
               <a:t>Click to edit Master text styles</a:t>
             </a:r>
           </a:p>
           <a:p>
             <a:pPr lvl="1"/>
             <a:r>
-              <a:rPr lang="en-US" dirty="0" smtClean="0"/>
+              <a:rPr lang="en-US" dirty="0"/>
               <a:t>Second level</a:t>
             </a:r>
           </a:p>
           <a:p>
             <a:pPr lvl="2"/>
             <a:r>
-              <a:rPr lang="en-US" dirty="0" smtClean="0"/>
+              <a:rPr lang="en-US" dirty="0"/>
               <a:t>Third level</a:t>
             </a:r>
           </a:p>
           <a:p>
             <a:pPr lvl="3"/>
             <a:r>
-              <a:rPr lang="en-US" dirty="0" smtClean="0"/>
+              <a:rPr lang="en-US" dirty="0"/>
               <a:t>Fourth level</a:t>
             </a:r>
           </a:p>
           <a:p>
             <a:pPr lvl="4"/>
             <a:r>
-              <a:rPr lang="en-US" dirty="0" smtClean="0"/>
+              <a:rPr lang="en-US" dirty="0"/>
               <a:t>Fifth level</a:t>
             </a:r>
-            <a:endParaRPr lang="en-US" dirty="0"/>
           </a:p>
         </p:txBody>
       </p:sp>
@@ -2991,7 +2971,7 @@
               <a:defRPr/>
             </a:pPr>
             <a:r>
-              <a:rPr lang="en-US" smtClean="0"/>
+              <a:rPr lang="en-US"/>
               <a:t>S McKeever</a:t>
             </a:r>
             <a:endParaRPr lang="en-US" dirty="0"/>
@@ -3023,7 +3003,7 @@
               <a:defRPr/>
             </a:pPr>
             <a:r>
-              <a:rPr lang="en-GB" smtClean="0"/>
+              <a:rPr lang="en-GB"/>
               <a:t>Advanced Databases</a:t>
             </a:r>
             <a:endParaRPr lang="en-US" dirty="0"/>
@@ -3086,10 +3066,9 @@
           <a:lstStyle/>
           <a:p>
             <a:r>
-              <a:rPr lang="en-US" smtClean="0"/>
+              <a:rPr lang="en-US"/>
               <a:t>Click to edit Master title style</a:t>
             </a:r>
-            <a:endParaRPr lang="en-US"/>
           </a:p>
         </p:txBody>
       </p:sp>
@@ -3146,38 +3125,37 @@
           <a:p>
             <a:pPr lvl="0"/>
             <a:r>
-              <a:rPr lang="en-US" dirty="0" smtClean="0"/>
+              <a:rPr lang="en-US" dirty="0"/>
               <a:t>Click to edit Master text styles</a:t>
             </a:r>
           </a:p>
           <a:p>
             <a:pPr lvl="1"/>
             <a:r>
-              <a:rPr lang="en-US" dirty="0" smtClean="0"/>
+              <a:rPr lang="en-US" dirty="0"/>
               <a:t>Second level</a:t>
             </a:r>
           </a:p>
           <a:p>
             <a:pPr lvl="2"/>
             <a:r>
-              <a:rPr lang="en-US" dirty="0" smtClean="0"/>
+              <a:rPr lang="en-US" dirty="0"/>
               <a:t>Third level</a:t>
             </a:r>
           </a:p>
           <a:p>
             <a:pPr lvl="3"/>
             <a:r>
-              <a:rPr lang="en-US" dirty="0" smtClean="0"/>
+              <a:rPr lang="en-US" dirty="0"/>
               <a:t>Fourth level</a:t>
             </a:r>
           </a:p>
           <a:p>
             <a:pPr lvl="4"/>
             <a:r>
-              <a:rPr lang="en-US" dirty="0" smtClean="0"/>
+              <a:rPr lang="en-US" dirty="0"/>
               <a:t>Fifth level</a:t>
             </a:r>
-            <a:endParaRPr lang="en-US" dirty="0"/>
           </a:p>
         </p:txBody>
       </p:sp>
@@ -3231,7 +3209,7 @@
               <a:defRPr/>
             </a:pPr>
             <a:r>
-              <a:rPr lang="en-US" smtClean="0"/>
+              <a:rPr lang="en-US"/>
               <a:t>S McKeever</a:t>
             </a:r>
             <a:endParaRPr lang="en-US" dirty="0"/>
@@ -3263,7 +3241,7 @@
               <a:defRPr/>
             </a:pPr>
             <a:r>
-              <a:rPr lang="en-GB" smtClean="0"/>
+              <a:rPr lang="en-GB"/>
               <a:t>Advanced Databases</a:t>
             </a:r>
             <a:endParaRPr lang="en-US" dirty="0"/>
@@ -3326,10 +3304,9 @@
           <a:lstStyle/>
           <a:p>
             <a:r>
-              <a:rPr lang="en-US" smtClean="0"/>
+              <a:rPr lang="en-US"/>
               <a:t>Click to edit Master title style</a:t>
             </a:r>
-            <a:endParaRPr lang="en-US"/>
           </a:p>
         </p:txBody>
       </p:sp>
@@ -3386,38 +3363,37 @@
           <a:p>
             <a:pPr lvl="0"/>
             <a:r>
-              <a:rPr lang="en-US" dirty="0" smtClean="0"/>
+              <a:rPr lang="en-US" dirty="0"/>
               <a:t>Click to edit Master text styles</a:t>
             </a:r>
           </a:p>
           <a:p>
             <a:pPr lvl="1"/>
             <a:r>
-              <a:rPr lang="en-US" dirty="0" smtClean="0"/>
+              <a:rPr lang="en-US" dirty="0"/>
               <a:t>Second level</a:t>
             </a:r>
           </a:p>
           <a:p>
             <a:pPr lvl="2"/>
             <a:r>
-              <a:rPr lang="en-US" dirty="0" smtClean="0"/>
+              <a:rPr lang="en-US" dirty="0"/>
               <a:t>Third level</a:t>
             </a:r>
           </a:p>
           <a:p>
             <a:pPr lvl="3"/>
             <a:r>
-              <a:rPr lang="en-US" dirty="0" smtClean="0"/>
+              <a:rPr lang="en-US" dirty="0"/>
               <a:t>Fourth level</a:t>
             </a:r>
           </a:p>
           <a:p>
             <a:pPr lvl="4"/>
             <a:r>
-              <a:rPr lang="en-US" dirty="0" smtClean="0"/>
+              <a:rPr lang="en-US" dirty="0"/>
               <a:t>Fifth level</a:t>
             </a:r>
-            <a:endParaRPr lang="en-US" dirty="0"/>
           </a:p>
         </p:txBody>
       </p:sp>
@@ -3467,7 +3443,7 @@
           <a:lstStyle/>
           <a:p>
             <a:r>
-              <a:rPr lang="en-US" smtClean="0"/>
+              <a:rPr lang="en-US"/>
               <a:t>Click to edit Master title style</a:t>
             </a:r>
             <a:endParaRPr lang="en-IE"/>
@@ -3491,35 +3467,35 @@
           <a:p>
             <a:pPr lvl="0"/>
             <a:r>
-              <a:rPr lang="en-US" smtClean="0"/>
+              <a:rPr lang="en-US"/>
               <a:t>Click to edit Master text styles</a:t>
             </a:r>
           </a:p>
           <a:p>
             <a:pPr lvl="1"/>
             <a:r>
-              <a:rPr lang="en-US" smtClean="0"/>
+              <a:rPr lang="en-US"/>
               <a:t>Second level</a:t>
             </a:r>
           </a:p>
           <a:p>
             <a:pPr lvl="2"/>
             <a:r>
-              <a:rPr lang="en-US" smtClean="0"/>
+              <a:rPr lang="en-US"/>
               <a:t>Third level</a:t>
             </a:r>
           </a:p>
           <a:p>
             <a:pPr lvl="3"/>
             <a:r>
-              <a:rPr lang="en-US" smtClean="0"/>
+              <a:rPr lang="en-US"/>
               <a:t>Fourth level</a:t>
             </a:r>
           </a:p>
           <a:p>
             <a:pPr lvl="4"/>
             <a:r>
-              <a:rPr lang="en-US" smtClean="0"/>
+              <a:rPr lang="en-US"/>
               <a:t>Fifth level</a:t>
             </a:r>
             <a:endParaRPr lang="en-IE"/>
@@ -3551,7 +3527,7 @@
               <a:defRPr/>
             </a:pPr>
             <a:r>
-              <a:rPr lang="en-US" dirty="0" smtClean="0"/>
+              <a:rPr lang="en-US" dirty="0"/>
               <a:t>2012/2013 - DT228/4</a:t>
             </a:r>
             <a:endParaRPr lang="en-IE" dirty="0"/>
@@ -3583,10 +3559,9 @@
               <a:defRPr/>
             </a:pPr>
             <a:r>
-              <a:rPr lang="en-IE" dirty="0" smtClean="0"/>
+              <a:rPr lang="en-IE" dirty="0"/>
               <a:t>DT228/4</a:t>
             </a:r>
-            <a:endParaRPr lang="en-IE" dirty="0"/>
           </a:p>
         </p:txBody>
       </p:sp>
@@ -3630,13 +3605,6 @@
   <p:clrMapOvr>
     <a:masterClrMapping/>
   </p:clrMapOvr>
-  <p:timing>
-    <p:tnLst>
-      <p:par>
-        <p:cTn id="1" dur="indefinite" restart="never" nodeType="tmRoot"/>
-      </p:par>
-    </p:tnLst>
-  </p:timing>
 </p:sldLayout>
 </file>
 
@@ -3682,7 +3650,7 @@
               <a:defRPr/>
             </a:pPr>
             <a:r>
-              <a:rPr lang="en-US" smtClean="0"/>
+              <a:rPr lang="en-US"/>
               <a:t>S McKeever</a:t>
             </a:r>
             <a:endParaRPr lang="en-US" dirty="0"/>
@@ -3714,7 +3682,7 @@
               <a:defRPr/>
             </a:pPr>
             <a:r>
-              <a:rPr lang="en-GB" smtClean="0"/>
+              <a:rPr lang="en-GB"/>
               <a:t>Advanced Databases</a:t>
             </a:r>
             <a:endParaRPr lang="en-US" dirty="0"/>
@@ -3777,10 +3745,9 @@
           <a:lstStyle/>
           <a:p>
             <a:r>
-              <a:rPr lang="en-US" smtClean="0"/>
+              <a:rPr lang="en-US"/>
               <a:t>Click to edit Master title style</a:t>
             </a:r>
-            <a:endParaRPr lang="en-US"/>
           </a:p>
         </p:txBody>
       </p:sp>
@@ -3837,38 +3804,37 @@
           <a:p>
             <a:pPr lvl="0"/>
             <a:r>
-              <a:rPr lang="en-US" dirty="0" smtClean="0"/>
+              <a:rPr lang="en-US" dirty="0"/>
               <a:t>Click to edit Master text styles</a:t>
             </a:r>
           </a:p>
           <a:p>
             <a:pPr lvl="1"/>
             <a:r>
-              <a:rPr lang="en-US" dirty="0" smtClean="0"/>
+              <a:rPr lang="en-US" dirty="0"/>
               <a:t>Second level</a:t>
             </a:r>
           </a:p>
           <a:p>
             <a:pPr lvl="2"/>
             <a:r>
-              <a:rPr lang="en-US" dirty="0" smtClean="0"/>
+              <a:rPr lang="en-US" dirty="0"/>
               <a:t>Third level</a:t>
             </a:r>
           </a:p>
           <a:p>
             <a:pPr lvl="3"/>
             <a:r>
-              <a:rPr lang="en-US" dirty="0" smtClean="0"/>
+              <a:rPr lang="en-US" dirty="0"/>
               <a:t>Fourth level</a:t>
             </a:r>
           </a:p>
           <a:p>
             <a:pPr lvl="4"/>
             <a:r>
-              <a:rPr lang="en-US" dirty="0" smtClean="0"/>
+              <a:rPr lang="en-US" dirty="0"/>
               <a:t>Fifth level</a:t>
             </a:r>
-            <a:endParaRPr lang="en-US" dirty="0"/>
           </a:p>
         </p:txBody>
       </p:sp>
@@ -3922,7 +3888,7 @@
               <a:defRPr/>
             </a:pPr>
             <a:r>
-              <a:rPr lang="en-US" smtClean="0"/>
+              <a:rPr lang="en-US"/>
               <a:t>S McKeever</a:t>
             </a:r>
             <a:endParaRPr lang="en-US" dirty="0"/>
@@ -3954,7 +3920,7 @@
               <a:defRPr/>
             </a:pPr>
             <a:r>
-              <a:rPr lang="en-GB" smtClean="0"/>
+              <a:rPr lang="en-GB"/>
               <a:t>Advanced Databases</a:t>
             </a:r>
             <a:endParaRPr lang="en-US" dirty="0"/>
@@ -4017,10 +3983,9 @@
           <a:lstStyle/>
           <a:p>
             <a:r>
-              <a:rPr lang="en-US" smtClean="0"/>
+              <a:rPr lang="en-US"/>
               <a:t>Click to edit Master title style</a:t>
             </a:r>
-            <a:endParaRPr lang="en-US"/>
           </a:p>
         </p:txBody>
       </p:sp>
@@ -4077,38 +4042,37 @@
           <a:p>
             <a:pPr lvl="0"/>
             <a:r>
-              <a:rPr lang="en-US" dirty="0" smtClean="0"/>
+              <a:rPr lang="en-US" dirty="0"/>
               <a:t>Click to edit Master text styles</a:t>
             </a:r>
           </a:p>
           <a:p>
             <a:pPr lvl="1"/>
             <a:r>
-              <a:rPr lang="en-US" dirty="0" smtClean="0"/>
+              <a:rPr lang="en-US" dirty="0"/>
               <a:t>Second level</a:t>
             </a:r>
           </a:p>
           <a:p>
             <a:pPr lvl="2"/>
             <a:r>
-              <a:rPr lang="en-US" dirty="0" smtClean="0"/>
+              <a:rPr lang="en-US" dirty="0"/>
               <a:t>Third level</a:t>
             </a:r>
           </a:p>
           <a:p>
             <a:pPr lvl="3"/>
             <a:r>
-              <a:rPr lang="en-US" dirty="0" smtClean="0"/>
+              <a:rPr lang="en-US" dirty="0"/>
               <a:t>Fourth level</a:t>
             </a:r>
           </a:p>
           <a:p>
             <a:pPr lvl="4"/>
             <a:r>
-              <a:rPr lang="en-US" dirty="0" smtClean="0"/>
+              <a:rPr lang="en-US" dirty="0"/>
               <a:t>Fifth level</a:t>
             </a:r>
-            <a:endParaRPr lang="en-US" dirty="0"/>
           </a:p>
         </p:txBody>
       </p:sp>
@@ -4162,7 +4126,7 @@
               <a:defRPr/>
             </a:pPr>
             <a:r>
-              <a:rPr lang="en-US" smtClean="0"/>
+              <a:rPr lang="en-US"/>
               <a:t>S McKeever</a:t>
             </a:r>
             <a:endParaRPr lang="en-US" dirty="0"/>
@@ -4194,7 +4158,7 @@
               <a:defRPr/>
             </a:pPr>
             <a:r>
-              <a:rPr lang="en-GB" smtClean="0"/>
+              <a:rPr lang="en-GB"/>
               <a:t>Advanced Databases</a:t>
             </a:r>
             <a:endParaRPr lang="en-US" dirty="0"/>
@@ -4257,10 +4221,9 @@
           <a:lstStyle/>
           <a:p>
             <a:r>
-              <a:rPr lang="en-US" smtClean="0"/>
+              <a:rPr lang="en-US"/>
               <a:t>Click to edit Master title style</a:t>
             </a:r>
-            <a:endParaRPr lang="en-US"/>
           </a:p>
         </p:txBody>
       </p:sp>
@@ -4317,38 +4280,37 @@
           <a:p>
             <a:pPr lvl="0"/>
             <a:r>
-              <a:rPr lang="en-US" dirty="0" smtClean="0"/>
+              <a:rPr lang="en-US" dirty="0"/>
               <a:t>Click to edit Master text styles</a:t>
             </a:r>
           </a:p>
           <a:p>
             <a:pPr lvl="1"/>
             <a:r>
-              <a:rPr lang="en-US" dirty="0" smtClean="0"/>
+              <a:rPr lang="en-US" dirty="0"/>
               <a:t>Second level</a:t>
             </a:r>
           </a:p>
           <a:p>
             <a:pPr lvl="2"/>
             <a:r>
-              <a:rPr lang="en-US" dirty="0" smtClean="0"/>
+              <a:rPr lang="en-US" dirty="0"/>
               <a:t>Third level</a:t>
             </a:r>
           </a:p>
           <a:p>
             <a:pPr lvl="3"/>
             <a:r>
-              <a:rPr lang="en-US" dirty="0" smtClean="0"/>
+              <a:rPr lang="en-US" dirty="0"/>
               <a:t>Fourth level</a:t>
             </a:r>
           </a:p>
           <a:p>
             <a:pPr lvl="4"/>
             <a:r>
-              <a:rPr lang="en-US" dirty="0" smtClean="0"/>
+              <a:rPr lang="en-US" dirty="0"/>
               <a:t>Fifth level</a:t>
             </a:r>
-            <a:endParaRPr lang="en-US" dirty="0"/>
           </a:p>
         </p:txBody>
       </p:sp>
@@ -4402,7 +4364,7 @@
               <a:defRPr/>
             </a:pPr>
             <a:r>
-              <a:rPr lang="en-US" smtClean="0"/>
+              <a:rPr lang="en-US"/>
               <a:t>S McKeever</a:t>
             </a:r>
             <a:endParaRPr lang="en-US" dirty="0"/>
@@ -4434,7 +4396,7 @@
               <a:defRPr/>
             </a:pPr>
             <a:r>
-              <a:rPr lang="en-GB" smtClean="0"/>
+              <a:rPr lang="en-GB"/>
               <a:t>Advanced Databases</a:t>
             </a:r>
             <a:endParaRPr lang="en-US" dirty="0"/>
@@ -4497,10 +4459,9 @@
           <a:lstStyle/>
           <a:p>
             <a:r>
-              <a:rPr lang="en-US" smtClean="0"/>
+              <a:rPr lang="en-US"/>
               <a:t>Click to edit Master title style</a:t>
             </a:r>
-            <a:endParaRPr lang="en-US"/>
           </a:p>
         </p:txBody>
       </p:sp>
@@ -4557,38 +4518,37 @@
           <a:p>
             <a:pPr lvl="0"/>
             <a:r>
-              <a:rPr lang="en-US" dirty="0" smtClean="0"/>
+              <a:rPr lang="en-US" dirty="0"/>
               <a:t>Click to edit Master text styles</a:t>
             </a:r>
           </a:p>
           <a:p>
             <a:pPr lvl="1"/>
             <a:r>
-              <a:rPr lang="en-US" dirty="0" smtClean="0"/>
+              <a:rPr lang="en-US" dirty="0"/>
               <a:t>Second level</a:t>
             </a:r>
           </a:p>
           <a:p>
             <a:pPr lvl="2"/>
             <a:r>
-              <a:rPr lang="en-US" dirty="0" smtClean="0"/>
+              <a:rPr lang="en-US" dirty="0"/>
               <a:t>Third level</a:t>
             </a:r>
           </a:p>
           <a:p>
             <a:pPr lvl="3"/>
             <a:r>
-              <a:rPr lang="en-US" dirty="0" smtClean="0"/>
+              <a:rPr lang="en-US" dirty="0"/>
               <a:t>Fourth level</a:t>
             </a:r>
           </a:p>
           <a:p>
             <a:pPr lvl="4"/>
             <a:r>
-              <a:rPr lang="en-US" dirty="0" smtClean="0"/>
+              <a:rPr lang="en-US" dirty="0"/>
               <a:t>Fifth level</a:t>
             </a:r>
-            <a:endParaRPr lang="en-US" dirty="0"/>
           </a:p>
         </p:txBody>
       </p:sp>
@@ -4642,7 +4602,7 @@
               <a:defRPr/>
             </a:pPr>
             <a:r>
-              <a:rPr lang="en-US" smtClean="0"/>
+              <a:rPr lang="en-US"/>
               <a:t>S McKeever</a:t>
             </a:r>
             <a:endParaRPr lang="en-US" dirty="0"/>
@@ -4674,7 +4634,7 @@
               <a:defRPr/>
             </a:pPr>
             <a:r>
-              <a:rPr lang="en-GB" smtClean="0"/>
+              <a:rPr lang="en-GB"/>
               <a:t>Advanced Databases</a:t>
             </a:r>
             <a:endParaRPr lang="en-US" dirty="0"/>
@@ -4737,10 +4697,9 @@
           <a:lstStyle/>
           <a:p>
             <a:r>
-              <a:rPr lang="en-US" smtClean="0"/>
+              <a:rPr lang="en-US"/>
               <a:t>Click to edit Master title style</a:t>
             </a:r>
-            <a:endParaRPr lang="en-US"/>
           </a:p>
         </p:txBody>
       </p:sp>
@@ -4797,38 +4756,37 @@
           <a:p>
             <a:pPr lvl="0"/>
             <a:r>
-              <a:rPr lang="en-US" dirty="0" smtClean="0"/>
+              <a:rPr lang="en-US" dirty="0"/>
               <a:t>Click to edit Master text styles</a:t>
             </a:r>
           </a:p>
           <a:p>
             <a:pPr lvl="1"/>
             <a:r>
-              <a:rPr lang="en-US" dirty="0" smtClean="0"/>
+              <a:rPr lang="en-US" dirty="0"/>
               <a:t>Second level</a:t>
             </a:r>
           </a:p>
           <a:p>
             <a:pPr lvl="2"/>
             <a:r>
-              <a:rPr lang="en-US" dirty="0" smtClean="0"/>
+              <a:rPr lang="en-US" dirty="0"/>
               <a:t>Third level</a:t>
             </a:r>
           </a:p>
           <a:p>
             <a:pPr lvl="3"/>
             <a:r>
-              <a:rPr lang="en-US" dirty="0" smtClean="0"/>
+              <a:rPr lang="en-US" dirty="0"/>
               <a:t>Fourth level</a:t>
             </a:r>
           </a:p>
           <a:p>
             <a:pPr lvl="4"/>
             <a:r>
-              <a:rPr lang="en-US" dirty="0" smtClean="0"/>
+              <a:rPr lang="en-US" dirty="0"/>
               <a:t>Fifth level</a:t>
             </a:r>
-            <a:endParaRPr lang="en-US" dirty="0"/>
           </a:p>
         </p:txBody>
       </p:sp>
@@ -4882,7 +4840,7 @@
               <a:defRPr/>
             </a:pPr>
             <a:r>
-              <a:rPr lang="en-US" smtClean="0"/>
+              <a:rPr lang="en-US"/>
               <a:t>S McKeever</a:t>
             </a:r>
             <a:endParaRPr lang="en-US" dirty="0"/>
@@ -4914,7 +4872,7 @@
               <a:defRPr/>
             </a:pPr>
             <a:r>
-              <a:rPr lang="en-GB" smtClean="0"/>
+              <a:rPr lang="en-GB"/>
               <a:t>Advanced Databases</a:t>
             </a:r>
             <a:endParaRPr lang="en-US" dirty="0"/>
@@ -4977,10 +4935,9 @@
           <a:lstStyle/>
           <a:p>
             <a:r>
-              <a:rPr lang="en-US" smtClean="0"/>
+              <a:rPr lang="en-US"/>
               <a:t>Click to edit Master title style</a:t>
             </a:r>
-            <a:endParaRPr lang="en-US"/>
           </a:p>
         </p:txBody>
       </p:sp>
@@ -5037,38 +4994,37 @@
           <a:p>
             <a:pPr lvl="0"/>
             <a:r>
-              <a:rPr lang="en-US" dirty="0" smtClean="0"/>
+              <a:rPr lang="en-US" dirty="0"/>
               <a:t>Click to edit Master text styles</a:t>
             </a:r>
           </a:p>
           <a:p>
             <a:pPr lvl="1"/>
             <a:r>
-              <a:rPr lang="en-US" dirty="0" smtClean="0"/>
+              <a:rPr lang="en-US" dirty="0"/>
               <a:t>Second level</a:t>
             </a:r>
           </a:p>
           <a:p>
             <a:pPr lvl="2"/>
             <a:r>
-              <a:rPr lang="en-US" dirty="0" smtClean="0"/>
+              <a:rPr lang="en-US" dirty="0"/>
               <a:t>Third level</a:t>
             </a:r>
           </a:p>
           <a:p>
             <a:pPr lvl="3"/>
             <a:r>
-              <a:rPr lang="en-US" dirty="0" smtClean="0"/>
+              <a:rPr lang="en-US" dirty="0"/>
               <a:t>Fourth level</a:t>
             </a:r>
           </a:p>
           <a:p>
             <a:pPr lvl="4"/>
             <a:r>
-              <a:rPr lang="en-US" dirty="0" smtClean="0"/>
+              <a:rPr lang="en-US" dirty="0"/>
               <a:t>Fifth level</a:t>
             </a:r>
-            <a:endParaRPr lang="en-US" dirty="0"/>
           </a:p>
         </p:txBody>
       </p:sp>
@@ -5122,7 +5078,7 @@
               <a:defRPr/>
             </a:pPr>
             <a:r>
-              <a:rPr lang="en-US" smtClean="0"/>
+              <a:rPr lang="en-US"/>
               <a:t>S McKeever</a:t>
             </a:r>
             <a:endParaRPr lang="en-US" dirty="0"/>
@@ -5154,7 +5110,7 @@
               <a:defRPr/>
             </a:pPr>
             <a:r>
-              <a:rPr lang="en-GB" smtClean="0"/>
+              <a:rPr lang="en-GB"/>
               <a:t>Advanced Databases</a:t>
             </a:r>
             <a:endParaRPr lang="en-US" dirty="0"/>
@@ -5217,10 +5173,9 @@
           <a:lstStyle/>
           <a:p>
             <a:r>
-              <a:rPr lang="en-US" smtClean="0"/>
+              <a:rPr lang="en-US"/>
               <a:t>Click to edit Master title style</a:t>
             </a:r>
-            <a:endParaRPr lang="en-US"/>
           </a:p>
         </p:txBody>
       </p:sp>
@@ -5277,38 +5232,37 @@
           <a:p>
             <a:pPr lvl="0"/>
             <a:r>
-              <a:rPr lang="en-US" dirty="0" smtClean="0"/>
+              <a:rPr lang="en-US" dirty="0"/>
               <a:t>Click to edit Master text styles</a:t>
             </a:r>
           </a:p>
           <a:p>
             <a:pPr lvl="1"/>
             <a:r>
-              <a:rPr lang="en-US" dirty="0" smtClean="0"/>
+              <a:rPr lang="en-US" dirty="0"/>
               <a:t>Second level</a:t>
             </a:r>
           </a:p>
           <a:p>
             <a:pPr lvl="2"/>
             <a:r>
-              <a:rPr lang="en-US" dirty="0" smtClean="0"/>
+              <a:rPr lang="en-US" dirty="0"/>
               <a:t>Third level</a:t>
             </a:r>
           </a:p>
           <a:p>
             <a:pPr lvl="3"/>
             <a:r>
-              <a:rPr lang="en-US" dirty="0" smtClean="0"/>
+              <a:rPr lang="en-US" dirty="0"/>
               <a:t>Fourth level</a:t>
             </a:r>
           </a:p>
           <a:p>
             <a:pPr lvl="4"/>
             <a:r>
-              <a:rPr lang="en-US" dirty="0" smtClean="0"/>
+              <a:rPr lang="en-US" dirty="0"/>
               <a:t>Fifth level</a:t>
             </a:r>
-            <a:endParaRPr lang="en-US" dirty="0"/>
           </a:p>
         </p:txBody>
       </p:sp>
@@ -5362,7 +5316,7 @@
               <a:defRPr/>
             </a:pPr>
             <a:r>
-              <a:rPr lang="en-US" smtClean="0"/>
+              <a:rPr lang="en-US"/>
               <a:t>S McKeever</a:t>
             </a:r>
             <a:endParaRPr lang="en-US" dirty="0"/>
@@ -5394,7 +5348,7 @@
               <a:defRPr/>
             </a:pPr>
             <a:r>
-              <a:rPr lang="en-GB" smtClean="0"/>
+              <a:rPr lang="en-GB"/>
               <a:t>Advanced Databases</a:t>
             </a:r>
             <a:endParaRPr lang="en-US" dirty="0"/>
@@ -5457,10 +5411,9 @@
           <a:lstStyle/>
           <a:p>
             <a:r>
-              <a:rPr lang="en-US" smtClean="0"/>
+              <a:rPr lang="en-US"/>
               <a:t>Click to edit Master title style</a:t>
             </a:r>
-            <a:endParaRPr lang="en-US"/>
           </a:p>
         </p:txBody>
       </p:sp>
@@ -5517,38 +5470,37 @@
           <a:p>
             <a:pPr lvl="0"/>
             <a:r>
-              <a:rPr lang="en-US" dirty="0" smtClean="0"/>
+              <a:rPr lang="en-US" dirty="0"/>
               <a:t>Click to edit Master text styles</a:t>
             </a:r>
           </a:p>
           <a:p>
             <a:pPr lvl="1"/>
             <a:r>
-              <a:rPr lang="en-US" dirty="0" smtClean="0"/>
+              <a:rPr lang="en-US" dirty="0"/>
               <a:t>Second level</a:t>
             </a:r>
           </a:p>
           <a:p>
             <a:pPr lvl="2"/>
             <a:r>
-              <a:rPr lang="en-US" dirty="0" smtClean="0"/>
+              <a:rPr lang="en-US" dirty="0"/>
               <a:t>Third level</a:t>
             </a:r>
           </a:p>
           <a:p>
             <a:pPr lvl="3"/>
             <a:r>
-              <a:rPr lang="en-US" dirty="0" smtClean="0"/>
+              <a:rPr lang="en-US" dirty="0"/>
               <a:t>Fourth level</a:t>
             </a:r>
           </a:p>
           <a:p>
             <a:pPr lvl="4"/>
             <a:r>
-              <a:rPr lang="en-US" dirty="0" smtClean="0"/>
+              <a:rPr lang="en-US" dirty="0"/>
               <a:t>Fifth level</a:t>
             </a:r>
-            <a:endParaRPr lang="en-US" dirty="0"/>
           </a:p>
         </p:txBody>
       </p:sp>
@@ -5602,7 +5554,7 @@
               <a:defRPr/>
             </a:pPr>
             <a:r>
-              <a:rPr lang="en-US" smtClean="0"/>
+              <a:rPr lang="en-US"/>
               <a:t>S McKeever</a:t>
             </a:r>
             <a:endParaRPr lang="en-US" dirty="0"/>
@@ -5634,7 +5586,7 @@
               <a:defRPr/>
             </a:pPr>
             <a:r>
-              <a:rPr lang="en-GB" smtClean="0"/>
+              <a:rPr lang="en-GB"/>
               <a:t>Advanced Databases</a:t>
             </a:r>
             <a:endParaRPr lang="en-US" dirty="0"/>
@@ -5697,10 +5649,9 @@
           <a:lstStyle/>
           <a:p>
             <a:r>
-              <a:rPr lang="en-US" dirty="0" smtClean="0"/>
+              <a:rPr lang="en-US" dirty="0"/>
               <a:t>Click to edit Master title style</a:t>
             </a:r>
-            <a:endParaRPr lang="en-US" dirty="0"/>
           </a:p>
         </p:txBody>
       </p:sp>
@@ -5757,38 +5708,37 @@
           <a:p>
             <a:pPr lvl="0"/>
             <a:r>
-              <a:rPr lang="en-US" dirty="0" smtClean="0"/>
+              <a:rPr lang="en-US" dirty="0"/>
               <a:t>Click to edit Master text styles</a:t>
             </a:r>
           </a:p>
           <a:p>
             <a:pPr lvl="1"/>
             <a:r>
-              <a:rPr lang="en-US" dirty="0" smtClean="0"/>
+              <a:rPr lang="en-US" dirty="0"/>
               <a:t>Second level</a:t>
             </a:r>
           </a:p>
           <a:p>
             <a:pPr lvl="2"/>
             <a:r>
-              <a:rPr lang="en-US" dirty="0" smtClean="0"/>
+              <a:rPr lang="en-US" dirty="0"/>
               <a:t>Third level</a:t>
             </a:r>
           </a:p>
           <a:p>
             <a:pPr lvl="3"/>
             <a:r>
-              <a:rPr lang="en-US" dirty="0" smtClean="0"/>
+              <a:rPr lang="en-US" dirty="0"/>
               <a:t>Fourth level</a:t>
             </a:r>
           </a:p>
           <a:p>
             <a:pPr lvl="4"/>
             <a:r>
-              <a:rPr lang="en-US" dirty="0" smtClean="0"/>
+              <a:rPr lang="en-US" dirty="0"/>
               <a:t>Fifth level</a:t>
             </a:r>
-            <a:endParaRPr lang="en-US" dirty="0"/>
           </a:p>
         </p:txBody>
       </p:sp>
@@ -5842,7 +5792,7 @@
           </a:lstStyle>
           <a:p>
             <a:r>
-              <a:rPr lang="en-US" smtClean="0"/>
+              <a:rPr lang="en-US"/>
               <a:t>Click to edit Master title style</a:t>
             </a:r>
             <a:endParaRPr lang="en-IE"/>
@@ -5908,7 +5858,7 @@
           <a:p>
             <a:pPr lvl="0"/>
             <a:r>
-              <a:rPr lang="en-US" smtClean="0"/>
+              <a:rPr lang="en-US"/>
               <a:t>Click to edit Master text styles</a:t>
             </a:r>
           </a:p>
@@ -5939,7 +5889,7 @@
               <a:defRPr/>
             </a:pPr>
             <a:r>
-              <a:rPr lang="en-US" smtClean="0"/>
+              <a:rPr lang="en-US"/>
               <a:t>August 2010</a:t>
             </a:r>
             <a:endParaRPr lang="en-IE"/>
@@ -6050,7 +6000,7 @@
           <a:lstStyle/>
           <a:p>
             <a:r>
-              <a:rPr lang="en-US" smtClean="0"/>
+              <a:rPr lang="en-US"/>
               <a:t>Click to edit Master title style</a:t>
             </a:r>
             <a:endParaRPr lang="en-IE"/>
@@ -6107,35 +6057,35 @@
           <a:p>
             <a:pPr lvl="0"/>
             <a:r>
-              <a:rPr lang="en-US" smtClean="0"/>
+              <a:rPr lang="en-US"/>
               <a:t>Click to edit Master text styles</a:t>
             </a:r>
           </a:p>
           <a:p>
             <a:pPr lvl="1"/>
             <a:r>
-              <a:rPr lang="en-US" smtClean="0"/>
+              <a:rPr lang="en-US"/>
               <a:t>Second level</a:t>
             </a:r>
           </a:p>
           <a:p>
             <a:pPr lvl="2"/>
             <a:r>
-              <a:rPr lang="en-US" smtClean="0"/>
+              <a:rPr lang="en-US"/>
               <a:t>Third level</a:t>
             </a:r>
           </a:p>
           <a:p>
             <a:pPr lvl="3"/>
             <a:r>
-              <a:rPr lang="en-US" smtClean="0"/>
+              <a:rPr lang="en-US"/>
               <a:t>Fourth level</a:t>
             </a:r>
           </a:p>
           <a:p>
             <a:pPr lvl="4"/>
             <a:r>
-              <a:rPr lang="en-US" smtClean="0"/>
+              <a:rPr lang="en-US"/>
               <a:t>Fifth level</a:t>
             </a:r>
             <a:endParaRPr lang="en-IE"/>
@@ -6192,35 +6142,35 @@
           <a:p>
             <a:pPr lvl="0"/>
             <a:r>
-              <a:rPr lang="en-US" smtClean="0"/>
+              <a:rPr lang="en-US"/>
               <a:t>Click to edit Master text styles</a:t>
             </a:r>
           </a:p>
           <a:p>
             <a:pPr lvl="1"/>
             <a:r>
-              <a:rPr lang="en-US" smtClean="0"/>
+              <a:rPr lang="en-US"/>
               <a:t>Second level</a:t>
             </a:r>
           </a:p>
           <a:p>
             <a:pPr lvl="2"/>
             <a:r>
-              <a:rPr lang="en-US" smtClean="0"/>
+              <a:rPr lang="en-US"/>
               <a:t>Third level</a:t>
             </a:r>
           </a:p>
           <a:p>
             <a:pPr lvl="3"/>
             <a:r>
-              <a:rPr lang="en-US" smtClean="0"/>
+              <a:rPr lang="en-US"/>
               <a:t>Fourth level</a:t>
             </a:r>
           </a:p>
           <a:p>
             <a:pPr lvl="4"/>
             <a:r>
-              <a:rPr lang="en-US" smtClean="0"/>
+              <a:rPr lang="en-US"/>
               <a:t>Fifth level</a:t>
             </a:r>
             <a:endParaRPr lang="en-IE"/>
@@ -6252,7 +6202,7 @@
               <a:defRPr/>
             </a:pPr>
             <a:r>
-              <a:rPr lang="en-US" smtClean="0"/>
+              <a:rPr lang="en-US"/>
               <a:t>August 2010</a:t>
             </a:r>
             <a:endParaRPr lang="en-IE"/>
@@ -6372,7 +6322,7 @@
           </a:lstStyle>
           <a:p>
             <a:r>
-              <a:rPr lang="en-US" smtClean="0"/>
+              <a:rPr lang="en-US"/>
               <a:t>Click to edit Master title style</a:t>
             </a:r>
             <a:endParaRPr lang="en-IE"/>
@@ -6438,7 +6388,7 @@
           <a:p>
             <a:pPr lvl="0"/>
             <a:r>
-              <a:rPr lang="en-US" smtClean="0"/>
+              <a:rPr lang="en-US"/>
               <a:t>Click to edit Master text styles</a:t>
             </a:r>
           </a:p>
@@ -6494,35 +6444,35 @@
           <a:p>
             <a:pPr lvl="0"/>
             <a:r>
-              <a:rPr lang="en-US" smtClean="0"/>
+              <a:rPr lang="en-US"/>
               <a:t>Click to edit Master text styles</a:t>
             </a:r>
           </a:p>
           <a:p>
             <a:pPr lvl="1"/>
             <a:r>
-              <a:rPr lang="en-US" smtClean="0"/>
+              <a:rPr lang="en-US"/>
               <a:t>Second level</a:t>
             </a:r>
           </a:p>
           <a:p>
             <a:pPr lvl="2"/>
             <a:r>
-              <a:rPr lang="en-US" smtClean="0"/>
+              <a:rPr lang="en-US"/>
               <a:t>Third level</a:t>
             </a:r>
           </a:p>
           <a:p>
             <a:pPr lvl="3"/>
             <a:r>
-              <a:rPr lang="en-US" smtClean="0"/>
+              <a:rPr lang="en-US"/>
               <a:t>Fourth level</a:t>
             </a:r>
           </a:p>
           <a:p>
             <a:pPr lvl="4"/>
             <a:r>
-              <a:rPr lang="en-US" smtClean="0"/>
+              <a:rPr lang="en-US"/>
               <a:t>Fifth level</a:t>
             </a:r>
             <a:endParaRPr lang="en-IE"/>
@@ -6588,7 +6538,7 @@
           <a:p>
             <a:pPr lvl="0"/>
             <a:r>
-              <a:rPr lang="en-US" smtClean="0"/>
+              <a:rPr lang="en-US"/>
               <a:t>Click to edit Master text styles</a:t>
             </a:r>
           </a:p>
@@ -6644,35 +6594,35 @@
           <a:p>
             <a:pPr lvl="0"/>
             <a:r>
-              <a:rPr lang="en-US" smtClean="0"/>
+              <a:rPr lang="en-US"/>
               <a:t>Click to edit Master text styles</a:t>
             </a:r>
           </a:p>
           <a:p>
             <a:pPr lvl="1"/>
             <a:r>
-              <a:rPr lang="en-US" smtClean="0"/>
+              <a:rPr lang="en-US"/>
               <a:t>Second level</a:t>
             </a:r>
           </a:p>
           <a:p>
             <a:pPr lvl="2"/>
             <a:r>
-              <a:rPr lang="en-US" smtClean="0"/>
+              <a:rPr lang="en-US"/>
               <a:t>Third level</a:t>
             </a:r>
           </a:p>
           <a:p>
             <a:pPr lvl="3"/>
             <a:r>
-              <a:rPr lang="en-US" smtClean="0"/>
+              <a:rPr lang="en-US"/>
               <a:t>Fourth level</a:t>
             </a:r>
           </a:p>
           <a:p>
             <a:pPr lvl="4"/>
             <a:r>
-              <a:rPr lang="en-US" smtClean="0"/>
+              <a:rPr lang="en-US"/>
               <a:t>Fifth level</a:t>
             </a:r>
             <a:endParaRPr lang="en-IE"/>
@@ -6704,7 +6654,7 @@
               <a:defRPr/>
             </a:pPr>
             <a:r>
-              <a:rPr lang="en-US" smtClean="0"/>
+              <a:rPr lang="en-US"/>
               <a:t>August 2010</a:t>
             </a:r>
             <a:endParaRPr lang="en-IE"/>
@@ -6815,7 +6765,7 @@
           <a:lstStyle/>
           <a:p>
             <a:r>
-              <a:rPr lang="en-US" smtClean="0"/>
+              <a:rPr lang="en-US"/>
               <a:t>Click to edit Master title style</a:t>
             </a:r>
             <a:endParaRPr lang="en-IE"/>
@@ -6847,7 +6797,7 @@
               <a:defRPr/>
             </a:pPr>
             <a:r>
-              <a:rPr lang="en-US" smtClean="0"/>
+              <a:rPr lang="en-US"/>
               <a:t>August 2010</a:t>
             </a:r>
             <a:endParaRPr lang="en-IE"/>
@@ -6967,7 +6917,7 @@
               <a:defRPr/>
             </a:pPr>
             <a:r>
-              <a:rPr lang="en-US" smtClean="0"/>
+              <a:rPr lang="en-US"/>
               <a:t>August 2010</a:t>
             </a:r>
             <a:endParaRPr lang="en-IE"/>
@@ -7087,7 +7037,7 @@
           </a:lstStyle>
           <a:p>
             <a:r>
-              <a:rPr lang="en-US" smtClean="0"/>
+              <a:rPr lang="en-US"/>
               <a:t>Click to edit Master title style</a:t>
             </a:r>
             <a:endParaRPr lang="en-IE"/>
@@ -7144,35 +7094,35 @@
           <a:p>
             <a:pPr lvl="0"/>
             <a:r>
-              <a:rPr lang="en-US" smtClean="0"/>
+              <a:rPr lang="en-US"/>
               <a:t>Click to edit Master text styles</a:t>
             </a:r>
           </a:p>
           <a:p>
             <a:pPr lvl="1"/>
             <a:r>
-              <a:rPr lang="en-US" smtClean="0"/>
+              <a:rPr lang="en-US"/>
               <a:t>Second level</a:t>
             </a:r>
           </a:p>
           <a:p>
             <a:pPr lvl="2"/>
             <a:r>
-              <a:rPr lang="en-US" smtClean="0"/>
+              <a:rPr lang="en-US"/>
               <a:t>Third level</a:t>
             </a:r>
           </a:p>
           <a:p>
             <a:pPr lvl="3"/>
             <a:r>
-              <a:rPr lang="en-US" smtClean="0"/>
+              <a:rPr lang="en-US"/>
               <a:t>Fourth level</a:t>
             </a:r>
           </a:p>
           <a:p>
             <a:pPr lvl="4"/>
             <a:r>
-              <a:rPr lang="en-US" smtClean="0"/>
+              <a:rPr lang="en-US"/>
               <a:t>Fifth level</a:t>
             </a:r>
             <a:endParaRPr lang="en-IE"/>
@@ -7238,7 +7188,7 @@
           <a:p>
             <a:pPr lvl="0"/>
             <a:r>
-              <a:rPr lang="en-US" smtClean="0"/>
+              <a:rPr lang="en-US"/>
               <a:t>Click to edit Master text styles</a:t>
             </a:r>
           </a:p>
@@ -7269,7 +7219,7 @@
               <a:defRPr/>
             </a:pPr>
             <a:r>
-              <a:rPr lang="en-US" smtClean="0"/>
+              <a:rPr lang="en-US"/>
               <a:t>August 2010</a:t>
             </a:r>
             <a:endParaRPr lang="en-IE"/>
@@ -7389,7 +7339,7 @@
           </a:lstStyle>
           <a:p>
             <a:r>
-              <a:rPr lang="en-US" smtClean="0"/>
+              <a:rPr lang="en-US"/>
               <a:t>Click to edit Master title style</a:t>
             </a:r>
             <a:endParaRPr lang="en-IE"/>
@@ -7455,10 +7405,10 @@
           <a:p>
             <a:pPr lvl="0"/>
             <a:r>
-              <a:rPr lang="en-US" noProof="0" smtClean="0"/>
+              <a:rPr lang="en-US" noProof="0"/>
               <a:t>Click icon to add picture</a:t>
             </a:r>
-            <a:endParaRPr lang="en-IE" noProof="0" smtClean="0"/>
+            <a:endParaRPr lang="en-IE" noProof="0"/>
           </a:p>
         </p:txBody>
       </p:sp>
@@ -7521,7 +7471,7 @@
           <a:p>
             <a:pPr lvl="0"/>
             <a:r>
-              <a:rPr lang="en-US" smtClean="0"/>
+              <a:rPr lang="en-US"/>
               <a:t>Click to edit Master text styles</a:t>
             </a:r>
           </a:p>
@@ -7552,7 +7502,7 @@
               <a:defRPr/>
             </a:pPr>
             <a:r>
-              <a:rPr lang="en-US" smtClean="0"/>
+              <a:rPr lang="en-US"/>
               <a:t>August 2010</a:t>
             </a:r>
             <a:endParaRPr lang="en-IE"/>
@@ -7705,7 +7655,7 @@
               <a:buNone/>
               <a:tabLst/>
             </a:pPr>
-            <a:endParaRPr kumimoji="0" lang="en-IE" sz="1800" b="0" i="0" u="none" strike="noStrike" cap="none" normalizeH="0" baseline="0" smtClean="0">
+            <a:endParaRPr kumimoji="0" lang="en-IE" sz="1800" b="0" i="0" u="none" strike="noStrike" cap="none" normalizeH="0" baseline="0">
               <a:ln>
                 <a:noFill/>
               </a:ln>
@@ -7754,10 +7704,10 @@
           <a:p>
             <a:pPr lvl="0"/>
             <a:r>
-              <a:rPr lang="en-US" dirty="0" smtClean="0"/>
+              <a:rPr lang="en-US" dirty="0"/>
               <a:t>Click to edit Master title style</a:t>
             </a:r>
-            <a:endParaRPr lang="en-IE" dirty="0" smtClean="0"/>
+            <a:endParaRPr lang="en-IE" dirty="0"/>
           </a:p>
         </p:txBody>
       </p:sp>
@@ -7797,38 +7747,38 @@
           <a:p>
             <a:pPr lvl="0"/>
             <a:r>
-              <a:rPr lang="en-US" dirty="0" smtClean="0"/>
+              <a:rPr lang="en-US" dirty="0"/>
               <a:t>Click to edit Master text styles</a:t>
             </a:r>
           </a:p>
           <a:p>
             <a:pPr lvl="1"/>
             <a:r>
-              <a:rPr lang="en-US" dirty="0" smtClean="0"/>
+              <a:rPr lang="en-US" dirty="0"/>
               <a:t>Second level</a:t>
             </a:r>
           </a:p>
           <a:p>
             <a:pPr lvl="2"/>
             <a:r>
-              <a:rPr lang="en-US" dirty="0" smtClean="0"/>
+              <a:rPr lang="en-US" dirty="0"/>
               <a:t>Third level</a:t>
             </a:r>
           </a:p>
           <a:p>
             <a:pPr lvl="3"/>
             <a:r>
-              <a:rPr lang="en-US" dirty="0" smtClean="0"/>
+              <a:rPr lang="en-US" dirty="0"/>
               <a:t>Fourth level</a:t>
             </a:r>
           </a:p>
           <a:p>
             <a:pPr lvl="4"/>
             <a:r>
-              <a:rPr lang="en-US" dirty="0" smtClean="0"/>
+              <a:rPr lang="en-US" dirty="0"/>
               <a:t>Fifth level</a:t>
             </a:r>
-            <a:endParaRPr lang="en-IE" dirty="0" smtClean="0"/>
+            <a:endParaRPr lang="en-IE" dirty="0"/>
           </a:p>
         </p:txBody>
       </p:sp>
@@ -7877,10 +7827,10 @@
               <a:defRPr/>
             </a:pPr>
             <a:r>
-              <a:rPr lang="en-US" dirty="0" smtClean="0"/>
+              <a:rPr lang="en-US" dirty="0"/>
               <a:t>2012/2013 - DT228/4</a:t>
             </a:r>
-            <a:endParaRPr lang="en-IE" dirty="0" smtClean="0"/>
+            <a:endParaRPr lang="en-IE" dirty="0"/>
           </a:p>
           <a:p>
             <a:pPr>
@@ -7935,10 +7885,9 @@
               <a:defRPr/>
             </a:pPr>
             <a:r>
-              <a:rPr lang="en-IE" dirty="0" smtClean="0"/>
+              <a:rPr lang="en-IE" dirty="0"/>
               <a:t>DT228/4</a:t>
             </a:r>
-            <a:endParaRPr lang="en-IE" dirty="0"/>
           </a:p>
         </p:txBody>
       </p:sp>
@@ -8112,7 +8061,7 @@
               <a:buNone/>
               <a:tabLst/>
             </a:pPr>
-            <a:endParaRPr kumimoji="0" lang="it-IT" sz="1800" b="0" i="0" u="none" strike="noStrike" cap="none" normalizeH="0" baseline="0" smtClean="0">
+            <a:endParaRPr kumimoji="0" lang="it-IT" sz="1800" b="0" i="0" u="none" strike="noStrike" cap="none" normalizeH="0" baseline="0">
               <a:ln>
                 <a:noFill/>
               </a:ln>
@@ -8640,7 +8589,7 @@
               <a:buNone/>
               <a:tabLst/>
             </a:pPr>
-            <a:endParaRPr kumimoji="0" lang="en-US" sz="1800" b="0" i="0" u="none" strike="noStrike" cap="none" normalizeH="0" baseline="0" smtClean="0">
+            <a:endParaRPr kumimoji="0" lang="en-US" sz="1800" b="0" i="0" u="none" strike="noStrike" cap="none" normalizeH="0" baseline="0">
               <a:ln>
                 <a:noFill/>
               </a:ln>
@@ -8676,36 +8625,18 @@
           <a:lstStyle/>
           <a:p>
             <a:r>
-              <a:rPr lang="en-IE" sz="4000" dirty="0" smtClean="0"/>
+              <a:rPr lang="en-IE" sz="4000" dirty="0"/>
               <a:t>Advanced Databases</a:t>
             </a:r>
-            <a:r>
-              <a:rPr lang="en-IE" sz="3200" i="1" dirty="0" smtClean="0"/>
-              <a:t/>
-            </a:r>
             <a:br>
-              <a:rPr lang="en-IE" sz="3200" i="1" dirty="0" smtClean="0"/>
+              <a:rPr lang="en-IE" sz="3200" i="1" dirty="0"/>
             </a:br>
             <a:r>
-              <a:rPr lang="en-IE" sz="3500" i="1" dirty="0" smtClean="0"/>
-              <a:t>Lecture 12: </a:t>
-            </a:r>
-            <a:r>
-              <a:rPr lang="en-IE" sz="3500" i="1" dirty="0" smtClean="0"/>
-              <a:t>MongoDB part 2</a:t>
-            </a:r>
-            <a:r>
-              <a:rPr lang="en-IE" sz="4000" i="1" dirty="0" smtClean="0">
-                <a:solidFill>
-                  <a:schemeClr val="accent3">
-                    <a:lumMod val="75000"/>
-                  </a:schemeClr>
-                </a:solidFill>
-              </a:rPr>
-              <a:t/>
+              <a:rPr lang="en-IE" sz="3500" i="1" dirty="0"/>
+              <a:t>Lecture 12: MongoDB part 2</a:t>
             </a:r>
             <a:br>
-              <a:rPr lang="en-IE" sz="4000" i="1" dirty="0" smtClean="0">
+              <a:rPr lang="en-IE" sz="4000" i="1" dirty="0">
                 <a:solidFill>
                   <a:schemeClr val="accent3">
                     <a:lumMod val="75000"/>
@@ -8774,31 +8705,31 @@
               <a:defRPr/>
             </a:pPr>
             <a:r>
-              <a:rPr lang="en-IE" sz="2000" kern="0" dirty="0" smtClean="0">
+              <a:rPr lang="en-IE" sz="2000" kern="0" dirty="0">
                 <a:latin typeface="+mn-lt"/>
               </a:rPr>
               <a:t>Dr. </a:t>
             </a:r>
             <a:r>
-              <a:rPr lang="en-IE" sz="2000" kern="0" dirty="0" err="1" smtClean="0">
+              <a:rPr lang="en-IE" sz="2000" kern="0" dirty="0" err="1">
                 <a:latin typeface="+mn-lt"/>
               </a:rPr>
               <a:t>Pierpaolo</a:t>
             </a:r>
             <a:r>
-              <a:rPr lang="en-IE" sz="2000" kern="0" dirty="0" smtClean="0">
+              <a:rPr lang="en-IE" sz="2000" kern="0" dirty="0">
                 <a:latin typeface="+mn-lt"/>
               </a:rPr>
               <a:t> </a:t>
             </a:r>
             <a:r>
-              <a:rPr lang="en-IE" sz="2000" kern="0" dirty="0" err="1" smtClean="0">
+              <a:rPr lang="en-IE" sz="2000" kern="0" dirty="0" err="1">
                 <a:latin typeface="+mn-lt"/>
               </a:rPr>
               <a:t>Dondio</a:t>
             </a:r>
             <a:r>
-              <a:rPr lang="en-IE" sz="2000" kern="0" dirty="0" smtClean="0">
+              <a:rPr lang="en-IE" sz="2000" kern="0" dirty="0">
                 <a:latin typeface="+mn-lt"/>
               </a:rPr>
               <a:t>,</a:t>
@@ -8822,7 +8753,7 @@
               <a:tabLst/>
               <a:defRPr/>
             </a:pPr>
-            <a:endParaRPr kumimoji="0" lang="en-IE" sz="2000" b="0" i="0" u="none" strike="noStrike" kern="0" cap="none" spc="0" normalizeH="0" baseline="0" noProof="0" dirty="0" smtClean="0">
+            <a:endParaRPr kumimoji="0" lang="en-IE" sz="2000" b="0" i="0" u="none" strike="noStrike" kern="0" cap="none" spc="0" normalizeH="0" baseline="0" noProof="0" dirty="0">
               <a:ln>
                 <a:noFill/>
               </a:ln>
@@ -8858,7 +8789,7 @@
               <a:defRPr/>
             </a:pPr>
             <a:r>
-              <a:rPr lang="en-US" dirty="0" smtClean="0"/>
+              <a:rPr lang="en-US" dirty="0"/>
               <a:t>2012/2013</a:t>
             </a:r>
             <a:endParaRPr lang="en-IE" dirty="0"/>
@@ -8931,13 +8862,6 @@
   <p:clrMapOvr>
     <a:masterClrMapping/>
   </p:clrMapOvr>
-  <p:timing>
-    <p:tnLst>
-      <p:par>
-        <p:cTn id="1" dur="indefinite" restart="never" nodeType="tmRoot"/>
-      </p:par>
-    </p:tnLst>
-  </p:timing>
 </p:sld>
 </file>
 
@@ -8974,10 +8898,9 @@
           <a:lstStyle/>
           <a:p>
             <a:r>
-              <a:rPr lang="en-IE" dirty="0" smtClean="0"/>
+              <a:rPr lang="en-IE" dirty="0"/>
               <a:t>A replica set</a:t>
             </a:r>
-            <a:endParaRPr lang="en-IE" dirty="0"/>
           </a:p>
         </p:txBody>
       </p:sp>
@@ -9000,7 +8923,7 @@
               <a:defRPr/>
             </a:pPr>
             <a:r>
-              <a:rPr lang="en-US" smtClean="0"/>
+              <a:rPr lang="en-US"/>
               <a:t>2012/2013 - DT228/4</a:t>
             </a:r>
             <a:endParaRPr lang="en-IE" dirty="0"/>
@@ -9246,48 +9169,47 @@
           </a:lstStyle>
           <a:p>
             <a:r>
-              <a:rPr lang="en-IE" sz="2000" dirty="0" smtClean="0"/>
+              <a:rPr lang="en-IE" sz="2000" dirty="0"/>
               <a:t>Primaries hold the reference copy of the data</a:t>
             </a:r>
           </a:p>
           <a:p>
             <a:r>
-              <a:rPr lang="en-IE" sz="2000" dirty="0" smtClean="0"/>
+              <a:rPr lang="en-IE" sz="2000" dirty="0"/>
               <a:t>The </a:t>
             </a:r>
             <a:r>
-              <a:rPr lang="en-IE" sz="2000" b="1" dirty="0" err="1" smtClean="0"/>
+              <a:rPr lang="en-IE" sz="2000" b="1" dirty="0" err="1"/>
               <a:t>secondaries</a:t>
             </a:r>
             <a:r>
-              <a:rPr lang="en-IE" sz="2000" dirty="0" smtClean="0"/>
+              <a:rPr lang="en-IE" sz="2000" dirty="0"/>
               <a:t> replicate the primary’s log and apply the operations to their data sets. </a:t>
             </a:r>
           </a:p>
           <a:p>
             <a:r>
-              <a:rPr lang="en-IE" sz="2000" dirty="0" err="1" smtClean="0"/>
+              <a:rPr lang="en-IE" sz="2000" dirty="0" err="1"/>
               <a:t>Secondaries’</a:t>
             </a:r>
             <a:r>
-              <a:rPr lang="en-IE" sz="2000" dirty="0" smtClean="0"/>
+              <a:rPr lang="en-IE" sz="2000" dirty="0"/>
               <a:t> data sets reflect the primary’s data set. If the primary is unavailable, the replica set will elect a secondary to be primary.</a:t>
             </a:r>
           </a:p>
           <a:p>
             <a:r>
-              <a:rPr lang="en-IE" sz="2000" dirty="0" smtClean="0"/>
+              <a:rPr lang="en-IE" sz="2000" dirty="0"/>
               <a:t>By default, clients read from the primary, however, clients can specify a read preferences to send read operations to </a:t>
             </a:r>
             <a:r>
-              <a:rPr lang="en-IE" sz="2000" dirty="0" err="1" smtClean="0"/>
+              <a:rPr lang="en-IE" sz="2000" dirty="0" err="1"/>
               <a:t>secondaries</a:t>
             </a:r>
             <a:r>
-              <a:rPr lang="en-IE" sz="2000" dirty="0" smtClean="0"/>
+              <a:rPr lang="en-IE" sz="2000" dirty="0"/>
               <a:t>. </a:t>
             </a:r>
-            <a:endParaRPr lang="en-IE" sz="2000" dirty="0"/>
           </a:p>
         </p:txBody>
       </p:sp>
@@ -9301,13 +9223,6 @@
   <p:clrMapOvr>
     <a:masterClrMapping/>
   </p:clrMapOvr>
-  <p:timing>
-    <p:tnLst>
-      <p:par>
-        <p:cTn id="1" dur="indefinite" restart="never" nodeType="tmRoot"/>
-      </p:par>
-    </p:tnLst>
-  </p:timing>
 </p:sld>
 </file>
 
@@ -9344,10 +9259,9 @@
           <a:lstStyle/>
           <a:p>
             <a:r>
-              <a:rPr lang="en-IE" dirty="0" smtClean="0"/>
+              <a:rPr lang="en-IE" dirty="0"/>
               <a:t>Functioning of a Replica Set</a:t>
             </a:r>
-            <a:endParaRPr lang="en-IE" dirty="0"/>
           </a:p>
         </p:txBody>
       </p:sp>
@@ -9372,34 +9286,26 @@
           <a:lstStyle/>
           <a:p>
             <a:r>
-              <a:rPr lang="en-IE" sz="2000" dirty="0" smtClean="0"/>
+              <a:rPr lang="en-IE" sz="2000" dirty="0"/>
               <a:t>Failover, </a:t>
             </a:r>
             <a:r>
-              <a:rPr lang="en-IE" sz="2000" dirty="0" err="1" smtClean="0"/>
+              <a:rPr lang="en-IE" sz="2000" dirty="0" err="1"/>
               <a:t>Arbitrer</a:t>
             </a:r>
             <a:r>
-              <a:rPr lang="en-IE" sz="2000" dirty="0" smtClean="0"/>
+              <a:rPr lang="en-IE" sz="2000" dirty="0"/>
               <a:t>, Heartbeat</a:t>
             </a:r>
           </a:p>
           <a:p>
             <a:r>
-              <a:rPr lang="en-IE" sz="2000" b="1" dirty="0" smtClean="0"/>
+              <a:rPr lang="en-IE" sz="2000" b="1" dirty="0"/>
               <a:t>arbiter</a:t>
             </a:r>
             <a:r>
               <a:rPr lang="en-IE" sz="2000" dirty="0"/>
-              <a:t> </a:t>
-            </a:r>
-            <a:r>
-              <a:rPr lang="en-IE" sz="2000" dirty="0" smtClean="0"/>
-              <a:t>can only be an </a:t>
-            </a:r>
-            <a:r>
-              <a:rPr lang="en-IE" sz="2000" dirty="0"/>
-              <a:t>arbiter. A </a:t>
+              <a:t> can only be an arbiter. A </a:t>
             </a:r>
             <a:r>
               <a:rPr lang="en-IE" sz="2000" b="1" dirty="0"/>
@@ -9423,13 +9329,8 @@
             </a:r>
             <a:r>
               <a:rPr lang="en-IE" sz="2000" dirty="0"/>
-              <a:t>may become the primary during an </a:t>
-            </a:r>
-            <a:r>
-              <a:rPr lang="en-IE" sz="2000" dirty="0" smtClean="0"/>
-              <a:t>election</a:t>
-            </a:r>
-            <a:endParaRPr lang="en-IE" sz="2000" dirty="0"/>
+              <a:t>may become the primary during an election</a:t>
+            </a:r>
           </a:p>
         </p:txBody>
       </p:sp>
@@ -9452,7 +9353,7 @@
               <a:defRPr/>
             </a:pPr>
             <a:r>
-              <a:rPr lang="en-US" smtClean="0"/>
+              <a:rPr lang="en-US"/>
               <a:t>2012/2013 - DT228/4</a:t>
             </a:r>
             <a:endParaRPr lang="en-IE" dirty="0"/>
@@ -9595,13 +9496,6 @@
   <p:clrMapOvr>
     <a:masterClrMapping/>
   </p:clrMapOvr>
-  <p:timing>
-    <p:tnLst>
-      <p:par>
-        <p:cTn id="1" dur="indefinite" restart="never" nodeType="tmRoot"/>
-      </p:par>
-    </p:tnLst>
-  </p:timing>
 </p:sld>
 </file>
 
@@ -9638,14 +9532,13 @@
           <a:lstStyle/>
           <a:p>
             <a:r>
-              <a:rPr lang="en-IE" dirty="0" err="1" smtClean="0"/>
+              <a:rPr lang="en-IE" dirty="0" err="1"/>
               <a:t>Secondaries</a:t>
             </a:r>
             <a:r>
-              <a:rPr lang="en-IE" dirty="0" smtClean="0"/>
+              <a:rPr lang="en-IE" dirty="0"/>
               <a:t> </a:t>
             </a:r>
-            <a:endParaRPr lang="en-IE" dirty="0"/>
           </a:p>
         </p:txBody>
       </p:sp>
@@ -9692,47 +9585,27 @@
               <a:rPr lang="en-IE" sz="2400" dirty="0"/>
               <a:t> data sets reflect the primary’s data set. </a:t>
             </a:r>
-            <a:endParaRPr lang="en-IE" sz="2400" dirty="0" smtClean="0"/>
-          </a:p>
-          <a:p>
-            <a:r>
-              <a:rPr lang="en-IE" sz="2400" dirty="0" smtClean="0"/>
-              <a:t>If </a:t>
-            </a:r>
+          </a:p>
+          <a:p>
             <a:r>
               <a:rPr lang="en-IE" sz="2400" dirty="0"/>
-              <a:t>the primary is unavailable, the replica set will elect a secondary to be primary. </a:t>
-            </a:r>
-            <a:endParaRPr lang="en-IE" sz="2400" dirty="0" smtClean="0"/>
-          </a:p>
-          <a:p>
-            <a:r>
-              <a:rPr lang="en-IE" sz="2400" dirty="0" smtClean="0"/>
-              <a:t>By </a:t>
-            </a:r>
+              <a:t>If the primary is unavailable, the replica set will elect a secondary to be primary. </a:t>
+            </a:r>
+          </a:p>
+          <a:p>
             <a:r>
               <a:rPr lang="en-IE" sz="2400" dirty="0"/>
-              <a:t>default, clients read from the primary, however, clients can specify a </a:t>
+              <a:t>By default, clients read from the primary, however, clients can specify a </a:t>
             </a:r>
             <a:r>
               <a:rPr lang="en-IE" sz="2400" dirty="0">
                 <a:hlinkClick r:id="rId2"/>
               </a:rPr>
-              <a:t>read </a:t>
-            </a:r>
-            <a:r>
-              <a:rPr lang="en-IE" sz="2400" dirty="0" smtClean="0">
-                <a:hlinkClick r:id="rId2"/>
-              </a:rPr>
-              <a:t>preferences</a:t>
-            </a:r>
-            <a:r>
-              <a:rPr lang="en-IE" sz="2400" dirty="0" smtClean="0"/>
-              <a:t> to </a:t>
+              <a:t>read preferences</a:t>
             </a:r>
             <a:r>
               <a:rPr lang="en-IE" sz="2400" dirty="0"/>
-              <a:t>send read operations to </a:t>
+              <a:t> to send read operations to </a:t>
             </a:r>
             <a:r>
               <a:rPr lang="en-IE" sz="2400" dirty="0" err="1"/>
@@ -9772,7 +9645,7 @@
               <a:defRPr/>
             </a:pPr>
             <a:r>
-              <a:rPr lang="en-US" smtClean="0"/>
+              <a:rPr lang="en-US"/>
               <a:t>2012/2013 - DT228/4</a:t>
             </a:r>
             <a:endParaRPr lang="en-IE" dirty="0"/>
@@ -9818,13 +9691,6 @@
   <p:clrMapOvr>
     <a:masterClrMapping/>
   </p:clrMapOvr>
-  <p:timing>
-    <p:tnLst>
-      <p:par>
-        <p:cTn id="1" dur="indefinite" restart="never" nodeType="tmRoot"/>
-      </p:par>
-    </p:tnLst>
-  </p:timing>
 </p:sld>
 </file>
 
@@ -9861,10 +9727,9 @@
           <a:lstStyle/>
           <a:p>
             <a:r>
-              <a:rPr lang="en-IE" dirty="0" smtClean="0"/>
+              <a:rPr lang="en-IE" dirty="0"/>
               <a:t>Asynchronous and Replication</a:t>
             </a:r>
-            <a:endParaRPr lang="en-IE" dirty="0"/>
           </a:p>
         </p:txBody>
       </p:sp>
@@ -9884,42 +9749,28 @@
           <a:lstStyle/>
           <a:p>
             <a:r>
-              <a:rPr lang="en-IE" sz="2200" dirty="0" smtClean="0"/>
+              <a:rPr lang="en-IE" sz="2200" dirty="0"/>
               <a:t>In general, </a:t>
             </a:r>
             <a:r>
-              <a:rPr lang="en-IE" sz="2200" dirty="0" err="1" smtClean="0"/>
+              <a:rPr lang="en-IE" sz="2200" dirty="0" err="1"/>
               <a:t>Secondaries</a:t>
             </a:r>
             <a:r>
-              <a:rPr lang="en-IE" sz="2200" dirty="0" smtClean="0"/>
-              <a:t> could apply </a:t>
-            </a:r>
-            <a:r>
               <a:rPr lang="en-IE" sz="2200" dirty="0"/>
-              <a:t>operations from the primary asynchronously. </a:t>
-            </a:r>
-            <a:endParaRPr lang="en-IE" sz="2200" dirty="0" smtClean="0"/>
-          </a:p>
-          <a:p>
-            <a:r>
-              <a:rPr lang="en-IE" sz="2200" dirty="0" smtClean="0"/>
-              <a:t>By </a:t>
-            </a:r>
+              <a:t> could apply operations from the primary asynchronously. </a:t>
+            </a:r>
+          </a:p>
+          <a:p>
             <a:r>
               <a:rPr lang="en-IE" sz="2200" dirty="0"/>
-              <a:t>applying operations after the primary, sets can continue to function without some members. </a:t>
-            </a:r>
-            <a:endParaRPr lang="en-IE" sz="2200" dirty="0" smtClean="0"/>
-          </a:p>
-          <a:p>
-            <a:r>
-              <a:rPr lang="en-IE" sz="2200" dirty="0" smtClean="0"/>
-              <a:t>However</a:t>
-            </a:r>
+              <a:t>By applying operations after the primary, sets can continue to function without some members. </a:t>
+            </a:r>
+          </a:p>
+          <a:p>
             <a:r>
               <a:rPr lang="en-IE" sz="2200" dirty="0"/>
-              <a:t>, as a result </a:t>
+              <a:t>However, as a result </a:t>
             </a:r>
             <a:r>
               <a:rPr lang="en-IE" sz="2200" dirty="0" err="1"/>
@@ -9954,7 +9805,7 @@
               <a:defRPr/>
             </a:pPr>
             <a:r>
-              <a:rPr lang="en-US" smtClean="0"/>
+              <a:rPr lang="en-US"/>
               <a:t>2012/2013 - DT228/4</a:t>
             </a:r>
             <a:endParaRPr lang="en-IE" dirty="0"/>
@@ -10000,13 +9851,6 @@
   <p:clrMapOvr>
     <a:masterClrMapping/>
   </p:clrMapOvr>
-  <p:timing>
-    <p:tnLst>
-      <p:par>
-        <p:cTn id="1" dur="indefinite" restart="never" nodeType="tmRoot"/>
-      </p:par>
-    </p:tnLst>
-  </p:timing>
 </p:sld>
 </file>
 
@@ -10099,28 +9943,19 @@
               <a:t> members cannot </a:t>
             </a:r>
             <a:r>
-              <a:rPr lang="en-IE" sz="2200" i="1" dirty="0" smtClean="0"/>
+              <a:rPr lang="en-IE" sz="2200" i="1" dirty="0"/>
               <a:t>trigger </a:t>
             </a:r>
             <a:r>
-              <a:rPr lang="en-IE" sz="2200" dirty="0" smtClean="0"/>
-              <a:t>elections</a:t>
-            </a:r>
-            <a:r>
               <a:rPr lang="en-IE" sz="2200" dirty="0"/>
-              <a:t>. </a:t>
-            </a:r>
-            <a:endParaRPr lang="en-IE" sz="2200" dirty="0" smtClean="0"/>
+              <a:t>elections. </a:t>
+            </a:r>
           </a:p>
           <a:p>
             <a:pPr algn="just"/>
             <a:r>
-              <a:rPr lang="en-IE" sz="2200" dirty="0" smtClean="0"/>
-              <a:t>A</a:t>
-            </a:r>
-            <a:r>
               <a:rPr lang="en-IE" sz="2200" dirty="0"/>
-              <a:t> </a:t>
+              <a:t>A </a:t>
             </a:r>
             <a:r>
               <a:rPr lang="en-IE" sz="2200" i="1" dirty="0"/>
@@ -10130,17 +9965,12 @@
               <a:rPr lang="en-IE" sz="2200" dirty="0"/>
               <a:t> member maintains a copy of the data set, accepts read operations, and votes in elections. </a:t>
             </a:r>
-            <a:endParaRPr lang="en-IE" sz="2200" dirty="0" smtClean="0"/>
           </a:p>
           <a:p>
             <a:pPr algn="just"/>
             <a:r>
-              <a:rPr lang="en-IE" sz="2200" dirty="0" smtClean="0"/>
-              <a:t>It </a:t>
-            </a:r>
-            <a:r>
               <a:rPr lang="en-IE" sz="2200" dirty="0"/>
-              <a:t>is particularly useful in multi-data </a:t>
+              <a:t>It is particularly useful in multi-data </a:t>
             </a:r>
             <a:r>
               <a:rPr lang="en-IE" sz="2200" dirty="0" err="1"/>
@@ -10150,17 +9980,12 @@
               <a:rPr lang="en-IE" sz="2200" dirty="0"/>
               <a:t> deployments.</a:t>
             </a:r>
-            <a:endParaRPr lang="en-IE" sz="2200" dirty="0" smtClean="0"/>
           </a:p>
           <a:p>
             <a:pPr algn="just"/>
             <a:r>
-              <a:rPr lang="en-IE" sz="2200" dirty="0" smtClean="0"/>
-              <a:t>Prevent </a:t>
-            </a:r>
-            <a:r>
               <a:rPr lang="en-IE" sz="2200" dirty="0"/>
-              <a:t>it from becoming a primary in an election, which allows it to reside in a secondary data </a:t>
+              <a:t>Prevent it from becoming a primary in an election, which allows it to reside in a secondary data </a:t>
             </a:r>
             <a:r>
               <a:rPr lang="en-IE" sz="2200" dirty="0" err="1"/>
@@ -10168,13 +9993,8 @@
             </a:r>
             <a:r>
               <a:rPr lang="en-IE" sz="2200" dirty="0"/>
-              <a:t> or to serve as a cold standby</a:t>
-            </a:r>
-            <a:r>
-              <a:rPr lang="en-IE" sz="2200" dirty="0" smtClean="0"/>
-              <a:t>.</a:t>
-            </a:r>
-            <a:endParaRPr lang="en-IE" sz="2200" dirty="0"/>
+              <a:t> or to serve as a cold standby.</a:t>
+            </a:r>
           </a:p>
         </p:txBody>
       </p:sp>
@@ -10197,7 +10017,7 @@
               <a:defRPr/>
             </a:pPr>
             <a:r>
-              <a:rPr lang="en-US" smtClean="0"/>
+              <a:rPr lang="en-US"/>
               <a:t>2012/2013 - DT228/4</a:t>
             </a:r>
             <a:endParaRPr lang="en-IE" dirty="0"/>
@@ -10273,13 +10093,6 @@
   <p:clrMapOvr>
     <a:masterClrMapping/>
   </p:clrMapOvr>
-  <p:timing>
-    <p:tnLst>
-      <p:par>
-        <p:cTn id="1" dur="indefinite" restart="never" nodeType="tmRoot"/>
-      </p:par>
-    </p:tnLst>
-  </p:timing>
 </p:sld>
 </file>
 
@@ -10316,10 +10129,9 @@
           <a:lstStyle/>
           <a:p>
             <a:r>
-              <a:rPr lang="en-IE" dirty="0" smtClean="0"/>
+              <a:rPr lang="en-IE" dirty="0"/>
               <a:t>Hidden replica set member</a:t>
             </a:r>
-            <a:endParaRPr lang="en-IE" dirty="0"/>
           </a:p>
         </p:txBody>
       </p:sp>
@@ -10345,7 +10157,7 @@
           <a:p>
             <a:pPr algn="just"/>
             <a:r>
-              <a:rPr lang="en-IE" sz="2200" dirty="0" smtClean="0"/>
+              <a:rPr lang="en-IE" sz="2200" dirty="0"/>
               <a:t>A member of the replica set can be defined as hidden</a:t>
             </a:r>
           </a:p>
@@ -10355,22 +10167,20 @@
               <a:rPr lang="en-IE" sz="2200" dirty="0"/>
               <a:t>Prevent applications from reading from it, which allows it to run applications that require separation from normal traffic.</a:t>
             </a:r>
-            <a:endParaRPr lang="en-IE" sz="2200" dirty="0" smtClean="0"/>
           </a:p>
           <a:p>
             <a:pPr algn="just"/>
             <a:r>
-              <a:rPr lang="en-IE" sz="2200" dirty="0" smtClean="0"/>
+              <a:rPr lang="en-IE" sz="2200" dirty="0"/>
               <a:t>Clients will not distribute reads with the appropriate read preference to hidden members. </a:t>
             </a:r>
           </a:p>
           <a:p>
             <a:pPr algn="just"/>
             <a:r>
-              <a:rPr lang="en-IE" sz="2200" dirty="0" smtClean="0"/>
+              <a:rPr lang="en-IE" sz="2200" dirty="0"/>
               <a:t>These members receive no traffic other than basic replication. Use hidden members for dedicated tasks such as reporting and backups. Delayed members should be hidden.</a:t>
             </a:r>
-            <a:endParaRPr lang="en-IE" sz="2200" dirty="0"/>
           </a:p>
         </p:txBody>
       </p:sp>
@@ -10393,7 +10203,7 @@
               <a:defRPr/>
             </a:pPr>
             <a:r>
-              <a:rPr lang="en-US" smtClean="0"/>
+              <a:rPr lang="en-US"/>
               <a:t>2012/2013 - DT228/4</a:t>
             </a:r>
             <a:endParaRPr lang="en-IE" dirty="0"/>
@@ -10469,13 +10279,6 @@
   <p:clrMapOvr>
     <a:masterClrMapping/>
   </p:clrMapOvr>
-  <p:timing>
-    <p:tnLst>
-      <p:par>
-        <p:cTn id="1" dur="indefinite" restart="never" nodeType="tmRoot"/>
-      </p:par>
-    </p:tnLst>
-  </p:timing>
 </p:sld>
 </file>
 
@@ -10513,13 +10316,8 @@
           <a:p>
             <a:r>
               <a:rPr lang="en-IE" dirty="0"/>
-              <a:t>Delayed Replica Set </a:t>
-            </a:r>
-            <a:r>
-              <a:rPr lang="en-IE" dirty="0" smtClean="0"/>
-              <a:t>Members</a:t>
-            </a:r>
-            <a:endParaRPr lang="en-IE" dirty="0"/>
+              <a:t>Delayed Replica Set Members</a:t>
+            </a:r>
           </a:p>
         </p:txBody>
       </p:sp>
@@ -10540,47 +10338,22 @@
           <a:p>
             <a:pPr algn="just"/>
             <a:r>
-              <a:rPr lang="en-IE" sz="2200" dirty="0" smtClean="0"/>
-              <a:t>Delayed </a:t>
-            </a:r>
-            <a:r>
               <a:rPr lang="en-IE" sz="2200" dirty="0"/>
-              <a:t>members contain copies of a r</a:t>
-            </a:r>
-            <a:r>
-              <a:rPr lang="en-IE" sz="2200" dirty="0" smtClean="0"/>
-              <a:t>eplica </a:t>
-            </a:r>
+              <a:t>Delayed members contain copies of a replica set’s data set.</a:t>
+            </a:r>
+          </a:p>
+          <a:p>
+            <a:pPr algn="just"/>
             <a:r>
               <a:rPr lang="en-IE" sz="2200" dirty="0"/>
-              <a:t>set’s data set</a:t>
-            </a:r>
-            <a:r>
-              <a:rPr lang="en-IE" sz="2200" dirty="0" smtClean="0"/>
-              <a:t>.</a:t>
-            </a:r>
-          </a:p>
-          <a:p>
-            <a:pPr algn="just"/>
-            <a:r>
-              <a:rPr lang="en-IE" sz="2200" dirty="0" smtClean="0"/>
-              <a:t>Delayed </a:t>
-            </a:r>
-            <a:r>
-              <a:rPr lang="en-IE" sz="2200" dirty="0"/>
-              <a:t>member’s data set reflects an earlier, or delayed, state of the set. </a:t>
-            </a:r>
-            <a:endParaRPr lang="en-IE" sz="2200" dirty="0" smtClean="0"/>
+              <a:t>Delayed member’s data set reflects an earlier, or delayed, state of the set. </a:t>
+            </a:r>
           </a:p>
           <a:p>
             <a:pPr lvl="1" algn="just"/>
             <a:r>
-              <a:rPr lang="en-IE" sz="1800" dirty="0" smtClean="0"/>
-              <a:t>For </a:t>
-            </a:r>
-            <a:r>
               <a:rPr lang="en-IE" sz="1800" dirty="0"/>
-              <a:t>example, if the current time is 09:52 and a member has a delay of an hour, the delayed member has no operation more recent than 08:52.</a:t>
+              <a:t>For example, if the current time is 09:52 and a member has a delay of an hour, the delayed member has no operation more recent than 08:52.</a:t>
             </a:r>
           </a:p>
           <a:p>
@@ -10589,17 +10362,12 @@
               <a:rPr lang="en-IE" sz="2200" dirty="0"/>
               <a:t>Because delayed members are a “rolling backup” or a running “historical” snapshot of the data set, they may help you recover from various kinds of human error. </a:t>
             </a:r>
-            <a:endParaRPr lang="en-IE" sz="2200" dirty="0" smtClean="0"/>
           </a:p>
           <a:p>
             <a:pPr lvl="1" algn="just"/>
             <a:r>
-              <a:rPr lang="en-IE" sz="1800" dirty="0" smtClean="0"/>
-              <a:t>For </a:t>
-            </a:r>
-            <a:r>
               <a:rPr lang="en-IE" sz="1800" dirty="0"/>
-              <a:t>example, a delayed member can make it possible to recover from unsuccessful application upgrades and operator errors including dropped databases and collections.</a:t>
+              <a:t>For example, a delayed member can make it possible to recover from unsuccessful application upgrades and operator errors including dropped databases and collections.</a:t>
             </a:r>
           </a:p>
           <a:p>
@@ -10634,7 +10402,7 @@
               <a:defRPr/>
             </a:pPr>
             <a:r>
-              <a:rPr lang="en-US" smtClean="0"/>
+              <a:rPr lang="en-US"/>
               <a:t>2012/2013 - DT228/4</a:t>
             </a:r>
             <a:endParaRPr lang="en-IE" dirty="0"/>
@@ -10680,13 +10448,6 @@
   <p:clrMapOvr>
     <a:masterClrMapping/>
   </p:clrMapOvr>
-  <p:timing>
-    <p:tnLst>
-      <p:par>
-        <p:cTn id="1" dur="indefinite" restart="never" nodeType="tmRoot"/>
-      </p:par>
-    </p:tnLst>
-  </p:timing>
 </p:sld>
 </file>
 
@@ -10723,10 +10484,9 @@
           <a:lstStyle/>
           <a:p>
             <a:r>
-              <a:rPr lang="en-IE" dirty="0" smtClean="0"/>
+              <a:rPr lang="en-IE" dirty="0"/>
               <a:t>Read Preferences</a:t>
             </a:r>
-            <a:endParaRPr lang="en-IE" dirty="0"/>
           </a:p>
         </p:txBody>
       </p:sp>
@@ -10778,7 +10538,7 @@
               <a:defRPr/>
             </a:pPr>
             <a:r>
-              <a:rPr lang="en-US" smtClean="0"/>
+              <a:rPr lang="en-US"/>
               <a:t>2012/2013 - DT228/4</a:t>
             </a:r>
             <a:endParaRPr lang="en-IE" dirty="0"/>
@@ -11013,29 +10773,19 @@
               <a:rPr lang="en-IE" sz="2000" dirty="0"/>
               <a:t>By default, an application directs its read operations to the primary member in a replica set. </a:t>
             </a:r>
-            <a:endParaRPr lang="en-IE" sz="2000" dirty="0" smtClean="0"/>
           </a:p>
           <a:p>
             <a:pPr algn="just"/>
             <a:r>
-              <a:rPr lang="en-IE" sz="2000" dirty="0" smtClean="0"/>
-              <a:t>Reading </a:t>
-            </a:r>
-            <a:r>
               <a:rPr lang="en-IE" sz="2000" dirty="0"/>
-              <a:t>from the primary guarantees that read operations reflect the latest version of a document. </a:t>
-            </a:r>
-            <a:endParaRPr lang="en-IE" sz="2000" dirty="0" smtClean="0"/>
+              <a:t>Reading from the primary guarantees that read operations reflect the latest version of a document. </a:t>
+            </a:r>
           </a:p>
           <a:p>
             <a:pPr algn="just"/>
             <a:r>
-              <a:rPr lang="en-IE" sz="2000" dirty="0" smtClean="0"/>
-              <a:t>However</a:t>
-            </a:r>
-            <a:r>
               <a:rPr lang="en-IE" sz="2000" dirty="0"/>
-              <a:t>, by distributing some or all reads to secondary members of the replica set, you can improve read throughput or reduce latency for an application that does not require fully up-to-date data.</a:t>
+              <a:t>However, by distributing some or all reads to secondary members of the replica set, you can improve read throughput or reduce latency for an application that does not require fully up-to-date data.</a:t>
             </a:r>
           </a:p>
         </p:txBody>
@@ -11050,13 +10800,6 @@
   <p:clrMapOvr>
     <a:masterClrMapping/>
   </p:clrMapOvr>
-  <p:timing>
-    <p:tnLst>
-      <p:par>
-        <p:cTn id="1" dur="indefinite" restart="never" nodeType="tmRoot"/>
-      </p:par>
-    </p:tnLst>
-  </p:timing>
 </p:sld>
 </file>
 
@@ -11093,10 +10836,9 @@
           <a:lstStyle/>
           <a:p>
             <a:r>
-              <a:rPr lang="en-IE" dirty="0" smtClean="0"/>
+              <a:rPr lang="en-IE" dirty="0"/>
               <a:t>Reasons for read preferences</a:t>
             </a:r>
-            <a:endParaRPr lang="en-IE" dirty="0"/>
           </a:p>
         </p:txBody>
       </p:sp>
@@ -11122,12 +10864,8 @@
           </a:p>
           <a:p>
             <a:r>
-              <a:rPr lang="en-IE" sz="2200" dirty="0" smtClean="0"/>
-              <a:t>Providing </a:t>
-            </a:r>
-            <a:r>
               <a:rPr lang="en-IE" sz="2200" dirty="0"/>
-              <a:t>local reads for geographically distributed applications.</a:t>
+              <a:t>Providing local reads for geographically distributed applications.</a:t>
             </a:r>
           </a:p>
           <a:p>
@@ -11142,15 +10880,7 @@
             </a:r>
             <a:r>
               <a:rPr lang="en-IE" sz="1800" dirty="0"/>
-              <a:t>, you may consider having a geographically distributed </a:t>
-            </a:r>
-            <a:r>
-              <a:rPr lang="en-IE" sz="1800" dirty="0" smtClean="0"/>
-              <a:t>replica </a:t>
-            </a:r>
-            <a:r>
-              <a:rPr lang="en-IE" sz="1800" dirty="0"/>
-              <a:t>set and using a non primary read preference or </a:t>
+              <a:t>, you may consider having a geographically distributed replica set and using a non primary read preference or </a:t>
             </a:r>
             <a:r>
               <a:rPr lang="en-IE" sz="1800" i="1" dirty="0"/>
@@ -11214,7 +10944,7 @@
               <a:defRPr/>
             </a:pPr>
             <a:r>
-              <a:rPr lang="en-US" smtClean="0"/>
+              <a:rPr lang="en-US"/>
               <a:t>2012/2013 - DT228/4</a:t>
             </a:r>
             <a:endParaRPr lang="en-IE" dirty="0"/>
@@ -11260,13 +10990,6 @@
   <p:clrMapOvr>
     <a:masterClrMapping/>
   </p:clrMapOvr>
-  <p:timing>
-    <p:tnLst>
-      <p:par>
-        <p:cTn id="1" dur="indefinite" restart="never" nodeType="tmRoot"/>
-      </p:par>
-    </p:tnLst>
-  </p:timing>
 </p:sld>
 </file>
 
@@ -11303,10 +11026,9 @@
           <a:lstStyle/>
           <a:p>
             <a:r>
-              <a:rPr lang="en-IE" dirty="0" smtClean="0"/>
+              <a:rPr lang="en-IE" dirty="0"/>
               <a:t>Dangers</a:t>
             </a:r>
-            <a:endParaRPr lang="en-IE" dirty="0"/>
           </a:p>
         </p:txBody>
       </p:sp>
@@ -11331,35 +11053,22 @@
           <a:lstStyle/>
           <a:p>
             <a:r>
-              <a:rPr lang="en-IE" sz="2200" dirty="0" smtClean="0"/>
-              <a:t>Using</a:t>
-            </a:r>
-            <a:r>
               <a:rPr lang="en-IE" sz="2200" dirty="0"/>
-              <a:t> secondary and </a:t>
-            </a:r>
-            <a:r>
-              <a:rPr lang="en-IE" sz="2200" dirty="0" err="1" smtClean="0"/>
+              <a:t>Using secondary and </a:t>
+            </a:r>
+            <a:r>
+              <a:rPr lang="en-IE" sz="2200" dirty="0" err="1"/>
               <a:t>secondaryPreferred</a:t>
             </a:r>
             <a:r>
               <a:rPr lang="en-IE" sz="2200" dirty="0"/>
-              <a:t> </a:t>
-            </a:r>
-            <a:r>
-              <a:rPr lang="en-IE" sz="2200" dirty="0" smtClean="0"/>
-              <a:t>could be dangerous:</a:t>
-            </a:r>
-            <a:endParaRPr lang="en-IE" sz="2200" dirty="0"/>
-          </a:p>
-          <a:p>
-            <a:r>
-              <a:rPr lang="en-IE" sz="2200" dirty="0" smtClean="0"/>
-              <a:t>Because </a:t>
-            </a:r>
+              <a:t> could be dangerous:</a:t>
+            </a:r>
+          </a:p>
+          <a:p>
             <a:r>
               <a:rPr lang="en-IE" sz="2200" dirty="0"/>
-              <a:t>replication is asynchronous and there is some amount of delay between a successful write operation and its replication to </a:t>
+              <a:t>Because replication is asynchronous and there is some amount of delay between a successful write operation and its replication to </a:t>
             </a:r>
             <a:r>
               <a:rPr lang="en-IE" sz="2200" dirty="0" err="1"/>
@@ -11438,7 +11147,7 @@
               <a:defRPr/>
             </a:pPr>
             <a:r>
-              <a:rPr lang="en-US" smtClean="0"/>
+              <a:rPr lang="en-US"/>
               <a:t>2012/2013 - DT228/4</a:t>
             </a:r>
             <a:endParaRPr lang="en-IE" dirty="0"/>
@@ -11484,13 +11193,6 @@
   <p:clrMapOvr>
     <a:masterClrMapping/>
   </p:clrMapOvr>
-  <p:timing>
-    <p:tnLst>
-      <p:par>
-        <p:cTn id="1" dur="indefinite" restart="never" nodeType="tmRoot"/>
-      </p:par>
-    </p:tnLst>
-  </p:timing>
 </p:sld>
 </file>
 
@@ -11527,21 +11229,85 @@
           <a:lstStyle/>
           <a:p>
             <a:r>
-              <a:rPr lang="en-IE" dirty="0" smtClean="0"/>
+              <a:rPr lang="en-IE" dirty="0"/>
               <a:t>So Far</a:t>
             </a:r>
+          </a:p>
+        </p:txBody>
+      </p:sp>
+      <p:sp>
+        <p:nvSpPr>
+          <p:cNvPr id="3" name="Content Placeholder 2"/>
+          <p:cNvSpPr>
+            <a:spLocks noGrp="1"/>
+          </p:cNvSpPr>
+          <p:nvPr>
+            <p:ph idx="1"/>
+          </p:nvPr>
+        </p:nvSpPr>
+        <p:spPr/>
+        <p:txBody>
+          <a:bodyPr/>
+          <a:lstStyle/>
+          <a:p>
+            <a:r>
+              <a:rPr lang="en-IE" dirty="0" err="1"/>
+              <a:t>Schemaless</a:t>
+            </a:r>
+            <a:r>
+              <a:rPr lang="en-IE" dirty="0"/>
+              <a:t> (JSON/BSON)</a:t>
+            </a:r>
+          </a:p>
+          <a:p>
+            <a:r>
+              <a:rPr lang="en-IE" dirty="0"/>
+              <a:t>Embedded JSON</a:t>
+            </a:r>
+          </a:p>
+          <a:p>
+            <a:r>
+              <a:rPr lang="en-IE" dirty="0"/>
+              <a:t>Simple queries</a:t>
+            </a:r>
+          </a:p>
+          <a:p>
+            <a:r>
+              <a:rPr lang="en-IE" dirty="0"/>
+              <a:t>Aggregation built-in operators</a:t>
+            </a:r>
+          </a:p>
+          <a:p>
+            <a:r>
+              <a:rPr lang="en-IE" dirty="0" err="1"/>
+              <a:t>MapReduce</a:t>
+            </a:r>
+            <a:r>
+              <a:rPr lang="en-IE" dirty="0"/>
+              <a:t> used to perform complex queries</a:t>
+            </a:r>
+          </a:p>
+          <a:p>
+            <a:r>
+              <a:rPr lang="en-IE" dirty="0"/>
+              <a:t>(Java)script for </a:t>
+            </a:r>
+            <a:r>
+              <a:rPr lang="en-IE" dirty="0" err="1"/>
+              <a:t>MongoDB</a:t>
+            </a:r>
             <a:endParaRPr lang="en-IE" dirty="0"/>
           </a:p>
         </p:txBody>
       </p:sp>
       <p:sp>
         <p:nvSpPr>
-          <p:cNvPr id="3" name="Content Placeholder 2"/>
-          <p:cNvSpPr>
-            <a:spLocks noGrp="1"/>
-          </p:cNvSpPr>
-          <p:nvPr>
-            <p:ph idx="1"/>
+          <p:cNvPr id="4" name="Date Placeholder 3"/>
+          <p:cNvSpPr>
+            <a:spLocks noGrp="1"/>
+          </p:cNvSpPr>
+          <p:nvPr>
+            <p:ph type="dt" sz="half" idx="10"/>
           </p:nvPr>
         </p:nvSpPr>
         <p:spPr/>
@@ -11549,80 +11315,11 @@
           <a:bodyPr/>
           <a:lstStyle/>
           <a:p>
-            <a:r>
-              <a:rPr lang="en-IE" dirty="0" err="1" smtClean="0"/>
-              <a:t>Schemaless</a:t>
-            </a:r>
-            <a:r>
-              <a:rPr lang="en-IE" dirty="0" smtClean="0"/>
-              <a:t> (JSON/BSON)</a:t>
-            </a:r>
-          </a:p>
-          <a:p>
-            <a:r>
-              <a:rPr lang="en-IE" dirty="0" smtClean="0"/>
-              <a:t>Embedded JSON</a:t>
-            </a:r>
-          </a:p>
-          <a:p>
-            <a:r>
-              <a:rPr lang="en-IE" dirty="0" smtClean="0"/>
-              <a:t>Simple queries</a:t>
-            </a:r>
-          </a:p>
-          <a:p>
-            <a:r>
-              <a:rPr lang="en-IE" dirty="0" smtClean="0"/>
-              <a:t>Aggregation built-in operators</a:t>
-            </a:r>
-          </a:p>
-          <a:p>
-            <a:r>
-              <a:rPr lang="en-IE" dirty="0" err="1" smtClean="0"/>
-              <a:t>MapReduce</a:t>
-            </a:r>
-            <a:r>
-              <a:rPr lang="en-IE" dirty="0" smtClean="0"/>
-              <a:t> used to perform complex queries</a:t>
-            </a:r>
-          </a:p>
-          <a:p>
-            <a:r>
-              <a:rPr lang="en-IE" dirty="0"/>
-              <a:t>(</a:t>
-            </a:r>
-            <a:r>
-              <a:rPr lang="en-IE" dirty="0" smtClean="0"/>
-              <a:t>Java)script for </a:t>
-            </a:r>
-            <a:r>
-              <a:rPr lang="en-IE" dirty="0" err="1" smtClean="0"/>
-              <a:t>MongoDB</a:t>
-            </a:r>
-            <a:endParaRPr lang="en-IE" dirty="0"/>
-          </a:p>
-        </p:txBody>
-      </p:sp>
-      <p:sp>
-        <p:nvSpPr>
-          <p:cNvPr id="4" name="Date Placeholder 3"/>
-          <p:cNvSpPr>
-            <a:spLocks noGrp="1"/>
-          </p:cNvSpPr>
-          <p:nvPr>
-            <p:ph type="dt" sz="half" idx="10"/>
-          </p:nvPr>
-        </p:nvSpPr>
-        <p:spPr/>
-        <p:txBody>
-          <a:bodyPr/>
-          <a:lstStyle/>
-          <a:p>
             <a:pPr>
               <a:defRPr/>
             </a:pPr>
             <a:r>
-              <a:rPr lang="en-US" smtClean="0"/>
+              <a:rPr lang="en-US"/>
               <a:t>2012/2013 - DT228/4</a:t>
             </a:r>
             <a:endParaRPr lang="en-IE" dirty="0"/>
@@ -11668,13 +11365,6 @@
   <p:clrMapOvr>
     <a:masterClrMapping/>
   </p:clrMapOvr>
-  <p:timing>
-    <p:tnLst>
-      <p:par>
-        <p:cTn id="1" dur="indefinite" restart="never" nodeType="tmRoot"/>
-      </p:par>
-    </p:tnLst>
-  </p:timing>
 </p:sld>
 </file>
 
@@ -11711,10 +11401,9 @@
           <a:lstStyle/>
           <a:p>
             <a:r>
-              <a:rPr lang="en-IE" dirty="0" smtClean="0"/>
+              <a:rPr lang="en-IE" dirty="0"/>
               <a:t>Write Concern</a:t>
             </a:r>
-            <a:endParaRPr lang="en-IE" dirty="0"/>
           </a:p>
         </p:txBody>
       </p:sp>
@@ -11735,23 +11424,7 @@
           <a:p>
             <a:r>
               <a:rPr lang="en-IE" sz="2400" dirty="0"/>
-              <a:t>Write </a:t>
-            </a:r>
-            <a:r>
-              <a:rPr lang="en-IE" sz="2400" dirty="0" smtClean="0"/>
-              <a:t>concern</a:t>
-            </a:r>
-            <a:r>
-              <a:rPr lang="en-IE" sz="2400" dirty="0"/>
-              <a:t> </a:t>
-            </a:r>
-            <a:r>
-              <a:rPr lang="en-IE" sz="2400" dirty="0" smtClean="0"/>
-              <a:t>describes </a:t>
-            </a:r>
-            <a:r>
-              <a:rPr lang="en-IE" sz="2400" dirty="0"/>
-              <a:t>the guarantee that </a:t>
+              <a:t>Write concern describes the guarantee that </a:t>
             </a:r>
             <a:r>
               <a:rPr lang="en-IE" sz="2400" dirty="0" err="1"/>
@@ -11761,21 +11434,16 @@
               <a:rPr lang="en-IE" sz="2400" dirty="0"/>
               <a:t> provides when reporting on the success of a write operation. </a:t>
             </a:r>
-            <a:endParaRPr lang="en-IE" sz="2400" dirty="0" smtClean="0"/>
-          </a:p>
-          <a:p>
-            <a:r>
-              <a:rPr lang="en-IE" sz="2400" dirty="0" smtClean="0"/>
-              <a:t>The </a:t>
-            </a:r>
+          </a:p>
+          <a:p>
             <a:r>
               <a:rPr lang="en-IE" sz="2400" dirty="0"/>
-              <a:t>strength of the write concerns determine the level of guarantee. </a:t>
-            </a:r>
-          </a:p>
-          <a:p>
-            <a:r>
-              <a:rPr lang="en-IE" sz="2400" dirty="0" smtClean="0"/>
+              <a:t>The strength of the write concerns determine the level of guarantee. </a:t>
+            </a:r>
+          </a:p>
+          <a:p>
+            <a:r>
+              <a:rPr lang="en-IE" sz="2400" dirty="0"/>
               <a:t>There are 4 levels of write concern</a:t>
             </a:r>
           </a:p>
@@ -11785,7 +11453,7 @@
               <a:buAutoNum type="arabicPeriod"/>
             </a:pPr>
             <a:r>
-              <a:rPr lang="en-IE" sz="2000" dirty="0" smtClean="0"/>
+              <a:rPr lang="en-IE" sz="2000" dirty="0"/>
               <a:t>Unacknowledged</a:t>
             </a:r>
           </a:p>
@@ -11796,11 +11464,7 @@
             </a:pPr>
             <a:r>
               <a:rPr lang="en-IE" sz="2000" dirty="0"/>
-              <a:t>A</a:t>
-            </a:r>
-            <a:r>
-              <a:rPr lang="en-IE" sz="2000" dirty="0" smtClean="0"/>
-              <a:t>cknowledged</a:t>
+              <a:t>Acknowledged</a:t>
             </a:r>
           </a:p>
           <a:p>
@@ -11809,10 +11473,10 @@
               <a:buAutoNum type="arabicPeriod"/>
             </a:pPr>
             <a:r>
-              <a:rPr lang="en-IE" sz="2000" dirty="0" err="1" smtClean="0"/>
+              <a:rPr lang="en-IE" sz="2000" dirty="0" err="1"/>
               <a:t>Journaled</a:t>
             </a:r>
-            <a:endParaRPr lang="en-IE" sz="2000" dirty="0" smtClean="0"/>
+            <a:endParaRPr lang="en-IE" sz="2000" dirty="0"/>
           </a:p>
           <a:p>
             <a:pPr marL="857250" lvl="1" indent="-457200">
@@ -11828,11 +11492,11 @@
             <a:pPr marL="0" indent="0">
               <a:buNone/>
             </a:pPr>
-            <a:endParaRPr lang="en-IE" sz="2400" dirty="0" smtClean="0"/>
-          </a:p>
-          <a:p>
             <a:endParaRPr lang="en-IE" sz="2400" dirty="0"/>
           </a:p>
+          <a:p>
+            <a:endParaRPr lang="en-IE" sz="2400" dirty="0"/>
+          </a:p>
         </p:txBody>
       </p:sp>
       <p:sp>
@@ -11854,7 +11518,7 @@
               <a:defRPr/>
             </a:pPr>
             <a:r>
-              <a:rPr lang="en-US" smtClean="0"/>
+              <a:rPr lang="en-US"/>
               <a:t>2012/2013 - DT228/4</a:t>
             </a:r>
             <a:endParaRPr lang="en-IE" dirty="0"/>
@@ -11900,13 +11564,6 @@
   <p:clrMapOvr>
     <a:masterClrMapping/>
   </p:clrMapOvr>
-  <p:timing>
-    <p:tnLst>
-      <p:par>
-        <p:cTn id="1" dur="indefinite" restart="never" nodeType="tmRoot"/>
-      </p:par>
-    </p:tnLst>
-  </p:timing>
 </p:sld>
 </file>
 
@@ -11965,20 +11622,12 @@
           <a:lstStyle/>
           <a:p>
             <a:r>
-              <a:rPr lang="en-IE" sz="2200" dirty="0" smtClean="0">
-                <a:latin typeface="Tahoma" pitchFamily="34" charset="0"/>
-                <a:ea typeface="Tahoma" pitchFamily="34" charset="0"/>
-                <a:cs typeface="Tahoma" pitchFamily="34" charset="0"/>
-              </a:rPr>
-              <a:t>With </a:t>
-            </a:r>
-            <a:r>
               <a:rPr lang="en-IE" sz="2200" dirty="0">
                 <a:latin typeface="Tahoma" pitchFamily="34" charset="0"/>
                 <a:ea typeface="Tahoma" pitchFamily="34" charset="0"/>
                 <a:cs typeface="Tahoma" pitchFamily="34" charset="0"/>
               </a:rPr>
-              <a:t>an </a:t>
+              <a:t>With an </a:t>
             </a:r>
             <a:r>
               <a:rPr lang="en-IE" sz="2200" i="1" dirty="0">
@@ -12010,33 +11659,12 @@
                 <a:ea typeface="Tahoma" pitchFamily="34" charset="0"/>
                 <a:cs typeface="Tahoma" pitchFamily="34" charset="0"/>
               </a:rPr>
-              <a:t> does not acknowledge the receipt of </a:t>
-            </a:r>
-            <a:r>
-              <a:rPr lang="en-IE" sz="2200" dirty="0" smtClean="0">
-                <a:latin typeface="Tahoma" pitchFamily="34" charset="0"/>
-                <a:ea typeface="Tahoma" pitchFamily="34" charset="0"/>
-                <a:cs typeface="Tahoma" pitchFamily="34" charset="0"/>
-              </a:rPr>
-              <a:t>write operations</a:t>
-            </a:r>
-            <a:r>
-              <a:rPr lang="en-IE" sz="2200" dirty="0">
-                <a:latin typeface="Tahoma" pitchFamily="34" charset="0"/>
-                <a:ea typeface="Tahoma" pitchFamily="34" charset="0"/>
-                <a:cs typeface="Tahoma" pitchFamily="34" charset="0"/>
-              </a:rPr>
-              <a:t>. </a:t>
-            </a:r>
-            <a:endParaRPr lang="en-IE" sz="2200" dirty="0" smtClean="0">
-              <a:latin typeface="Tahoma" pitchFamily="34" charset="0"/>
-              <a:ea typeface="Tahoma" pitchFamily="34" charset="0"/>
-              <a:cs typeface="Tahoma" pitchFamily="34" charset="0"/>
-            </a:endParaRPr>
-          </a:p>
-          <a:p>
-            <a:r>
-              <a:rPr lang="en-IE" sz="2200" i="1" dirty="0" smtClean="0">
+              <a:t> does not acknowledge the receipt of write operations. </a:t>
+            </a:r>
+          </a:p>
+          <a:p>
+            <a:r>
+              <a:rPr lang="en-IE" sz="2200" i="1" dirty="0">
                 <a:latin typeface="Tahoma" pitchFamily="34" charset="0"/>
                 <a:ea typeface="Tahoma" pitchFamily="34" charset="0"/>
                 <a:cs typeface="Tahoma" pitchFamily="34" charset="0"/>
@@ -12067,28 +11695,15 @@
               </a:rPr>
               <a:t>; however, drivers will attempt to receive and handle network errors when possible. </a:t>
             </a:r>
-            <a:endParaRPr lang="en-IE" sz="2200" dirty="0" smtClean="0">
-              <a:latin typeface="Tahoma" pitchFamily="34" charset="0"/>
-              <a:ea typeface="Tahoma" pitchFamily="34" charset="0"/>
-              <a:cs typeface="Tahoma" pitchFamily="34" charset="0"/>
-            </a:endParaRPr>
-          </a:p>
-          <a:p>
-            <a:r>
-              <a:rPr lang="en-IE" sz="2200" dirty="0" smtClean="0">
-                <a:latin typeface="Tahoma" pitchFamily="34" charset="0"/>
-                <a:ea typeface="Tahoma" pitchFamily="34" charset="0"/>
-                <a:cs typeface="Tahoma" pitchFamily="34" charset="0"/>
-              </a:rPr>
-              <a:t>The </a:t>
-            </a:r>
+          </a:p>
+          <a:p>
             <a:r>
               <a:rPr lang="en-IE" sz="2200" dirty="0">
                 <a:latin typeface="Tahoma" pitchFamily="34" charset="0"/>
                 <a:ea typeface="Tahoma" pitchFamily="34" charset="0"/>
                 <a:cs typeface="Tahoma" pitchFamily="34" charset="0"/>
               </a:rPr>
-              <a:t>driver’s ability to detect network errors depends on the system’s networking configuration.</a:t>
+              <a:t>The driver’s ability to detect network errors depends on the system’s networking configuration.</a:t>
             </a:r>
           </a:p>
           <a:p>
@@ -12119,7 +11734,7 @@
               <a:defRPr/>
             </a:pPr>
             <a:r>
-              <a:rPr lang="en-US" smtClean="0"/>
+              <a:rPr lang="en-US"/>
               <a:t>2012/2013 - DT228/4</a:t>
             </a:r>
             <a:endParaRPr lang="en-IE" dirty="0"/>
@@ -12195,13 +11810,6 @@
   <p:clrMapOvr>
     <a:masterClrMapping/>
   </p:clrMapOvr>
-  <p:timing>
-    <p:tnLst>
-      <p:par>
-        <p:cTn id="1" dur="indefinite" restart="never" nodeType="tmRoot"/>
-      </p:par>
-    </p:tnLst>
-  </p:timing>
 </p:sld>
 </file>
 
@@ -12260,12 +11868,8 @@
           <a:lstStyle/>
           <a:p>
             <a:r>
-              <a:rPr lang="en-IE" sz="2200" dirty="0" smtClean="0"/>
-              <a:t>With </a:t>
-            </a:r>
-            <a:r>
               <a:rPr lang="en-IE" sz="2200" dirty="0"/>
-              <a:t>a receipt </a:t>
+              <a:t>With a receipt </a:t>
             </a:r>
             <a:r>
               <a:rPr lang="en-IE" sz="2200" i="1" dirty="0"/>
@@ -12307,11 +11911,7 @@
             </a:r>
             <a:r>
               <a:rPr lang="en-IE" sz="2200" dirty="0"/>
-              <a:t> write concern by </a:t>
-            </a:r>
-            <a:r>
-              <a:rPr lang="en-IE" sz="2200" dirty="0" smtClean="0"/>
-              <a:t>default</a:t>
+              <a:t> write concern by default</a:t>
             </a:r>
           </a:p>
           <a:p>
@@ -12338,7 +11938,7 @@
               <a:defRPr/>
             </a:pPr>
             <a:r>
-              <a:rPr lang="en-US" smtClean="0"/>
+              <a:rPr lang="en-US"/>
               <a:t>2012/2013 - DT228/4</a:t>
             </a:r>
             <a:endParaRPr lang="en-IE" dirty="0"/>
@@ -12414,13 +12014,6 @@
   <p:clrMapOvr>
     <a:masterClrMapping/>
   </p:clrMapOvr>
-  <p:timing>
-    <p:tnLst>
-      <p:par>
-        <p:cTn id="1" dur="indefinite" restart="never" nodeType="tmRoot"/>
-      </p:par>
-    </p:tnLst>
-  </p:timing>
 </p:sld>
 </file>
 
@@ -12485,12 +12078,8 @@
           <a:lstStyle/>
           <a:p>
             <a:r>
-              <a:rPr lang="en-IE" sz="2000" dirty="0" smtClean="0"/>
-              <a:t>With </a:t>
-            </a:r>
-            <a:r>
               <a:rPr lang="en-IE" sz="2000" dirty="0"/>
-              <a:t>a </a:t>
+              <a:t>With a </a:t>
             </a:r>
             <a:r>
               <a:rPr lang="en-IE" sz="2000" i="1" dirty="0" err="1"/>
@@ -12508,16 +12097,11 @@
               <a:rPr lang="en-IE" sz="2000" dirty="0"/>
               <a:t> acknowledges the write operation only after committing the data to the journal. </a:t>
             </a:r>
-            <a:endParaRPr lang="en-IE" sz="2000" dirty="0" smtClean="0"/>
-          </a:p>
-          <a:p>
-            <a:r>
-              <a:rPr lang="en-IE" sz="2000" dirty="0" smtClean="0"/>
-              <a:t>This </a:t>
-            </a:r>
+          </a:p>
+          <a:p>
             <a:r>
               <a:rPr lang="en-IE" sz="2000" dirty="0"/>
-              <a:t>write concern ensures that </a:t>
+              <a:t>This write concern ensures that </a:t>
             </a:r>
             <a:r>
               <a:rPr lang="en-IE" sz="2000" dirty="0" err="1"/>
@@ -12580,7 +12164,7 @@
               <a:defRPr/>
             </a:pPr>
             <a:r>
-              <a:rPr lang="en-US" smtClean="0"/>
+              <a:rPr lang="en-US"/>
               <a:t>2012/2013 - DT228/4</a:t>
             </a:r>
             <a:endParaRPr lang="en-IE" dirty="0"/>
@@ -12656,13 +12240,6 @@
   <p:clrMapOvr>
     <a:masterClrMapping/>
   </p:clrMapOvr>
-  <p:timing>
-    <p:tnLst>
-      <p:par>
-        <p:cTn id="1" dur="indefinite" restart="never" nodeType="tmRoot"/>
-      </p:par>
-    </p:tnLst>
-  </p:timing>
 </p:sld>
 </file>
 
@@ -12700,13 +12277,8 @@
           <a:p>
             <a:r>
               <a:rPr lang="en-IE" dirty="0"/>
-              <a:t>Replica </a:t>
-            </a:r>
-            <a:r>
-              <a:rPr lang="en-IE" dirty="0" smtClean="0"/>
-              <a:t>Acknowledged</a:t>
-            </a:r>
-            <a:endParaRPr lang="en-IE" dirty="0"/>
+              <a:t>Replica Acknowledged</a:t>
+            </a:r>
           </a:p>
         </p:txBody>
       </p:sp>
@@ -12731,20 +12303,8 @@
           <a:lstStyle/>
           <a:p>
             <a:r>
-              <a:rPr lang="en-IE" sz="2200" dirty="0" smtClean="0"/>
-              <a:t>Replica </a:t>
-            </a:r>
-            <a:r>
               <a:rPr lang="en-IE" sz="2200" dirty="0"/>
-              <a:t>sets present additional considerations with regards to write concern</a:t>
-            </a:r>
-            <a:r>
-              <a:rPr lang="en-IE" sz="2200" dirty="0" smtClean="0"/>
-              <a:t>. </a:t>
-            </a:r>
-            <a:r>
-              <a:rPr lang="en-IE" sz="2200" dirty="0"/>
-              <a:t>The default write concern only requires acknowledgement from the primary.</a:t>
+              <a:t>Replica sets present additional considerations with regards to write concern. The default write concern only requires acknowledgement from the primary.</a:t>
             </a:r>
           </a:p>
           <a:p>
@@ -12753,7 +12313,7 @@
               <a:t>With </a:t>
             </a:r>
             <a:r>
-              <a:rPr lang="en-IE" sz="2200" i="1" dirty="0" smtClean="0"/>
+              <a:rPr lang="en-IE" sz="2200" i="1" dirty="0"/>
               <a:t>replica acknowledged</a:t>
             </a:r>
             <a:r>
@@ -12785,7 +12345,7 @@
               <a:defRPr/>
             </a:pPr>
             <a:r>
-              <a:rPr lang="en-US" smtClean="0"/>
+              <a:rPr lang="en-US"/>
               <a:t>2012/2013 - DT228/4</a:t>
             </a:r>
             <a:endParaRPr lang="en-IE" dirty="0"/>
@@ -12861,13 +12421,6 @@
   <p:clrMapOvr>
     <a:masterClrMapping/>
   </p:clrMapOvr>
-  <p:timing>
-    <p:tnLst>
-      <p:par>
-        <p:cTn id="1" dur="indefinite" restart="never" nodeType="tmRoot"/>
-      </p:par>
-    </p:tnLst>
-  </p:timing>
 </p:sld>
 </file>
 
@@ -12931,10 +12484,9 @@
               <a:buNone/>
             </a:pPr>
             <a:r>
-              <a:rPr lang="en-IE" sz="3200" b="1" dirty="0" smtClean="0"/>
+              <a:rPr lang="en-IE" sz="3200" b="1" dirty="0"/>
               <a:t>SHARDING IN MONGO DB</a:t>
             </a:r>
-            <a:endParaRPr lang="en-IE" sz="3200" b="1" dirty="0"/>
           </a:p>
         </p:txBody>
       </p:sp>
@@ -12957,7 +12509,7 @@
               <a:defRPr/>
             </a:pPr>
             <a:r>
-              <a:rPr lang="en-US" smtClean="0"/>
+              <a:rPr lang="en-US"/>
               <a:t>2012/2013 - DT228/4</a:t>
             </a:r>
             <a:endParaRPr lang="en-IE" dirty="0"/>
@@ -13003,13 +12555,6 @@
   <p:clrMapOvr>
     <a:masterClrMapping/>
   </p:clrMapOvr>
-  <p:timing>
-    <p:tnLst>
-      <p:par>
-        <p:cTn id="1" dur="indefinite" restart="never" nodeType="tmRoot"/>
-      </p:par>
-    </p:tnLst>
-  </p:timing>
 </p:sld>
 </file>
 
@@ -13046,14 +12591,13 @@
           <a:lstStyle/>
           <a:p>
             <a:r>
-              <a:rPr lang="en-IE" dirty="0" err="1" smtClean="0"/>
+              <a:rPr lang="en-IE" dirty="0" err="1"/>
               <a:t>Sharding</a:t>
             </a:r>
             <a:r>
-              <a:rPr lang="en-IE" dirty="0" smtClean="0"/>
+              <a:rPr lang="en-IE" dirty="0"/>
               <a:t> and Replica sets</a:t>
             </a:r>
-            <a:endParaRPr lang="en-IE" dirty="0"/>
           </a:p>
         </p:txBody>
       </p:sp>
@@ -13095,50 +12639,25 @@
             </a:r>
             <a:r>
               <a:rPr lang="en-IE" sz="1950" b="1" dirty="0" err="1"/>
-              <a:t>m</a:t>
-            </a:r>
-            <a:r>
-              <a:rPr lang="en-IE" sz="1950" b="1" dirty="0" err="1" smtClean="0"/>
-              <a:t>ongod</a:t>
-            </a:r>
-            <a:r>
-              <a:rPr lang="en-IE" sz="1950" dirty="0" smtClean="0"/>
+              <a:t>mongod</a:t>
+            </a:r>
+            <a:r>
+              <a:rPr lang="en-IE" sz="1950" dirty="0"/>
               <a:t> are the mongo servers</a:t>
             </a:r>
-            <a:endParaRPr lang="en-IE" sz="1950" dirty="0"/>
-          </a:p>
-          <a:p>
-            <a:r>
-              <a:rPr lang="en-IE" sz="1950" dirty="0" smtClean="0"/>
-              <a:t>One </a:t>
-            </a:r>
+          </a:p>
+          <a:p>
             <a:r>
               <a:rPr lang="en-IE" sz="1950" dirty="0"/>
-              <a:t>or more </a:t>
-            </a:r>
-            <a:r>
-              <a:rPr lang="en-IE" sz="1950" dirty="0" smtClean="0"/>
-              <a:t>routers (</a:t>
-            </a:r>
-            <a:r>
-              <a:rPr lang="en-IE" sz="1950" b="1" dirty="0" smtClean="0"/>
+              <a:t>One or more routers (</a:t>
+            </a:r>
+            <a:r>
+              <a:rPr lang="en-IE" sz="1950" b="1" dirty="0"/>
               <a:t>mongos</a:t>
             </a:r>
             <a:r>
-              <a:rPr lang="en-IE" sz="1950" dirty="0" smtClean="0"/>
-              <a:t>), </a:t>
-            </a:r>
-            <a:r>
               <a:rPr lang="en-IE" sz="1950" dirty="0"/>
-              <a:t>each one acts as a server for one or more clients. Clients issue queries/updates to a router </a:t>
-            </a:r>
-            <a:r>
-              <a:rPr lang="en-IE" sz="1950" dirty="0" smtClean="0"/>
-              <a:t>and </a:t>
-            </a:r>
-            <a:r>
-              <a:rPr lang="en-IE" sz="1950" dirty="0"/>
-              <a:t>the router routes them to the appropriate shard while consulting the </a:t>
+              <a:t>), each one acts as a server for one or more clients. Clients issue queries/updates to a router and the router routes them to the appropriate shard while consulting the </a:t>
             </a:r>
             <a:r>
               <a:rPr lang="en-IE" sz="1950" dirty="0" err="1"/>
@@ -13151,12 +12670,8 @@
           </a:p>
           <a:p>
             <a:r>
-              <a:rPr lang="en-IE" sz="1950" dirty="0" smtClean="0"/>
-              <a:t>One </a:t>
-            </a:r>
-            <a:r>
               <a:rPr lang="en-IE" sz="1950" dirty="0"/>
-              <a:t>or more </a:t>
+              <a:t>One or more </a:t>
             </a:r>
             <a:r>
               <a:rPr lang="en-IE" sz="1950" b="1" dirty="0"/>
@@ -13164,15 +12679,7 @@
             </a:r>
             <a:r>
               <a:rPr lang="en-IE" sz="1950" dirty="0"/>
-              <a:t>, each one is (part of) the user's application and issues commands to a router via the mongo </a:t>
-            </a:r>
-            <a:r>
-              <a:rPr lang="en-IE" sz="1950" dirty="0" smtClean="0"/>
-              <a:t>client </a:t>
-            </a:r>
-            <a:r>
-              <a:rPr lang="en-IE" sz="1950" dirty="0"/>
-              <a:t>library (driver) for its language. </a:t>
+              <a:t>, each one is (part of) the user's application and issues commands to a router via the mongo client library (driver) for its language. </a:t>
             </a:r>
           </a:p>
         </p:txBody>
@@ -13196,7 +12703,7 @@
               <a:defRPr/>
             </a:pPr>
             <a:r>
-              <a:rPr lang="en-US" smtClean="0"/>
+              <a:rPr lang="en-US"/>
               <a:t>2012/2013 - DT228/4</a:t>
             </a:r>
             <a:endParaRPr lang="en-IE" dirty="0"/>
@@ -13306,13 +12813,6 @@
   <p:clrMapOvr>
     <a:masterClrMapping/>
   </p:clrMapOvr>
-  <p:timing>
-    <p:tnLst>
-      <p:par>
-        <p:cTn id="1" dur="indefinite" restart="never" nodeType="tmRoot"/>
-      </p:par>
-    </p:tnLst>
-  </p:timing>
 </p:sld>
 </file>
 
@@ -13349,7 +12849,7 @@
           <a:lstStyle/>
           <a:p>
             <a:r>
-              <a:rPr lang="en-IE" dirty="0" err="1" smtClean="0"/>
+              <a:rPr lang="en-IE" dirty="0" err="1"/>
               <a:t>Sharding</a:t>
             </a:r>
             <a:endParaRPr lang="en-IE" dirty="0"/>
@@ -13380,15 +12880,15 @@
               <a:buNone/>
             </a:pPr>
             <a:r>
-              <a:rPr lang="en-IE" sz="2200" dirty="0" smtClean="0"/>
+              <a:rPr lang="en-IE" sz="2200" dirty="0"/>
               <a:t>1 Terabyte of data divided in 4 shards. Each shard is either a </a:t>
             </a:r>
             <a:r>
-              <a:rPr lang="en-IE" sz="2200" dirty="0" err="1" smtClean="0"/>
+              <a:rPr lang="en-IE" sz="2200" dirty="0" err="1"/>
               <a:t>mongod</a:t>
             </a:r>
             <a:r>
-              <a:rPr lang="en-IE" sz="2200" dirty="0" smtClean="0"/>
+              <a:rPr lang="en-IE" sz="2200" dirty="0"/>
               <a:t> or a replica set</a:t>
             </a:r>
           </a:p>
@@ -13397,14 +12897,13 @@
               <a:buNone/>
             </a:pPr>
             <a:r>
-              <a:rPr lang="en-IE" sz="2200" dirty="0" err="1" smtClean="0"/>
+              <a:rPr lang="en-IE" sz="2200" dirty="0" err="1"/>
               <a:t>Sharding</a:t>
             </a:r>
             <a:r>
-              <a:rPr lang="en-IE" sz="2200" dirty="0" smtClean="0"/>
+              <a:rPr lang="en-IE" sz="2200" dirty="0"/>
               <a:t> is done at collection level</a:t>
             </a:r>
-            <a:endParaRPr lang="en-IE" sz="2200" dirty="0"/>
           </a:p>
         </p:txBody>
       </p:sp>
@@ -13427,7 +12926,7 @@
               <a:defRPr/>
             </a:pPr>
             <a:r>
-              <a:rPr lang="en-US" smtClean="0"/>
+              <a:rPr lang="en-US"/>
               <a:t>2012/2013 - DT228/4</a:t>
             </a:r>
             <a:endParaRPr lang="en-IE" dirty="0"/>
@@ -13497,13 +12996,6 @@
   <p:clrMapOvr>
     <a:masterClrMapping/>
   </p:clrMapOvr>
-  <p:timing>
-    <p:tnLst>
-      <p:par>
-        <p:cTn id="1" dur="indefinite" restart="never" nodeType="tmRoot"/>
-      </p:par>
-    </p:tnLst>
-  </p:timing>
 </p:sld>
 </file>
 
@@ -13545,18 +13037,17 @@
           <a:lstStyle/>
           <a:p>
             <a:r>
-              <a:rPr lang="en-IE" dirty="0" smtClean="0"/>
+              <a:rPr lang="en-IE" dirty="0"/>
               <a:t>Components of a </a:t>
             </a:r>
             <a:r>
-              <a:rPr lang="en-IE" dirty="0" err="1" smtClean="0"/>
+              <a:rPr lang="en-IE" dirty="0" err="1"/>
               <a:t>Sharded</a:t>
             </a:r>
             <a:r>
-              <a:rPr lang="en-IE" dirty="0" smtClean="0"/>
+              <a:rPr lang="en-IE" dirty="0"/>
               <a:t> Cluster</a:t>
             </a:r>
-            <a:endParaRPr lang="en-IE" dirty="0"/>
           </a:p>
         </p:txBody>
       </p:sp>
@@ -13579,7 +13070,7 @@
               <a:defRPr/>
             </a:pPr>
             <a:r>
-              <a:rPr lang="en-US" smtClean="0"/>
+              <a:rPr lang="en-US"/>
               <a:t>2012/2013 - DT228/4</a:t>
             </a:r>
             <a:endParaRPr lang="en-IE" dirty="0"/>
@@ -13649,13 +13140,6 @@
   <p:clrMapOvr>
     <a:masterClrMapping/>
   </p:clrMapOvr>
-  <p:timing>
-    <p:tnLst>
-      <p:par>
-        <p:cTn id="1" dur="indefinite" restart="never" nodeType="tmRoot"/>
-      </p:par>
-    </p:tnLst>
-  </p:timing>
 </p:sld>
 </file>
 
@@ -13692,18 +13176,17 @@
           <a:lstStyle/>
           <a:p>
             <a:r>
-              <a:rPr lang="en-IE" dirty="0" smtClean="0"/>
+              <a:rPr lang="en-IE" dirty="0"/>
               <a:t>Components of a </a:t>
             </a:r>
             <a:r>
-              <a:rPr lang="en-IE" dirty="0" err="1" smtClean="0"/>
+              <a:rPr lang="en-IE" dirty="0" err="1"/>
               <a:t>Sharded</a:t>
             </a:r>
             <a:r>
-              <a:rPr lang="en-IE" dirty="0" smtClean="0"/>
+              <a:rPr lang="en-IE" dirty="0"/>
               <a:t> Cluster /2</a:t>
             </a:r>
-            <a:endParaRPr lang="en-IE" dirty="0"/>
           </a:p>
         </p:txBody>
       </p:sp>
@@ -13726,7 +13209,7 @@
               <a:defRPr/>
             </a:pPr>
             <a:r>
-              <a:rPr lang="en-US" smtClean="0"/>
+              <a:rPr lang="en-US"/>
               <a:t>2012/2013 - DT228/4</a:t>
             </a:r>
             <a:endParaRPr lang="en-IE" dirty="0"/>
@@ -13796,21 +13279,8 @@
             </a:r>
             <a:r>
               <a:rPr lang="en-IE" sz="2000" dirty="0"/>
-              <a:t> cluster, each shard </a:t>
-            </a:r>
-            <a:r>
-              <a:rPr lang="en-IE" sz="2000" dirty="0" smtClean="0"/>
-              <a:t>is a </a:t>
-            </a:r>
-            <a:r>
-              <a:rPr lang="en-IE" sz="2000" dirty="0"/>
-              <a:t>replica </a:t>
-            </a:r>
-            <a:r>
-              <a:rPr lang="en-IE" sz="2000" dirty="0" smtClean="0"/>
-              <a:t>set.</a:t>
-            </a:r>
-            <a:endParaRPr lang="en-IE" sz="2000" dirty="0"/>
+              <a:t> cluster, each shard is a replica set.</a:t>
+            </a:r>
           </a:p>
           <a:p>
             <a:r>
@@ -13819,37 +13289,16 @@
             </a:r>
             <a:r>
               <a:rPr lang="en-IE" sz="2000" dirty="0"/>
-              <a:t>, or mongos instances, interface with client applications and direct operations to the appropriate </a:t>
-            </a:r>
-            <a:r>
-              <a:rPr lang="en-IE" sz="2000" dirty="0" smtClean="0"/>
-              <a:t>shard or </a:t>
+              <a:t>, or mongos instances, interface with client applications and direct operations to the appropriate shard or shards. The query router processes and targets operations to shards and then returns results to the clients. A </a:t>
+            </a:r>
+            <a:r>
+              <a:rPr lang="en-IE" sz="2000" dirty="0" err="1"/>
+              <a:t>sharded</a:t>
             </a:r>
             <a:r>
               <a:rPr lang="en-IE" sz="2000" dirty="0"/>
-              <a:t>shards. The query router processes and targets operations to shards and then returns results to the clients. A </a:t>
-            </a:r>
-            <a:r>
-              <a:rPr lang="en-IE" sz="2000" dirty="0" err="1" smtClean="0"/>
-              <a:t>sharded</a:t>
-            </a:r>
-            <a:r>
-              <a:rPr lang="en-IE" sz="2000" dirty="0"/>
-              <a:t> </a:t>
-            </a:r>
-            <a:r>
-              <a:rPr lang="en-IE" sz="2000" dirty="0" smtClean="0"/>
-              <a:t>cluster </a:t>
-            </a:r>
-            <a:r>
-              <a:rPr lang="en-IE" sz="2000" dirty="0"/>
-              <a:t>can contain more than one query router to divide the client request load. A client sends requests to one </a:t>
-            </a:r>
-            <a:r>
-              <a:rPr lang="en-IE" sz="2000" dirty="0" smtClean="0"/>
-              <a:t>query router.</a:t>
-            </a:r>
-            <a:endParaRPr lang="en-IE" sz="2000" dirty="0"/>
+              <a:t> cluster can contain more than one query router to divide the client request load. A client sends requests to one query router.</a:t>
+            </a:r>
           </a:p>
           <a:p>
             <a:r>
@@ -13862,15 +13311,7 @@
             </a:r>
             <a:r>
               <a:rPr lang="en-IE" sz="2000" dirty="0"/>
-              <a:t> store the cluster’s metadata. This data contains a mapping of the cluster’s data set to the shards. </a:t>
-            </a:r>
-            <a:r>
-              <a:rPr lang="en-IE" sz="2000" dirty="0" smtClean="0"/>
-              <a:t>The query </a:t>
-            </a:r>
-            <a:r>
-              <a:rPr lang="en-IE" sz="2000" dirty="0"/>
-              <a:t>router uses this metadata to target operations to specific shards. Production </a:t>
+              <a:t> store the cluster’s metadata. This data contains a mapping of the cluster’s data set to the shards. The query router uses this metadata to target operations to specific shards. Production </a:t>
             </a:r>
             <a:r>
               <a:rPr lang="en-IE" sz="2000" dirty="0" err="1"/>
@@ -13878,23 +13319,15 @@
             </a:r>
             <a:r>
               <a:rPr lang="en-IE" sz="2000" dirty="0"/>
-              <a:t> clusters have exactly </a:t>
-            </a:r>
-            <a:r>
-              <a:rPr lang="en-IE" sz="2000" dirty="0" smtClean="0"/>
-              <a:t>3 </a:t>
-            </a:r>
-            <a:r>
-              <a:rPr lang="en-IE" sz="2000" dirty="0" err="1" smtClean="0"/>
+              <a:t> clusters have exactly 3 </a:t>
+            </a:r>
+            <a:r>
+              <a:rPr lang="en-IE" sz="2000" dirty="0" err="1"/>
               <a:t>config</a:t>
             </a:r>
             <a:r>
-              <a:rPr lang="en-IE" sz="2000" dirty="0" smtClean="0"/>
-              <a:t> </a:t>
-            </a:r>
-            <a:r>
               <a:rPr lang="en-IE" sz="2000" dirty="0"/>
-              <a:t>servers.</a:t>
+              <a:t> servers.</a:t>
             </a:r>
           </a:p>
         </p:txBody>
@@ -13909,13 +13342,6 @@
   <p:clrMapOvr>
     <a:masterClrMapping/>
   </p:clrMapOvr>
-  <p:timing>
-    <p:tnLst>
-      <p:par>
-        <p:cTn id="1" dur="indefinite" restart="never" nodeType="tmRoot"/>
-      </p:par>
-    </p:tnLst>
-  </p:timing>
 </p:sld>
 </file>
 
@@ -13952,10 +13378,9 @@
           <a:lstStyle/>
           <a:p>
             <a:r>
-              <a:rPr lang="en-IE" dirty="0" smtClean="0"/>
+              <a:rPr lang="en-IE" dirty="0"/>
               <a:t>Output from a shell</a:t>
             </a:r>
-            <a:endParaRPr lang="en-IE" dirty="0"/>
           </a:p>
         </p:txBody>
       </p:sp>
@@ -13975,20 +13400,20 @@
           <a:lstStyle/>
           <a:p>
             <a:r>
-              <a:rPr lang="en-IE" dirty="0" smtClean="0"/>
+              <a:rPr lang="en-IE" dirty="0"/>
               <a:t>Some practical tips</a:t>
             </a:r>
           </a:p>
           <a:p>
             <a:r>
-              <a:rPr lang="en-IE" dirty="0" smtClean="0"/>
+              <a:rPr lang="en-IE" dirty="0"/>
               <a:t>When running from a script:</a:t>
             </a:r>
           </a:p>
           <a:p>
             <a:pPr lvl="1"/>
             <a:r>
-              <a:rPr lang="en-IE" dirty="0" smtClean="0"/>
+              <a:rPr lang="en-IE" dirty="0"/>
               <a:t>Output of a query is not displayed by default, use the following function to display it.</a:t>
             </a:r>
           </a:p>
@@ -13996,14 +13421,14 @@
             <a:pPr marL="457200" lvl="1" indent="0">
               <a:buNone/>
             </a:pPr>
-            <a:endParaRPr lang="en-IE" dirty="0" smtClean="0"/>
+            <a:endParaRPr lang="en-IE" dirty="0"/>
           </a:p>
           <a:p>
             <a:pPr marL="457200" lvl="1" indent="0">
               <a:buNone/>
             </a:pPr>
             <a:r>
-              <a:rPr lang="en-IE" dirty="0" smtClean="0">
+              <a:rPr lang="en-IE" dirty="0">
                 <a:latin typeface="Courier" pitchFamily="49" charset="0"/>
               </a:rPr>
               <a:t>function </a:t>
@@ -14020,25 +13445,16 @@
               </a:rPr>
               <a:t> (result) </a:t>
             </a:r>
-            <a:endParaRPr lang="en-IE" dirty="0" smtClean="0">
-              <a:latin typeface="Courier" pitchFamily="49" charset="0"/>
-            </a:endParaRPr>
           </a:p>
           <a:p>
             <a:pPr marL="457200" lvl="1" indent="0">
               <a:buNone/>
             </a:pPr>
-            <a:r>
-              <a:rPr lang="en-IE" dirty="0" smtClean="0">
-                <a:latin typeface="Courier" pitchFamily="49" charset="0"/>
-              </a:rPr>
-              <a:t>	{ </a:t>
-            </a:r>
             <a:r>
               <a:rPr lang="en-IE" dirty="0">
                 <a:latin typeface="Courier" pitchFamily="49" charset="0"/>
               </a:rPr>
-              <a:t>print(</a:t>
+              <a:t>	{ print(</a:t>
             </a:r>
             <a:r>
               <a:rPr lang="en-IE" dirty="0" err="1">
@@ -14052,9 +13468,6 @@
               </a:rPr>
               <a:t>(result)); } </a:t>
             </a:r>
-            <a:endParaRPr lang="en-IE" dirty="0" smtClean="0">
-              <a:latin typeface="Courier" pitchFamily="49" charset="0"/>
-            </a:endParaRPr>
           </a:p>
           <a:p>
             <a:pPr marL="457200" lvl="1" indent="0">
@@ -14068,7 +13481,7 @@
             <a:pPr marL="457200" lvl="1" indent="0">
               <a:buNone/>
             </a:pPr>
-            <a:endParaRPr lang="en-IE" dirty="0" smtClean="0">
+            <a:endParaRPr lang="en-IE" dirty="0">
               <a:latin typeface="Courier" pitchFamily="49" charset="0"/>
             </a:endParaRPr>
           </a:p>
@@ -14077,13 +13490,13 @@
               <a:buNone/>
             </a:pPr>
             <a:r>
-              <a:rPr lang="en-IE" dirty="0" err="1" smtClean="0">
+              <a:rPr lang="en-IE" dirty="0" err="1">
                 <a:latin typeface="Courier" pitchFamily="49" charset="0"/>
               </a:rPr>
               <a:t>db.col.find</a:t>
             </a:r>
             <a:r>
-              <a:rPr lang="en-IE" dirty="0" smtClean="0">
+              <a:rPr lang="en-IE" dirty="0">
                 <a:latin typeface="Courier" pitchFamily="49" charset="0"/>
               </a:rPr>
               <a:t>(…).</a:t>
@@ -14112,9 +13525,6 @@
               </a:rPr>
               <a:t>)</a:t>
             </a:r>
-            <a:endParaRPr lang="en-IE" dirty="0" smtClean="0">
-              <a:latin typeface="Courier" pitchFamily="49" charset="0"/>
-            </a:endParaRPr>
           </a:p>
         </p:txBody>
       </p:sp>
@@ -14137,7 +13547,7 @@
               <a:defRPr/>
             </a:pPr>
             <a:r>
-              <a:rPr lang="en-US" smtClean="0"/>
+              <a:rPr lang="en-US"/>
               <a:t>2012/2013 - DT228/4</a:t>
             </a:r>
             <a:endParaRPr lang="en-IE" dirty="0"/>
@@ -14183,13 +13593,6 @@
   <p:clrMapOvr>
     <a:masterClrMapping/>
   </p:clrMapOvr>
-  <p:timing>
-    <p:tnLst>
-      <p:par>
-        <p:cTn id="1" dur="indefinite" restart="never" nodeType="tmRoot"/>
-      </p:par>
-    </p:tnLst>
-  </p:timing>
 </p:sld>
 </file>
 
@@ -14226,10 +13629,9 @@
           <a:lstStyle/>
           <a:p>
             <a:r>
-              <a:rPr lang="en-IE" dirty="0" smtClean="0"/>
+              <a:rPr lang="en-IE" dirty="0"/>
               <a:t>Shard Keys</a:t>
             </a:r>
-            <a:endParaRPr lang="en-IE" dirty="0"/>
           </a:p>
         </p:txBody>
       </p:sp>
@@ -14254,63 +13656,62 @@
           <a:lstStyle/>
           <a:p>
             <a:r>
-              <a:rPr lang="en-IE" sz="1800" dirty="0" smtClean="0"/>
+              <a:rPr lang="en-IE" sz="1800" dirty="0"/>
               <a:t>Indexed Field on which data are divided in chunk and assigned to each shard</a:t>
             </a:r>
           </a:p>
           <a:p>
             <a:r>
-              <a:rPr lang="en-IE" sz="1800" b="1" dirty="0" smtClean="0"/>
+              <a:rPr lang="en-IE" sz="1800" b="1" dirty="0"/>
               <a:t>Range based </a:t>
             </a:r>
             <a:r>
-              <a:rPr lang="en-IE" sz="1800" dirty="0" err="1" smtClean="0"/>
+              <a:rPr lang="en-IE" sz="1800" dirty="0" err="1"/>
               <a:t>vs</a:t>
             </a:r>
             <a:r>
-              <a:rPr lang="en-IE" sz="1800" dirty="0" smtClean="0"/>
+              <a:rPr lang="en-IE" sz="1800" dirty="0"/>
               <a:t> </a:t>
             </a:r>
             <a:r>
-              <a:rPr lang="en-IE" sz="1800" b="1" dirty="0" smtClean="0"/>
+              <a:rPr lang="en-IE" sz="1800" b="1" dirty="0"/>
               <a:t>Hash-based</a:t>
             </a:r>
             <a:r>
-              <a:rPr lang="en-IE" sz="1800" dirty="0" smtClean="0"/>
+              <a:rPr lang="en-IE" sz="1800" dirty="0"/>
               <a:t> </a:t>
             </a:r>
             <a:r>
-              <a:rPr lang="en-IE" sz="1800" dirty="0" err="1" smtClean="0"/>
+              <a:rPr lang="en-IE" sz="1800" dirty="0" err="1"/>
               <a:t>vs</a:t>
             </a:r>
             <a:r>
-              <a:rPr lang="en-IE" sz="1800" dirty="0" smtClean="0"/>
+              <a:rPr lang="en-IE" sz="1800" dirty="0"/>
               <a:t> </a:t>
             </a:r>
             <a:r>
-              <a:rPr lang="en-IE" sz="1800" b="1" dirty="0" smtClean="0"/>
+              <a:rPr lang="en-IE" sz="1800" b="1" dirty="0"/>
               <a:t>tag-based </a:t>
             </a:r>
             <a:r>
               <a:rPr lang="en-IE" sz="1800" dirty="0"/>
               <a:t>Partitioning </a:t>
             </a:r>
-            <a:endParaRPr lang="en-IE" sz="1800" b="1" dirty="0" smtClean="0"/>
-          </a:p>
-          <a:p>
-            <a:r>
-              <a:rPr lang="en-IE" sz="1800" dirty="0" smtClean="0"/>
+            <a:endParaRPr lang="en-IE" sz="1800" b="1" dirty="0"/>
+          </a:p>
+          <a:p>
+            <a:r>
+              <a:rPr lang="en-IE" sz="1800" dirty="0"/>
               <a:t>Writing </a:t>
             </a:r>
             <a:r>
-              <a:rPr lang="en-IE" sz="1800" dirty="0" err="1" smtClean="0"/>
+              <a:rPr lang="en-IE" sz="1800" dirty="0" err="1"/>
               <a:t>vs</a:t>
             </a:r>
             <a:r>
-              <a:rPr lang="en-IE" sz="1800" dirty="0" smtClean="0"/>
+              <a:rPr lang="en-IE" sz="1800" dirty="0"/>
               <a:t> query using _id</a:t>
             </a:r>
-            <a:endParaRPr lang="en-IE" sz="1800" dirty="0"/>
           </a:p>
         </p:txBody>
       </p:sp>
@@ -14333,7 +13734,7 @@
               <a:defRPr/>
             </a:pPr>
             <a:r>
-              <a:rPr lang="en-US" smtClean="0"/>
+              <a:rPr lang="en-US"/>
               <a:t>2012/2013 - DT228/4</a:t>
             </a:r>
             <a:endParaRPr lang="en-IE" dirty="0"/>
@@ -14427,13 +13828,6 @@
   <p:clrMapOvr>
     <a:masterClrMapping/>
   </p:clrMapOvr>
-  <p:timing>
-    <p:tnLst>
-      <p:par>
-        <p:cTn id="1" dur="indefinite" restart="never" nodeType="tmRoot"/>
-      </p:par>
-    </p:tnLst>
-  </p:timing>
 </p:sld>
 </file>
 
@@ -14470,10 +13864,9 @@
           <a:lstStyle/>
           <a:p>
             <a:r>
-              <a:rPr lang="en-IE" dirty="0" smtClean="0"/>
+              <a:rPr lang="en-IE" dirty="0"/>
               <a:t>Maintaining Balance Dataset</a:t>
             </a:r>
-            <a:endParaRPr lang="en-IE" dirty="0"/>
           </a:p>
         </p:txBody>
       </p:sp>
@@ -14493,19 +13886,19 @@
           <a:lstStyle/>
           <a:p>
             <a:r>
-              <a:rPr lang="en-IE" sz="2200" dirty="0" smtClean="0"/>
+              <a:rPr lang="en-IE" sz="2200" dirty="0"/>
               <a:t>2 processes to assure balance dataset</a:t>
             </a:r>
           </a:p>
           <a:p>
             <a:r>
-              <a:rPr lang="en-IE" sz="2200" dirty="0" smtClean="0"/>
+              <a:rPr lang="en-IE" sz="2200" dirty="0"/>
               <a:t>Splitting, when the shard grows over a certain size</a:t>
             </a:r>
           </a:p>
           <a:p>
             <a:r>
-              <a:rPr lang="en-IE" sz="2200" dirty="0" smtClean="0"/>
+              <a:rPr lang="en-IE" sz="2200" dirty="0"/>
               <a:t>Background process, need to use the shard  key to divide them. If the shard key is the same, it will not happen</a:t>
             </a:r>
           </a:p>
@@ -14536,7 +13929,7 @@
               <a:defRPr/>
             </a:pPr>
             <a:r>
-              <a:rPr lang="en-US" smtClean="0"/>
+              <a:rPr lang="en-US"/>
               <a:t>2012/2013 - DT228/4</a:t>
             </a:r>
             <a:endParaRPr lang="en-IE" dirty="0"/>
@@ -14606,13 +13999,6 @@
   <p:clrMapOvr>
     <a:masterClrMapping/>
   </p:clrMapOvr>
-  <p:timing>
-    <p:tnLst>
-      <p:par>
-        <p:cTn id="1" dur="indefinite" restart="never" nodeType="tmRoot"/>
-      </p:par>
-    </p:tnLst>
-  </p:timing>
 </p:sld>
 </file>
 
@@ -14649,10 +14035,9 @@
           <a:lstStyle/>
           <a:p>
             <a:r>
-              <a:rPr lang="en-IE" dirty="0" smtClean="0"/>
+              <a:rPr lang="en-IE" dirty="0"/>
               <a:t>Some Commands</a:t>
             </a:r>
-            <a:endParaRPr lang="en-IE" dirty="0"/>
           </a:p>
         </p:txBody>
       </p:sp>
@@ -14695,40 +14080,23 @@
           <a:p>
             <a:r>
               <a:rPr lang="en-IE" sz="1900" dirty="0"/>
-              <a:t>Replace the &lt;database&gt;.&lt;collection&gt; string with the full namespace of your database, which </a:t>
-            </a:r>
-            <a:r>
-              <a:rPr lang="en-IE" sz="1900" dirty="0" smtClean="0"/>
-              <a:t>consists of </a:t>
-            </a:r>
-            <a:r>
-              <a:rPr lang="en-IE" sz="1900" dirty="0"/>
-              <a:t>the name of your database, a dot (e.g. .), and the full name of the collection. The </a:t>
-            </a:r>
-            <a:r>
-              <a:rPr lang="en-IE" sz="1900" dirty="0" smtClean="0"/>
-              <a:t>shard-key-pattern represents </a:t>
-            </a:r>
-            <a:r>
-              <a:rPr lang="en-IE" sz="1900" dirty="0"/>
-              <a:t>your shard key, which you specify in the same form as you would an index key pattern.</a:t>
+              <a:t>Replace the &lt;database&gt;.&lt;collection&gt; string with the full namespace of your database, which consists of the name of your database, a dot (e.g. .), and the full name of the collection. The shard-key-pattern represents your shard key, which you specify in the same form as you would an index key pattern.</a:t>
             </a:r>
           </a:p>
           <a:p>
             <a:pPr marL="0" indent="0">
               <a:buNone/>
             </a:pPr>
-            <a:endParaRPr lang="en-IE" sz="1900" dirty="0" smtClean="0"/>
+            <a:endParaRPr lang="en-IE" sz="1900" dirty="0"/>
           </a:p>
           <a:p>
             <a:pPr marL="0" indent="0">
               <a:buNone/>
             </a:pPr>
             <a:r>
-              <a:rPr lang="en-IE" sz="1900" dirty="0" smtClean="0"/>
+              <a:rPr lang="en-IE" sz="1900" dirty="0"/>
               <a:t>Examples</a:t>
             </a:r>
-            <a:endParaRPr lang="en-IE" sz="1900" dirty="0"/>
           </a:p>
           <a:p>
             <a:r>
@@ -14740,14 +14108,14 @@
             <a:pPr marL="400050" lvl="1" indent="0">
               <a:buNone/>
             </a:pPr>
-            <a:endParaRPr lang="en-IE" sz="1800" dirty="0" smtClean="0"/>
+            <a:endParaRPr lang="en-IE" sz="1800" dirty="0"/>
           </a:p>
           <a:p>
             <a:pPr marL="400050" lvl="1" indent="0">
               <a:buNone/>
             </a:pPr>
             <a:r>
-              <a:rPr lang="en-IE" sz="1800" dirty="0" err="1" smtClean="0"/>
+              <a:rPr lang="en-IE" sz="1800" dirty="0" err="1"/>
               <a:t>sh.shardCollection</a:t>
             </a:r>
             <a:r>
@@ -14855,7 +14223,7 @@
               <a:defRPr/>
             </a:pPr>
             <a:r>
-              <a:rPr lang="en-US" smtClean="0"/>
+              <a:rPr lang="en-US"/>
               <a:t>2012/2013 - DT228/4</a:t>
             </a:r>
             <a:endParaRPr lang="en-IE" dirty="0"/>
@@ -14901,13 +14269,6 @@
   <p:clrMapOvr>
     <a:masterClrMapping/>
   </p:clrMapOvr>
-  <p:timing>
-    <p:tnLst>
-      <p:par>
-        <p:cTn id="1" dur="indefinite" restart="never" nodeType="tmRoot"/>
-      </p:par>
-    </p:tnLst>
-  </p:timing>
 </p:sld>
 </file>
 
@@ -14944,10 +14305,9 @@
           <a:lstStyle/>
           <a:p>
             <a:r>
-              <a:rPr lang="en-IE" dirty="0" smtClean="0"/>
+              <a:rPr lang="en-IE" dirty="0"/>
               <a:t>Shard Keys - Issues</a:t>
             </a:r>
-            <a:endParaRPr lang="en-IE" dirty="0"/>
           </a:p>
         </p:txBody>
       </p:sp>
@@ -14967,7 +14327,7 @@
           <a:lstStyle/>
           <a:p>
             <a:r>
-              <a:rPr lang="en-IE" sz="1900" dirty="0" smtClean="0"/>
+              <a:rPr lang="en-IE" sz="1900" dirty="0"/>
               <a:t>When selecting the shard key, we want to preserve high write scaling and high query isolation</a:t>
             </a:r>
           </a:p>
@@ -14975,14 +14335,14 @@
             <a:pPr marL="0" indent="0">
               <a:buNone/>
             </a:pPr>
-            <a:endParaRPr lang="en-IE" sz="1900" b="1" dirty="0" smtClean="0"/>
+            <a:endParaRPr lang="en-IE" sz="1900" b="1" dirty="0"/>
           </a:p>
           <a:p>
             <a:pPr marL="0" indent="0">
               <a:buNone/>
             </a:pPr>
             <a:r>
-              <a:rPr lang="en-IE" sz="1900" b="1" dirty="0" smtClean="0"/>
+              <a:rPr lang="en-IE" sz="1900" b="1" dirty="0"/>
               <a:t>Write scaling issues</a:t>
             </a:r>
           </a:p>
@@ -14991,15 +14351,15 @@
               <a:buNone/>
             </a:pPr>
             <a:r>
-              <a:rPr lang="en-IE" sz="1900" dirty="0" smtClean="0"/>
+              <a:rPr lang="en-IE" sz="1900" dirty="0"/>
               <a:t>Ability to exploit parallel writing on multiple </a:t>
             </a:r>
             <a:r>
-              <a:rPr lang="en-IE" sz="1900" dirty="0" err="1" smtClean="0"/>
+              <a:rPr lang="en-IE" sz="1900" dirty="0" err="1"/>
               <a:t>sharding</a:t>
             </a:r>
             <a:r>
-              <a:rPr lang="en-IE" sz="1900" dirty="0" smtClean="0"/>
+              <a:rPr lang="en-IE" sz="1900" dirty="0"/>
               <a:t>. How is it affected when:</a:t>
             </a:r>
           </a:p>
@@ -15009,7 +14369,7 @@
               <a:buAutoNum type="arabicPeriod"/>
             </a:pPr>
             <a:r>
-              <a:rPr lang="en-IE" sz="1900" dirty="0" smtClean="0"/>
+              <a:rPr lang="en-IE" sz="1900" dirty="0"/>
               <a:t>Using object-id without hashing</a:t>
             </a:r>
           </a:p>
@@ -15019,7 +14379,7 @@
               <a:buAutoNum type="arabicPeriod"/>
             </a:pPr>
             <a:r>
-              <a:rPr lang="en-IE" sz="1900" dirty="0" smtClean="0"/>
+              <a:rPr lang="en-IE" sz="1900" dirty="0"/>
               <a:t>Using hashing</a:t>
             </a:r>
           </a:p>
@@ -15027,14 +14387,14 @@
             <a:pPr marL="0" indent="0">
               <a:buNone/>
             </a:pPr>
-            <a:endParaRPr lang="en-IE" sz="1900" b="1" dirty="0" smtClean="0"/>
+            <a:endParaRPr lang="en-IE" sz="1900" b="1" dirty="0"/>
           </a:p>
           <a:p>
             <a:pPr marL="0" indent="0">
               <a:buNone/>
             </a:pPr>
             <a:r>
-              <a:rPr lang="en-IE" sz="1900" b="1" dirty="0" smtClean="0"/>
+              <a:rPr lang="en-IE" sz="1900" b="1" dirty="0"/>
               <a:t>Querying isolation</a:t>
             </a:r>
           </a:p>
@@ -15043,7 +14403,7 @@
               <a:buNone/>
             </a:pPr>
             <a:r>
-              <a:rPr lang="en-IE" sz="1900" dirty="0" smtClean="0"/>
+              <a:rPr lang="en-IE" sz="1900" dirty="0"/>
               <a:t>Each query will be routed to ideally only 1 shard (or few shards). The mongos processes has to route the request</a:t>
             </a:r>
           </a:p>
@@ -15052,7 +14412,7 @@
               <a:buNone/>
             </a:pPr>
             <a:r>
-              <a:rPr lang="en-IE" sz="1900" dirty="0" smtClean="0"/>
+              <a:rPr lang="en-IE" sz="1900" dirty="0"/>
               <a:t>If the query does not use shard key all the shards has to be scanned</a:t>
             </a:r>
           </a:p>
@@ -15061,16 +14421,16 @@
               <a:buNone/>
             </a:pPr>
             <a:r>
-              <a:rPr lang="en-IE" sz="1900" dirty="0" smtClean="0"/>
+              <a:rPr lang="en-IE" sz="1900" dirty="0"/>
               <a:t>Which is better between the above 2?</a:t>
             </a:r>
           </a:p>
           <a:p>
-            <a:endParaRPr lang="en-IE" sz="1900" dirty="0" smtClean="0"/>
-          </a:p>
-          <a:p>
             <a:endParaRPr lang="en-IE" sz="1900" dirty="0"/>
           </a:p>
+          <a:p>
+            <a:endParaRPr lang="en-IE" sz="1900" dirty="0"/>
+          </a:p>
         </p:txBody>
       </p:sp>
       <p:sp>
@@ -15092,7 +14452,7 @@
               <a:defRPr/>
             </a:pPr>
             <a:r>
-              <a:rPr lang="en-US" smtClean="0"/>
+              <a:rPr lang="en-US"/>
               <a:t>2012/2013 - DT228/4</a:t>
             </a:r>
             <a:endParaRPr lang="en-IE" dirty="0"/>
@@ -15174,10 +14534,9 @@
           <a:lstStyle/>
           <a:p>
             <a:r>
-              <a:rPr lang="en-IE" dirty="0" smtClean="0"/>
+              <a:rPr lang="en-IE" dirty="0"/>
               <a:t>Chose the right shard key</a:t>
             </a:r>
-            <a:endParaRPr lang="en-IE" dirty="0"/>
           </a:p>
         </p:txBody>
       </p:sp>
@@ -15198,39 +14557,7 @@
           <a:p>
             <a:r>
               <a:rPr lang="en-IE" sz="2200" dirty="0"/>
-              <a:t>If your query includes the first component of a compound shard </a:t>
-            </a:r>
-            <a:r>
-              <a:rPr lang="en-IE" sz="2200" dirty="0" smtClean="0"/>
-              <a:t>key, </a:t>
-            </a:r>
-            <a:r>
-              <a:rPr lang="en-IE" sz="2200" dirty="0"/>
-              <a:t>the mongos can route the query directly to </a:t>
-            </a:r>
-            <a:r>
-              <a:rPr lang="en-IE" sz="2200" dirty="0" smtClean="0"/>
-              <a:t>a single </a:t>
-            </a:r>
-            <a:r>
-              <a:rPr lang="en-IE" sz="2200" dirty="0"/>
-              <a:t>shard, or a small number of shards, which provides better performance. </a:t>
-            </a:r>
-            <a:r>
-              <a:rPr lang="en-IE" sz="2200" dirty="0" smtClean="0"/>
-              <a:t>Even </a:t>
-            </a:r>
-            <a:r>
-              <a:rPr lang="en-IE" sz="2200" dirty="0"/>
-              <a:t>if you query values of the </a:t>
-            </a:r>
-            <a:r>
-              <a:rPr lang="en-IE" sz="2200" dirty="0" smtClean="0"/>
-              <a:t>shard key </a:t>
-            </a:r>
-            <a:r>
-              <a:rPr lang="en-IE" sz="2200" dirty="0"/>
-              <a:t>that reside in different chunks, the mongos will route queries directly to specific shards.</a:t>
+              <a:t>If your query includes the first component of a compound shard key, the mongos can route the query directly to a single shard, or a small number of shards, which provides better performance. Even if you query values of the shard key that reside in different chunks, the mongos will route queries directly to specific shards.</a:t>
             </a:r>
           </a:p>
           <a:p>
@@ -15245,12 +14572,8 @@
               <a:buAutoNum type="arabicPeriod"/>
             </a:pPr>
             <a:r>
-              <a:rPr lang="en-IE" sz="1800" dirty="0" smtClean="0"/>
-              <a:t>determine </a:t>
-            </a:r>
-            <a:r>
               <a:rPr lang="en-IE" sz="1800" dirty="0"/>
-              <a:t>the most commonly included fields in queries for a given application</a:t>
+              <a:t>determine the most commonly included fields in queries for a given application</a:t>
             </a:r>
           </a:p>
           <a:p>
@@ -15259,12 +14582,8 @@
               <a:buAutoNum type="arabicPeriod"/>
             </a:pPr>
             <a:r>
-              <a:rPr lang="en-IE" sz="1800" dirty="0" smtClean="0"/>
-              <a:t>find </a:t>
-            </a:r>
-            <a:r>
               <a:rPr lang="en-IE" sz="1800" dirty="0"/>
-              <a:t>which of these operations are most performance dependent.</a:t>
+              <a:t>find which of these operations are most performance dependent.</a:t>
             </a:r>
           </a:p>
           <a:p>
@@ -15306,7 +14625,7 @@
               <a:defRPr/>
             </a:pPr>
             <a:r>
-              <a:rPr lang="en-US" smtClean="0"/>
+              <a:rPr lang="en-US"/>
               <a:t>2012/2013 - DT228/4</a:t>
             </a:r>
             <a:endParaRPr lang="en-IE" dirty="0"/>
@@ -15388,10 +14707,9 @@
           <a:lstStyle/>
           <a:p>
             <a:r>
-              <a:rPr lang="en-IE" dirty="0" smtClean="0"/>
+              <a:rPr lang="en-IE" dirty="0"/>
               <a:t>The importance  of Cardinality</a:t>
             </a:r>
-            <a:endParaRPr lang="en-IE" dirty="0"/>
           </a:p>
         </p:txBody>
       </p:sp>
@@ -15422,26 +14740,17 @@
               <a:rPr lang="en-IE" sz="1800" dirty="0"/>
               <a:t>, refers to the ability of the system to partition data into chunks. </a:t>
             </a:r>
-            <a:endParaRPr lang="en-IE" sz="1800" dirty="0" smtClean="0"/>
-          </a:p>
-          <a:p>
-            <a:r>
-              <a:rPr lang="en-IE" sz="1800" dirty="0" smtClean="0"/>
-              <a:t>For example, consider </a:t>
-            </a:r>
+          </a:p>
+          <a:p>
             <a:r>
               <a:rPr lang="en-IE" sz="1800" dirty="0"/>
-              <a:t>a collection of data such as an “address book” that stores address records:</a:t>
-            </a:r>
-          </a:p>
-          <a:p>
-            <a:r>
-              <a:rPr lang="en-IE" sz="1800" dirty="0" smtClean="0"/>
-              <a:t>Consider </a:t>
-            </a:r>
+              <a:t>For example, consider a collection of data such as an “address book” that stores address records:</a:t>
+            </a:r>
+          </a:p>
+          <a:p>
             <a:r>
               <a:rPr lang="en-IE" sz="1800" dirty="0"/>
-              <a:t>the use of a </a:t>
+              <a:t>Consider the use of a </a:t>
             </a:r>
             <a:r>
               <a:rPr lang="en-IE" sz="1800" b="1" dirty="0"/>
@@ -15455,32 +14764,15 @@
           <a:p>
             <a:pPr lvl="1"/>
             <a:r>
-              <a:rPr lang="en-IE" sz="1800" dirty="0" smtClean="0"/>
-              <a:t>low </a:t>
-            </a:r>
-            <a:r>
               <a:rPr lang="en-IE" sz="1800" dirty="0"/>
-              <a:t>cardinality </a:t>
-            </a:r>
-            <a:endParaRPr lang="en-IE" sz="1800" dirty="0" smtClean="0"/>
+              <a:t>low cardinality </a:t>
+            </a:r>
           </a:p>
           <a:p>
             <a:pPr lvl="1"/>
             <a:r>
-              <a:rPr lang="en-IE" sz="1800" dirty="0" smtClean="0"/>
-              <a:t>all documents </a:t>
-            </a:r>
-            <a:r>
               <a:rPr lang="en-IE" sz="1800" dirty="0"/>
-              <a:t>that have the same value in the state field must reside on the same shard, even if a particular </a:t>
-            </a:r>
-            <a:r>
-              <a:rPr lang="en-IE" sz="1800" dirty="0" smtClean="0"/>
-              <a:t>state’s chunk </a:t>
-            </a:r>
-            <a:r>
-              <a:rPr lang="en-IE" sz="1800" dirty="0"/>
-              <a:t>exceeds the maximum chunk size.</a:t>
+              <a:t>all documents that have the same value in the state field must reside on the same shard, even if a particular state’s chunk exceeds the maximum chunk size.</a:t>
             </a:r>
           </a:p>
           <a:p>
@@ -15495,21 +14787,13 @@
             </a:r>
             <a:r>
               <a:rPr lang="en-IE" sz="1800" dirty="0"/>
-              <a:t> may distribute data </a:t>
-            </a:r>
-            <a:r>
-              <a:rPr lang="en-IE" sz="1800" dirty="0" smtClean="0"/>
-              <a:t>unevenly among </a:t>
-            </a:r>
+              <a:t> may distribute data unevenly among a small number of fixed chunks. This may have a number of effects:</a:t>
+            </a:r>
+          </a:p>
+          <a:p>
+            <a:pPr lvl="1"/>
             <a:r>
               <a:rPr lang="en-IE" sz="1800" dirty="0"/>
-              <a:t>a small number of fixed chunks. This may have a number of effects:</a:t>
-            </a:r>
-          </a:p>
-          <a:p>
-            <a:pPr lvl="1"/>
-            <a:r>
-              <a:rPr lang="en-IE" sz="1800" dirty="0" smtClean="0"/>
               <a:t>If </a:t>
             </a:r>
             <a:r>
@@ -15518,15 +14802,7 @@
             </a:r>
             <a:r>
               <a:rPr lang="en-IE" sz="1800" dirty="0"/>
-              <a:t> cannot split a chunk because all of its documents have the same shard key, migrations </a:t>
-            </a:r>
-            <a:r>
-              <a:rPr lang="en-IE" sz="1800" dirty="0" smtClean="0"/>
-              <a:t>involving these </a:t>
-            </a:r>
-            <a:r>
-              <a:rPr lang="en-IE" sz="1800" dirty="0"/>
-              <a:t>un-</a:t>
+              <a:t> cannot split a chunk because all of its documents have the same shard key, migrations involving these un-</a:t>
             </a:r>
             <a:r>
               <a:rPr lang="en-IE" sz="1800" dirty="0" err="1"/>
@@ -15534,21 +14810,8 @@
             </a:r>
             <a:r>
               <a:rPr lang="en-IE" sz="1800" dirty="0"/>
-              <a:t> chunks will take longer than other migrations, and it will be more difficult for </a:t>
-            </a:r>
-            <a:r>
-              <a:rPr lang="en-IE" sz="1800" dirty="0" smtClean="0"/>
-              <a:t>your data </a:t>
-            </a:r>
-            <a:r>
-              <a:rPr lang="en-IE" sz="1800" dirty="0"/>
-              <a:t>to stay balanced</a:t>
-            </a:r>
-            <a:r>
-              <a:rPr lang="en-IE" sz="1800" dirty="0" smtClean="0"/>
-              <a:t>.</a:t>
-            </a:r>
-            <a:endParaRPr lang="en-IE" sz="1800" dirty="0"/>
+              <a:t> chunks will take longer than other migrations, and it will be more difficult for your data to stay balanced.</a:t>
+            </a:r>
           </a:p>
         </p:txBody>
       </p:sp>
@@ -15571,7 +14834,7 @@
               <a:defRPr/>
             </a:pPr>
             <a:r>
-              <a:rPr lang="en-US" smtClean="0"/>
+              <a:rPr lang="en-US"/>
               <a:t>2012/2013 - DT228/4</a:t>
             </a:r>
             <a:endParaRPr lang="en-IE" dirty="0"/>
@@ -15658,10 +14921,9 @@
           <a:lstStyle/>
           <a:p>
             <a:r>
-              <a:rPr lang="en-IE" dirty="0" smtClean="0"/>
+              <a:rPr lang="en-IE" dirty="0"/>
               <a:t>The importance of Cardinality /2</a:t>
             </a:r>
-            <a:endParaRPr lang="en-IE" dirty="0"/>
           </a:p>
         </p:txBody>
       </p:sp>
@@ -15681,144 +14943,77 @@
           <a:lstStyle/>
           <a:p>
             <a:r>
-              <a:rPr lang="en-IE" sz="2000" b="1" dirty="0" err="1" smtClean="0"/>
+              <a:rPr lang="en-IE" sz="2000" b="1" dirty="0" err="1"/>
               <a:t>zipcode</a:t>
             </a:r>
             <a:r>
-              <a:rPr lang="en-IE" sz="2000" dirty="0" smtClean="0"/>
-              <a:t> </a:t>
-            </a:r>
-            <a:r>
               <a:rPr lang="en-IE" sz="2000" dirty="0"/>
-              <a:t>field as a shard key:</a:t>
-            </a:r>
-          </a:p>
-          <a:p>
-            <a:r>
-              <a:rPr lang="en-IE" sz="2000" dirty="0" smtClean="0"/>
-              <a:t>higher </a:t>
-            </a:r>
+              <a:t> field as a shard key:</a:t>
+            </a:r>
+          </a:p>
+          <a:p>
             <a:r>
               <a:rPr lang="en-IE" sz="2000" dirty="0"/>
-              <a:t>cardinality, </a:t>
-            </a:r>
-            <a:endParaRPr lang="en-IE" sz="2000" dirty="0" smtClean="0"/>
-          </a:p>
-          <a:p>
-            <a:r>
-              <a:rPr lang="en-IE" sz="2000" dirty="0" smtClean="0"/>
-              <a:t>In </a:t>
-            </a:r>
+              <a:t>higher cardinality, </a:t>
+            </a:r>
+          </a:p>
+          <a:p>
             <a:r>
               <a:rPr lang="en-IE" sz="2000" dirty="0"/>
-              <a:t>these cases, cardinality depends on the data. If your address book stores records for a geographically </a:t>
-            </a:r>
-            <a:r>
-              <a:rPr lang="en-IE" sz="2000" dirty="0" smtClean="0"/>
-              <a:t>distributed contact </a:t>
+              <a:t>In these cases, cardinality depends on the data. If your address book stores records for a geographically distributed contact list or more geographically concentrated</a:t>
+            </a:r>
+          </a:p>
+          <a:p>
+            <a:r>
+              <a:rPr lang="en-IE" sz="2000" b="1" dirty="0"/>
+              <a:t>phone-number</a:t>
             </a:r>
             <a:r>
               <a:rPr lang="en-IE" sz="2000" dirty="0"/>
-              <a:t>list </a:t>
-            </a:r>
-            <a:r>
-              <a:rPr lang="en-IE" sz="2000" dirty="0" smtClean="0"/>
-              <a:t>or more </a:t>
-            </a:r>
+              <a:t> field as a shard key:</a:t>
+            </a:r>
+          </a:p>
+          <a:p>
             <a:r>
               <a:rPr lang="en-IE" sz="2000" dirty="0"/>
-              <a:t>geographically </a:t>
-            </a:r>
-            <a:r>
-              <a:rPr lang="en-IE" sz="2000" dirty="0" smtClean="0"/>
-              <a:t>concentrated</a:t>
-            </a:r>
+              <a:t>Phone number has a high cardinality, because users will generally have a unique value for this field</a:t>
+            </a:r>
+          </a:p>
+          <a:p>
+            <a:r>
+              <a:rPr lang="en-IE" sz="2000" dirty="0" err="1"/>
+              <a:t>MongoDB</a:t>
+            </a:r>
+            <a:r>
+              <a:rPr lang="en-IE" sz="2000" dirty="0"/>
+              <a:t> will be able to split as many chunks as needed.</a:t>
+            </a:r>
+          </a:p>
+          <a:p>
+            <a:r>
+              <a:rPr lang="en-IE" sz="2000" dirty="0"/>
+              <a:t>While “high cardinality,” is necessary for ensuring an even distribution of data, having a high cardinality does not guarantee sufficient </a:t>
+            </a:r>
+            <a:r>
+              <a:rPr lang="en-IE" sz="2000" b="1" dirty="0"/>
+              <a:t>query isolation </a:t>
+            </a:r>
+            <a:r>
+              <a:rPr lang="en-IE" sz="2000" dirty="0"/>
+              <a:t>or appropriate </a:t>
+            </a:r>
+            <a:r>
+              <a:rPr lang="en-IE" sz="2000" b="1" dirty="0"/>
+              <a:t>write scaling</a:t>
+            </a:r>
+            <a:r>
+              <a:rPr lang="en-IE" sz="2000" dirty="0"/>
+              <a:t>.</a:t>
+            </a:r>
+          </a:p>
+          <a:p>
             <a:endParaRPr lang="en-IE" sz="2000" dirty="0"/>
           </a:p>
-          <a:p>
-            <a:r>
-              <a:rPr lang="en-IE" sz="2000" b="1" dirty="0" smtClean="0"/>
-              <a:t>phone-number</a:t>
-            </a:r>
-            <a:r>
-              <a:rPr lang="en-IE" sz="2000" dirty="0" smtClean="0"/>
-              <a:t> </a:t>
-            </a:r>
-            <a:r>
-              <a:rPr lang="en-IE" sz="2000" dirty="0"/>
-              <a:t>field as a shard key:</a:t>
-            </a:r>
-          </a:p>
-          <a:p>
-            <a:r>
-              <a:rPr lang="en-IE" sz="2000" dirty="0"/>
-              <a:t>Phone number has a high cardinality, because users will generally have a unique value for this </a:t>
-            </a:r>
-            <a:r>
-              <a:rPr lang="en-IE" sz="2000" dirty="0" smtClean="0"/>
-              <a:t>field</a:t>
-            </a:r>
-          </a:p>
-          <a:p>
-            <a:r>
-              <a:rPr lang="en-IE" sz="2000" dirty="0" err="1" smtClean="0"/>
-              <a:t>MongoDB</a:t>
-            </a:r>
-            <a:r>
-              <a:rPr lang="en-IE" sz="2000" dirty="0" smtClean="0"/>
-              <a:t> will </a:t>
-            </a:r>
-            <a:r>
-              <a:rPr lang="en-IE" sz="2000" dirty="0"/>
-              <a:t>be able to split as many chunks as needed.</a:t>
-            </a:r>
-          </a:p>
-          <a:p>
-            <a:r>
-              <a:rPr lang="en-IE" sz="2000" dirty="0"/>
-              <a:t>While “high cardinality,” is necessary for ensuring an even distribution of data, having a high cardinality does </a:t>
-            </a:r>
-            <a:r>
-              <a:rPr lang="en-IE" sz="2000" dirty="0" smtClean="0"/>
-              <a:t>not guarantee </a:t>
-            </a:r>
-            <a:r>
-              <a:rPr lang="en-IE" sz="2000" dirty="0"/>
-              <a:t>sufficient </a:t>
-            </a:r>
-            <a:r>
-              <a:rPr lang="en-IE" sz="2000" b="1" dirty="0"/>
-              <a:t>query </a:t>
-            </a:r>
-            <a:r>
-              <a:rPr lang="en-IE" sz="2000" b="1" dirty="0" smtClean="0"/>
-              <a:t>isolation </a:t>
-            </a:r>
-            <a:r>
-              <a:rPr lang="en-IE" sz="2000" dirty="0" smtClean="0"/>
-              <a:t>or </a:t>
-            </a:r>
-            <a:r>
-              <a:rPr lang="en-IE" sz="2000" dirty="0"/>
-              <a:t>appropriate </a:t>
-            </a:r>
-            <a:r>
-              <a:rPr lang="en-IE" sz="2000" b="1" dirty="0"/>
-              <a:t>write </a:t>
-            </a:r>
-            <a:r>
-              <a:rPr lang="en-IE" sz="2000" b="1" dirty="0" smtClean="0"/>
-              <a:t>scaling</a:t>
-            </a:r>
-            <a:r>
-              <a:rPr lang="en-IE" sz="2000" dirty="0" smtClean="0"/>
-              <a:t>.</a:t>
-            </a:r>
-            <a:endParaRPr lang="en-IE" sz="2000" dirty="0"/>
-          </a:p>
-          <a:p>
-            <a:endParaRPr lang="en-IE" sz="2000" dirty="0"/>
-          </a:p>
         </p:txBody>
       </p:sp>
       <p:sp>
@@ -15840,7 +15035,7 @@
               <a:defRPr/>
             </a:pPr>
             <a:r>
-              <a:rPr lang="en-US" smtClean="0"/>
+              <a:rPr lang="en-US"/>
               <a:t>2012/2013 - DT228/4</a:t>
             </a:r>
             <a:endParaRPr lang="en-IE" dirty="0"/>
@@ -15922,10 +15117,9 @@
           <a:lstStyle/>
           <a:p>
             <a:r>
-              <a:rPr lang="en-IE" dirty="0" smtClean="0"/>
+              <a:rPr lang="en-IE" dirty="0"/>
               <a:t>More Commands</a:t>
             </a:r>
-            <a:endParaRPr lang="en-IE" dirty="0"/>
           </a:p>
         </p:txBody>
       </p:sp>
@@ -15966,7 +15160,7 @@
               <a:buNone/>
             </a:pPr>
             <a:r>
-              <a:rPr lang="en-IE" sz="2200" dirty="0" err="1" smtClean="0">
+              <a:rPr lang="en-IE" sz="2200" dirty="0" err="1">
                 <a:latin typeface="Courier"/>
               </a:rPr>
               <a:t>sh.addShard</a:t>
@@ -15999,7 +15193,7 @@
               <a:defRPr/>
             </a:pPr>
             <a:r>
-              <a:rPr lang="en-US" smtClean="0"/>
+              <a:rPr lang="en-US"/>
               <a:t>2012/2013 - DT228/4</a:t>
             </a:r>
             <a:endParaRPr lang="en-IE" dirty="0"/>
@@ -16081,10 +15275,9 @@
           <a:lstStyle/>
           <a:p>
             <a:r>
-              <a:rPr lang="en-IE" dirty="0" smtClean="0"/>
+              <a:rPr lang="en-IE" dirty="0"/>
               <a:t>Setup a replica set</a:t>
             </a:r>
-            <a:endParaRPr lang="en-IE" dirty="0"/>
           </a:p>
         </p:txBody>
       </p:sp>
@@ -16109,28 +15302,16 @@
           <a:lstStyle/>
           <a:p>
             <a:r>
-              <a:rPr lang="en-IE" sz="1800" dirty="0" smtClean="0"/>
+              <a:rPr lang="en-IE" sz="1800" dirty="0"/>
               <a:t>A replica set rs0 with 3 </a:t>
             </a:r>
             <a:r>
-              <a:rPr lang="en-IE" sz="1800" dirty="0" err="1" smtClean="0"/>
+              <a:rPr lang="en-IE" sz="1800" dirty="0" err="1"/>
               <a:t>members.The</a:t>
             </a:r>
             <a:r>
-              <a:rPr lang="en-IE" sz="1800" dirty="0" smtClean="0"/>
-              <a:t> </a:t>
-            </a:r>
-            <a:r>
               <a:rPr lang="en-IE" sz="1800" dirty="0"/>
-              <a:t>replica set members are on the following </a:t>
-            </a:r>
-            <a:r>
-              <a:rPr lang="en-IE" sz="1800" dirty="0" smtClean="0"/>
-              <a:t>hosts: mongodb0.example.net</a:t>
-            </a:r>
-            <a:r>
-              <a:rPr lang="en-IE" sz="1800" dirty="0"/>
-              <a:t>, mongodb1.example.net, and mongodb2.example.net.</a:t>
+              <a:t> replica set members are on the following hosts: mongodb0.example.net, mongodb1.example.net, and mongodb2.example.net.</a:t>
             </a:r>
           </a:p>
           <a:p>
@@ -16139,24 +15320,16 @@
               <a:buAutoNum type="arabicPeriod"/>
             </a:pPr>
             <a:r>
-              <a:rPr lang="en-IE" sz="1800" dirty="0" smtClean="0"/>
-              <a:t>For </a:t>
-            </a:r>
-            <a:r>
               <a:rPr lang="en-IE" sz="1800" dirty="0"/>
-              <a:t>each member, start a </a:t>
-            </a:r>
-            <a:r>
-              <a:rPr lang="en-IE" sz="1800" dirty="0" err="1" smtClean="0"/>
+              <a:t>For each member, start a </a:t>
+            </a:r>
+            <a:r>
+              <a:rPr lang="en-IE" sz="1800" dirty="0" err="1"/>
               <a:t>mongod</a:t>
             </a:r>
             <a:r>
-              <a:rPr lang="en-IE" sz="1800" dirty="0" smtClean="0"/>
-              <a:t>, specifying </a:t>
-            </a:r>
-            <a:r>
               <a:rPr lang="en-IE" sz="1800" dirty="0"/>
-              <a:t>the replica set name through the </a:t>
+              <a:t>, specifying the replica set name through the </a:t>
             </a:r>
             <a:r>
               <a:rPr lang="en-IE" sz="1800" dirty="0" err="1"/>
@@ -16172,20 +15345,16 @@
               <a:buNone/>
             </a:pPr>
             <a:r>
-              <a:rPr lang="en-IE" sz="1800" dirty="0" smtClean="0"/>
+              <a:rPr lang="en-IE" sz="1800" dirty="0"/>
               <a:t>	</a:t>
             </a:r>
             <a:r>
-              <a:rPr lang="en-IE" sz="1800" dirty="0" err="1" smtClean="0"/>
+              <a:rPr lang="en-IE" sz="1800" dirty="0" err="1"/>
               <a:t>mongod</a:t>
             </a:r>
             <a:r>
-              <a:rPr lang="en-IE" sz="1800" dirty="0" smtClean="0"/>
-              <a:t> </a:t>
-            </a:r>
-            <a:r>
               <a:rPr lang="en-IE" sz="1800" dirty="0"/>
-              <a:t>--</a:t>
+              <a:t> --</a:t>
             </a:r>
             <a:r>
               <a:rPr lang="en-IE" sz="1800" dirty="0" err="1"/>
@@ -16202,15 +15371,7 @@
             </a:pPr>
             <a:r>
               <a:rPr lang="en-IE" sz="1800" dirty="0"/>
-              <a:t> </a:t>
-            </a:r>
-            <a:r>
-              <a:rPr lang="en-IE" sz="1800" dirty="0" smtClean="0"/>
-              <a:t>      Repeat </a:t>
-            </a:r>
-            <a:r>
-              <a:rPr lang="en-IE" sz="1800" dirty="0"/>
-              <a:t>this step for the other two members of the rs0 replica set.</a:t>
+              <a:t>       Repeat this step for the other two members of the rs0 replica set.</a:t>
             </a:r>
           </a:p>
           <a:p>
@@ -16218,12 +15379,8 @@
               <a:buAutoNum type="arabicPeriod" startAt="2"/>
             </a:pPr>
             <a:r>
-              <a:rPr lang="en-IE" sz="1800" dirty="0" smtClean="0"/>
-              <a:t>Connect </a:t>
-            </a:r>
-            <a:r>
               <a:rPr lang="en-IE" sz="1800" dirty="0"/>
-              <a:t>a </a:t>
+              <a:t>Connect a </a:t>
             </a:r>
             <a:r>
               <a:rPr lang="en-IE" sz="1800" b="1" dirty="0"/>
@@ -16231,11 +15388,7 @@
             </a:r>
             <a:r>
               <a:rPr lang="en-IE" sz="1800" dirty="0"/>
-              <a:t>shell to a replica set member. Connect a mongo shell to one member of the replica </a:t>
-            </a:r>
-            <a:r>
-              <a:rPr lang="en-IE" sz="1800" dirty="0" smtClean="0"/>
-              <a:t>set </a:t>
+              <a:t>shell to a replica set member. Connect a mongo shell to one member of the replica set </a:t>
             </a:r>
           </a:p>
           <a:p>
@@ -16244,11 +15397,7 @@
             </a:pPr>
             <a:r>
               <a:rPr lang="en-IE" sz="1800" dirty="0"/>
-              <a:t>	</a:t>
-            </a:r>
-            <a:r>
-              <a:rPr lang="en-IE" sz="1800" dirty="0" smtClean="0"/>
-              <a:t>mongo mongodb0.example.net</a:t>
+              <a:t>	mongo mongodb0.example.net</a:t>
             </a:r>
           </a:p>
           <a:p>
@@ -16256,12 +15405,8 @@
               <a:buNone/>
             </a:pPr>
             <a:r>
-              <a:rPr lang="en-IE" sz="1800" dirty="0" smtClean="0"/>
-              <a:t>3.	Initiate </a:t>
-            </a:r>
-            <a:r>
               <a:rPr lang="en-IE" sz="1800" dirty="0"/>
-              <a:t>the replica set. From the mongo shell, run </a:t>
+              <a:t>3.	Initiate the replica set. From the mongo shell, run </a:t>
             </a:r>
             <a:r>
               <a:rPr lang="en-IE" sz="1800" dirty="0" err="1"/>
@@ -16269,15 +15414,7 @@
             </a:r>
             <a:r>
               <a:rPr lang="en-IE" sz="1800" dirty="0"/>
-              <a:t>() to initiate a replica set that </a:t>
-            </a:r>
-            <a:r>
-              <a:rPr lang="en-IE" sz="1800" dirty="0" smtClean="0"/>
-              <a:t>consists of </a:t>
-            </a:r>
-            <a:r>
-              <a:rPr lang="en-IE" sz="1800" dirty="0"/>
-              <a:t>the current member.</a:t>
+              <a:t>() to initiate a replica set that consists of the current member.</a:t>
             </a:r>
           </a:p>
           <a:p>
@@ -16285,15 +15422,15 @@
               <a:buNone/>
             </a:pPr>
             <a:r>
-              <a:rPr lang="en-IE" sz="1800" dirty="0" smtClean="0"/>
+              <a:rPr lang="en-IE" sz="1800" dirty="0"/>
               <a:t>	</a:t>
             </a:r>
             <a:r>
-              <a:rPr lang="en-IE" sz="1800" dirty="0" err="1" smtClean="0"/>
+              <a:rPr lang="en-IE" sz="1800" dirty="0" err="1"/>
               <a:t>rs.initiate</a:t>
             </a:r>
             <a:r>
-              <a:rPr lang="en-IE" sz="1800" dirty="0" smtClean="0"/>
+              <a:rPr lang="en-IE" sz="1800" dirty="0"/>
               <a:t>()</a:t>
             </a:r>
           </a:p>
@@ -16302,12 +15439,8 @@
               <a:buNone/>
             </a:pPr>
             <a:r>
-              <a:rPr lang="en-IE" sz="1800" dirty="0" smtClean="0"/>
-              <a:t>4.	Add </a:t>
-            </a:r>
-            <a:r>
               <a:rPr lang="en-IE" sz="1800" dirty="0"/>
-              <a:t>the remaining members to the replica set.</a:t>
+              <a:t>4.	Add the remaining members to the replica set.</a:t>
             </a:r>
           </a:p>
           <a:p>
@@ -16315,11 +15448,11 @@
               <a:buNone/>
             </a:pPr>
             <a:r>
-              <a:rPr lang="en-IE" sz="1800" dirty="0" smtClean="0"/>
+              <a:rPr lang="en-IE" sz="1800" dirty="0"/>
               <a:t>	</a:t>
             </a:r>
             <a:r>
-              <a:rPr lang="en-IE" sz="1800" dirty="0" err="1" smtClean="0"/>
+              <a:rPr lang="en-IE" sz="1800" dirty="0" err="1"/>
               <a:t>rs.add</a:t>
             </a:r>
             <a:r>
@@ -16332,22 +15465,17 @@
               <a:buNone/>
             </a:pPr>
             <a:r>
-              <a:rPr lang="en-IE" sz="1800" dirty="0" smtClean="0"/>
+              <a:rPr lang="en-IE" sz="1800" dirty="0"/>
               <a:t>	</a:t>
             </a:r>
             <a:r>
-              <a:rPr lang="en-IE" sz="1800" dirty="0" err="1" smtClean="0"/>
+              <a:rPr lang="en-IE" sz="1800" dirty="0" err="1"/>
               <a:t>rs.add</a:t>
             </a:r>
             <a:r>
               <a:rPr lang="en-IE" sz="1800" dirty="0"/>
-              <a:t>("mongodb2.example.net</a:t>
-            </a:r>
-            <a:r>
-              <a:rPr lang="en-IE" sz="1800" dirty="0" smtClean="0"/>
-              <a:t>")</a:t>
-            </a:r>
-            <a:endParaRPr lang="en-IE" sz="1800" dirty="0"/>
+              <a:t>("mongodb2.example.net")</a:t>
+            </a:r>
           </a:p>
         </p:txBody>
       </p:sp>
@@ -16370,7 +15498,7 @@
               <a:defRPr/>
             </a:pPr>
             <a:r>
-              <a:rPr lang="en-US" smtClean="0"/>
+              <a:rPr lang="en-US"/>
               <a:t>2012/2013 - DT228/4</a:t>
             </a:r>
             <a:endParaRPr lang="en-IE" dirty="0"/>
@@ -16452,10 +15580,9 @@
           <a:lstStyle/>
           <a:p>
             <a:r>
-              <a:rPr lang="en-IE" dirty="0" smtClean="0"/>
+              <a:rPr lang="en-IE" dirty="0"/>
               <a:t>Create some test data</a:t>
             </a:r>
-            <a:endParaRPr lang="en-IE" dirty="0"/>
           </a:p>
         </p:txBody>
       </p:sp>
@@ -16479,12 +15606,8 @@
               <a:buAutoNum type="arabicPeriod"/>
             </a:pPr>
             <a:r>
-              <a:rPr lang="en-IE" sz="2000" dirty="0" smtClean="0"/>
-              <a:t>Step </a:t>
-            </a:r>
-            <a:r>
               <a:rPr lang="en-IE" sz="2000" dirty="0"/>
-              <a:t>5: Create and populate a new collection. The following step adds one million documents to the collection. Issue the following operations on the primary of the replica set:</a:t>
+              <a:t>Step 5: Create and populate a new collection. The following step adds one million documents to the collection. Issue the following operations on the primary of the replica set:</a:t>
             </a:r>
           </a:p>
           <a:p>
@@ -16803,7 +15926,7 @@
               <a:defRPr/>
             </a:pPr>
             <a:r>
-              <a:rPr lang="en-US" smtClean="0"/>
+              <a:rPr lang="en-US"/>
               <a:t>2012/2013 - DT228/4</a:t>
             </a:r>
             <a:endParaRPr lang="en-IE" dirty="0"/>
@@ -16885,10 +16008,9 @@
           <a:lstStyle/>
           <a:p>
             <a:r>
-              <a:rPr lang="en-IE" dirty="0" smtClean="0"/>
+              <a:rPr lang="en-IE" dirty="0"/>
               <a:t>Documents Update</a:t>
             </a:r>
-            <a:endParaRPr lang="en-IE" dirty="0"/>
           </a:p>
         </p:txBody>
       </p:sp>
@@ -16913,56 +16035,56 @@
           <a:lstStyle/>
           <a:p>
             <a:r>
-              <a:rPr lang="en-IE" sz="2200" dirty="0" err="1" smtClean="0"/>
+              <a:rPr lang="en-IE" sz="2200" dirty="0" err="1"/>
               <a:t>MongoDB</a:t>
             </a:r>
             <a:r>
-              <a:rPr lang="en-IE" sz="2200" dirty="0" smtClean="0"/>
+              <a:rPr lang="en-IE" sz="2200" dirty="0"/>
               <a:t> does not allow to update a field by using an expression containing other fields of the collections</a:t>
             </a:r>
           </a:p>
           <a:p>
             <a:r>
-              <a:rPr lang="en-IE" sz="2200" dirty="0" smtClean="0"/>
+              <a:rPr lang="en-IE" sz="2200" dirty="0"/>
               <a:t>Therefore, you cannot write $field = $field + 1 or something similar (as we did for SQL)</a:t>
             </a:r>
           </a:p>
           <a:p>
             <a:r>
-              <a:rPr lang="en-IE" sz="2200" dirty="0" smtClean="0"/>
+              <a:rPr lang="en-IE" sz="2200" dirty="0"/>
               <a:t>For numeric update, use the $</a:t>
             </a:r>
             <a:r>
-              <a:rPr lang="en-IE" sz="2200" dirty="0" err="1" smtClean="0"/>
+              <a:rPr lang="en-IE" sz="2200" dirty="0" err="1"/>
               <a:t>inc</a:t>
             </a:r>
             <a:r>
-              <a:rPr lang="en-IE" sz="2200" dirty="0" smtClean="0"/>
+              <a:rPr lang="en-IE" sz="2200" dirty="0"/>
               <a:t> operator with </a:t>
             </a:r>
             <a:r>
-              <a:rPr lang="en-IE" sz="2200" dirty="0" err="1" smtClean="0"/>
+              <a:rPr lang="en-IE" sz="2200" dirty="0" err="1"/>
               <a:t>updatefunction</a:t>
             </a:r>
-            <a:endParaRPr lang="en-IE" sz="2200" dirty="0" smtClean="0"/>
-          </a:p>
-          <a:p>
-            <a:r>
-              <a:rPr lang="en-IE" sz="2200" dirty="0" smtClean="0"/>
+            <a:endParaRPr lang="en-IE" sz="2200" dirty="0"/>
+          </a:p>
+          <a:p>
+            <a:r>
+              <a:rPr lang="en-IE" sz="2200" dirty="0"/>
               <a:t>Or.. </a:t>
             </a:r>
             <a:r>
-              <a:rPr lang="en-IE" sz="2200" dirty="0" err="1" smtClean="0"/>
+              <a:rPr lang="en-IE" sz="2200" dirty="0" err="1"/>
               <a:t>Javascript</a:t>
             </a:r>
             <a:r>
-              <a:rPr lang="en-IE" sz="2200" dirty="0" smtClean="0"/>
+              <a:rPr lang="en-IE" sz="2200" dirty="0"/>
               <a:t> always an option!</a:t>
             </a:r>
           </a:p>
           <a:p>
             <a:r>
-              <a:rPr lang="en-IE" sz="2200" dirty="0" smtClean="0"/>
+              <a:rPr lang="en-IE" sz="2200" dirty="0"/>
               <a:t>Example:</a:t>
             </a:r>
           </a:p>
@@ -16974,25 +16096,7 @@
               <a:rPr lang="en-IE" sz="2200" dirty="0">
                 <a:latin typeface="Courier" pitchFamily="49" charset="0"/>
               </a:rPr>
-              <a:t>{ _id: 1, </a:t>
-            </a:r>
-            <a:r>
-              <a:rPr lang="en-IE" sz="2200" dirty="0" smtClean="0">
-                <a:latin typeface="Courier" pitchFamily="49" charset="0"/>
-              </a:rPr>
-              <a:t>item: </a:t>
-            </a:r>
-            <a:r>
-              <a:rPr lang="en-IE" sz="2200" dirty="0">
-                <a:latin typeface="Courier" pitchFamily="49" charset="0"/>
-              </a:rPr>
-              <a:t>"abc123", quantity: 10, metrics: { orders: 2, ratings: 3.5 } </a:t>
-            </a:r>
-            <a:r>
-              <a:rPr lang="en-IE" sz="2200" dirty="0" smtClean="0">
-                <a:latin typeface="Courier" pitchFamily="49" charset="0"/>
-              </a:rPr>
-              <a:t>}</a:t>
+              <a:t>{ _id: 1, item: "abc123", quantity: 10, metrics: { orders: 2, ratings: 3.5 } }</a:t>
             </a:r>
           </a:p>
           <a:p>
@@ -17014,31 +16118,7 @@
               <a:rPr lang="en-IE" sz="2200" dirty="0">
                 <a:latin typeface="Courier" pitchFamily="49" charset="0"/>
               </a:rPr>
-              <a:t>( { </a:t>
-            </a:r>
-            <a:r>
-              <a:rPr lang="en-IE" sz="2200" dirty="0" smtClean="0">
-                <a:latin typeface="Courier" pitchFamily="49" charset="0"/>
-              </a:rPr>
-              <a:t>item: </a:t>
-            </a:r>
-            <a:r>
-              <a:rPr lang="en-IE" sz="2200" dirty="0">
-                <a:latin typeface="Courier" pitchFamily="49" charset="0"/>
-              </a:rPr>
-              <a:t>"abc123" }, </a:t>
-            </a:r>
-            <a:r>
-              <a:rPr lang="en-IE" sz="2200" dirty="0" smtClean="0">
-                <a:latin typeface="Courier" pitchFamily="49" charset="0"/>
-              </a:rPr>
-              <a:t>{ </a:t>
-            </a:r>
-            <a:r>
-              <a:rPr lang="en-IE" sz="2200" dirty="0">
-                <a:latin typeface="Courier" pitchFamily="49" charset="0"/>
-              </a:rPr>
-              <a:t>$</a:t>
+              <a:t>( { item: "abc123" }, { $</a:t>
             </a:r>
             <a:r>
               <a:rPr lang="en-IE" sz="2200" dirty="0" err="1">
@@ -17086,7 +16166,7 @@
               <a:defRPr/>
             </a:pPr>
             <a:r>
-              <a:rPr lang="en-US" smtClean="0"/>
+              <a:rPr lang="en-US"/>
               <a:t>2012/2013 - DT228/4</a:t>
             </a:r>
             <a:endParaRPr lang="en-IE" dirty="0"/>
@@ -17132,13 +16212,6 @@
   <p:clrMapOvr>
     <a:masterClrMapping/>
   </p:clrMapOvr>
-  <p:timing>
-    <p:tnLst>
-      <p:par>
-        <p:cTn id="1" dur="indefinite" restart="never" nodeType="tmRoot"/>
-      </p:par>
-    </p:tnLst>
-  </p:timing>
 </p:sld>
 </file>
 
@@ -17175,10 +16248,9 @@
           <a:lstStyle/>
           <a:p>
             <a:r>
-              <a:rPr lang="en-IE" dirty="0" smtClean="0"/>
+              <a:rPr lang="en-IE" dirty="0"/>
               <a:t>The Balancer</a:t>
             </a:r>
-            <a:endParaRPr lang="en-IE" dirty="0"/>
           </a:p>
         </p:txBody>
       </p:sp>
@@ -17204,15 +16276,7 @@
           <a:p>
             <a:r>
               <a:rPr lang="en-IE" sz="2000" dirty="0"/>
-              <a:t>The balancer can run from any </a:t>
-            </a:r>
-            <a:r>
-              <a:rPr lang="en-IE" sz="2000" dirty="0" smtClean="0"/>
-              <a:t>of the </a:t>
-            </a:r>
-            <a:r>
-              <a:rPr lang="en-IE" sz="2000" dirty="0"/>
-              <a:t>query routers in a cluster.</a:t>
+              <a:t>The balancer can run from any of the query routers in a cluster.</a:t>
             </a:r>
           </a:p>
           <a:p>
@@ -17229,32 +16293,19 @@
               <a:t> collection in a cluster is uneven, the balancer process migrates chunks from </a:t>
             </a:r>
             <a:r>
-              <a:rPr lang="en-IE" sz="2000" dirty="0" err="1" smtClean="0"/>
+              <a:rPr lang="en-IE" sz="2000" dirty="0" err="1"/>
               <a:t>thevshard</a:t>
             </a:r>
             <a:r>
-              <a:rPr lang="en-IE" sz="2000" dirty="0" smtClean="0"/>
-              <a:t> </a:t>
-            </a:r>
-            <a:r>
               <a:rPr lang="en-IE" sz="2000" dirty="0"/>
-              <a:t>that has the largest number of chunks to the shard with the least number of chunks until the collection balances.</a:t>
-            </a:r>
-          </a:p>
-          <a:p>
-            <a:r>
-              <a:rPr lang="en-IE" sz="2000" dirty="0" smtClean="0"/>
-              <a:t>The </a:t>
-            </a:r>
+              <a:t> that has the largest number of chunks to the shard with the least number of chunks until the collection balances.</a:t>
+            </a:r>
+          </a:p>
+          <a:p>
             <a:r>
               <a:rPr lang="en-IE" sz="2000" dirty="0"/>
-              <a:t>shards manage chunk migrations as a background operation between an origin shard and a destination shard</a:t>
-            </a:r>
-            <a:r>
-              <a:rPr lang="en-IE" sz="2000" dirty="0" smtClean="0"/>
-              <a:t>.</a:t>
-            </a:r>
-            <a:endParaRPr lang="en-IE" sz="2000" dirty="0"/>
+              <a:t>The shards manage chunk migrations as a background operation between an origin shard and a destination shard.</a:t>
+            </a:r>
           </a:p>
         </p:txBody>
       </p:sp>
@@ -17277,7 +16328,7 @@
               <a:defRPr/>
             </a:pPr>
             <a:r>
-              <a:rPr lang="en-US" smtClean="0"/>
+              <a:rPr lang="en-US"/>
               <a:t>2012/2013 - DT228/4</a:t>
             </a:r>
             <a:endParaRPr lang="en-IE" dirty="0"/>
@@ -17383,10 +16434,9 @@
           <a:lstStyle/>
           <a:p>
             <a:r>
-              <a:rPr lang="en-IE" dirty="0" smtClean="0"/>
+              <a:rPr lang="en-IE" dirty="0"/>
               <a:t>The Balancer /2</a:t>
             </a:r>
-            <a:endParaRPr lang="en-IE" dirty="0"/>
           </a:p>
         </p:txBody>
       </p:sp>
@@ -17417,23 +16467,14 @@
           </a:p>
           <a:p>
             <a:r>
-              <a:rPr lang="en-IE" sz="2000" dirty="0" smtClean="0"/>
-              <a:t>The </a:t>
-            </a:r>
-            <a:r>
               <a:rPr lang="en-IE" sz="2000" dirty="0"/>
-              <a:t>destination shard captures and applies all changes made to the data during the migration process. </a:t>
-            </a:r>
-            <a:endParaRPr lang="en-IE" sz="2000" dirty="0" smtClean="0"/>
-          </a:p>
-          <a:p>
-            <a:r>
-              <a:rPr lang="en-IE" sz="2000" dirty="0" smtClean="0"/>
-              <a:t>Finally, the </a:t>
-            </a:r>
+              <a:t>The destination shard captures and applies all changes made to the data during the migration process. </a:t>
+            </a:r>
+          </a:p>
+          <a:p>
             <a:r>
               <a:rPr lang="en-IE" sz="2000" dirty="0"/>
-              <a:t>metadata regarding the location of the chunk on </a:t>
+              <a:t>Finally, the metadata regarding the location of the chunk on </a:t>
             </a:r>
             <a:r>
               <a:rPr lang="en-IE" sz="2000" dirty="0" err="1"/>
@@ -17447,15 +16488,7 @@
           <a:p>
             <a:r>
               <a:rPr lang="en-IE" sz="2000" dirty="0"/>
-              <a:t>If there’s an error during the migration, the balancer aborts the process leaving the chunk unchanged on the </a:t>
-            </a:r>
-            <a:r>
-              <a:rPr lang="en-IE" sz="2000" dirty="0" smtClean="0"/>
-              <a:t>origin shard</a:t>
-            </a:r>
-            <a:r>
-              <a:rPr lang="en-IE" sz="2000" dirty="0"/>
-              <a:t>. </a:t>
+              <a:t>If there’s an error during the migration, the balancer aborts the process leaving the chunk unchanged on the origin shard. </a:t>
             </a:r>
             <a:r>
               <a:rPr lang="en-IE" sz="2000" dirty="0" err="1"/>
@@ -17463,17 +16496,12 @@
             </a:r>
             <a:r>
               <a:rPr lang="en-IE" sz="2000" dirty="0"/>
-              <a:t> removes the chunk’s data from the origin shard after the migration </a:t>
-            </a:r>
-            <a:r>
-              <a:rPr lang="en-IE" sz="2000" dirty="0" smtClean="0"/>
-              <a:t>completes.</a:t>
-            </a:r>
+              <a:t> removes the chunk’s data from the origin shard after the migration completes.</a:t>
+            </a:r>
+          </a:p>
+          <a:p>
             <a:endParaRPr lang="en-IE" sz="2000" dirty="0"/>
           </a:p>
-          <a:p>
-            <a:endParaRPr lang="en-IE" sz="2000" dirty="0"/>
-          </a:p>
         </p:txBody>
       </p:sp>
       <p:sp>
@@ -17495,7 +16523,7 @@
               <a:defRPr/>
             </a:pPr>
             <a:r>
-              <a:rPr lang="en-US" smtClean="0"/>
+              <a:rPr lang="en-US"/>
               <a:t>2012/2013 - DT228/4</a:t>
             </a:r>
             <a:endParaRPr lang="en-IE" dirty="0"/>
@@ -17601,18 +16629,17 @@
           <a:lstStyle/>
           <a:p>
             <a:r>
-              <a:rPr lang="en-IE" dirty="0" smtClean="0"/>
+              <a:rPr lang="en-IE" dirty="0"/>
               <a:t>A </a:t>
             </a:r>
             <a:r>
-              <a:rPr lang="en-IE" dirty="0" err="1" smtClean="0"/>
+              <a:rPr lang="en-IE" dirty="0" err="1"/>
               <a:t>Sharded</a:t>
             </a:r>
             <a:r>
-              <a:rPr lang="en-IE" dirty="0" smtClean="0"/>
+              <a:rPr lang="en-IE" dirty="0"/>
               <a:t> Cluster Architecture</a:t>
             </a:r>
-            <a:endParaRPr lang="en-IE" dirty="0"/>
           </a:p>
         </p:txBody>
       </p:sp>
@@ -17659,7 +16686,7 @@
               <a:defRPr/>
             </a:pPr>
             <a:r>
-              <a:rPr lang="en-US" smtClean="0"/>
+              <a:rPr lang="en-US"/>
               <a:t>2012/2013 - DT228/4</a:t>
             </a:r>
             <a:endParaRPr lang="en-IE" dirty="0"/>
@@ -17770,14 +16797,13 @@
           <a:lstStyle/>
           <a:p>
             <a:r>
-              <a:rPr lang="en-IE" dirty="0" err="1" smtClean="0"/>
+              <a:rPr lang="en-IE" dirty="0" err="1"/>
               <a:t>Sharded</a:t>
             </a:r>
             <a:r>
-              <a:rPr lang="en-IE" dirty="0" smtClean="0"/>
+              <a:rPr lang="en-IE" dirty="0"/>
               <a:t> and not shared collections</a:t>
             </a:r>
-            <a:endParaRPr lang="en-IE" dirty="0"/>
           </a:p>
         </p:txBody>
       </p:sp>
@@ -17802,24 +16828,23 @@
           <a:lstStyle/>
           <a:p>
             <a:r>
-              <a:rPr lang="en-IE" sz="2400" dirty="0" smtClean="0"/>
+              <a:rPr lang="en-IE" sz="2400" dirty="0"/>
               <a:t>Why some collections are not </a:t>
             </a:r>
             <a:r>
-              <a:rPr lang="en-IE" sz="2400" dirty="0" err="1" smtClean="0"/>
+              <a:rPr lang="en-IE" sz="2400" dirty="0" err="1"/>
               <a:t>sharded</a:t>
             </a:r>
             <a:r>
-              <a:rPr lang="en-IE" sz="2400" dirty="0" smtClean="0"/>
+              <a:rPr lang="en-IE" sz="2400" dirty="0"/>
               <a:t>?</a:t>
             </a:r>
           </a:p>
           <a:p>
             <a:r>
-              <a:rPr lang="en-IE" sz="2400" dirty="0" smtClean="0"/>
+              <a:rPr lang="en-IE" sz="2400" dirty="0"/>
               <a:t>What about reliability?</a:t>
             </a:r>
-            <a:endParaRPr lang="en-IE" sz="2400" dirty="0"/>
           </a:p>
         </p:txBody>
       </p:sp>
@@ -17842,7 +16867,7 @@
               <a:defRPr/>
             </a:pPr>
             <a:r>
-              <a:rPr lang="en-US" smtClean="0"/>
+              <a:rPr lang="en-US"/>
               <a:t>2012/2013 - DT228/4</a:t>
             </a:r>
             <a:endParaRPr lang="en-IE" dirty="0"/>
@@ -17948,14 +16973,13 @@
           <a:lstStyle/>
           <a:p>
             <a:r>
-              <a:rPr lang="en-IE" dirty="0" err="1" smtClean="0"/>
+              <a:rPr lang="en-IE" dirty="0" err="1"/>
               <a:t>Config</a:t>
             </a:r>
             <a:r>
-              <a:rPr lang="en-IE" dirty="0" smtClean="0"/>
+              <a:rPr lang="en-IE" dirty="0"/>
               <a:t> Servers</a:t>
             </a:r>
-            <a:endParaRPr lang="en-IE" dirty="0"/>
           </a:p>
         </p:txBody>
       </p:sp>
@@ -17988,15 +17012,7 @@
             </a:r>
             <a:r>
               <a:rPr lang="en-IE" sz="2000" dirty="0"/>
-              <a:t> instances that store the metadata </a:t>
-            </a:r>
-            <a:r>
-              <a:rPr lang="en-IE" sz="2000" dirty="0" smtClean="0"/>
-              <a:t>for </a:t>
-            </a:r>
-            <a:r>
-              <a:rPr lang="en-IE" sz="2000" dirty="0"/>
-              <a:t>a </a:t>
+              <a:t> instances that store the metadata for a </a:t>
             </a:r>
             <a:r>
               <a:rPr lang="en-IE" sz="2000" dirty="0" err="1"/>
@@ -18037,20 +17053,12 @@
               <a:t> servers must be available to deploy a </a:t>
             </a:r>
             <a:r>
-              <a:rPr lang="en-IE" sz="2000" dirty="0" err="1" smtClean="0"/>
+              <a:rPr lang="en-IE" sz="2000" dirty="0" err="1"/>
               <a:t>sharded</a:t>
             </a:r>
             <a:r>
               <a:rPr lang="en-IE" sz="2000" dirty="0"/>
-              <a:t> </a:t>
-            </a:r>
-            <a:r>
-              <a:rPr lang="en-IE" sz="2000" dirty="0" smtClean="0"/>
-              <a:t>cluster </a:t>
-            </a:r>
-            <a:r>
-              <a:rPr lang="en-IE" sz="2000" dirty="0"/>
-              <a:t>or to make any changes to cluster metadata. </a:t>
+              <a:t> cluster or to make any changes to cluster metadata. </a:t>
             </a:r>
             <a:r>
               <a:rPr lang="en-IE" sz="2000" dirty="0" err="1"/>
@@ -18058,11 +17066,7 @@
             </a:r>
             <a:r>
               <a:rPr lang="en-IE" sz="2000" dirty="0"/>
-              <a:t> servers do not run as replica sets</a:t>
-            </a:r>
-            <a:r>
-              <a:rPr lang="en-IE" sz="2000" dirty="0" smtClean="0"/>
-              <a:t>.</a:t>
+              <a:t> servers do not run as replica sets.</a:t>
             </a:r>
           </a:p>
           <a:p>
@@ -18080,23 +17084,7 @@
             </a:r>
             <a:r>
               <a:rPr lang="en-IE" sz="2000" dirty="0"/>
-              <a:t> </a:t>
-            </a:r>
-            <a:r>
-              <a:rPr lang="en-IE" sz="2000" dirty="0" smtClean="0"/>
-              <a:t>database. </a:t>
-            </a:r>
-            <a:r>
-              <a:rPr lang="en-IE" sz="2000" dirty="0"/>
-              <a:t>The mongos instances cache this </a:t>
-            </a:r>
-            <a:r>
-              <a:rPr lang="en-IE" sz="2000" dirty="0" smtClean="0"/>
-              <a:t>data and </a:t>
-            </a:r>
-            <a:r>
-              <a:rPr lang="en-IE" sz="2000" dirty="0"/>
-              <a:t>use it to route reads and writes to shards.</a:t>
+              <a:t> database. The mongos instances cache this data and use it to route reads and writes to shards.</a:t>
             </a:r>
           </a:p>
           <a:p>
@@ -18123,20 +17111,8 @@
               <a:buAutoNum type="arabicPeriod"/>
             </a:pPr>
             <a:r>
-              <a:rPr lang="en-IE" sz="2000" dirty="0" smtClean="0"/>
-              <a:t>after </a:t>
-            </a:r>
-            <a:r>
               <a:rPr lang="en-IE" sz="2000" dirty="0"/>
-              <a:t>a chunk </a:t>
-            </a:r>
-            <a:r>
-              <a:rPr lang="en-IE" sz="2000" dirty="0" smtClean="0"/>
-              <a:t>migration </a:t>
-            </a:r>
-            <a:r>
-              <a:rPr lang="en-IE" sz="2000" dirty="0"/>
-              <a:t>or</a:t>
+              <a:t>after a chunk migration or</a:t>
             </a:r>
           </a:p>
           <a:p>
@@ -18145,18 +17121,9 @@
               <a:buAutoNum type="arabicPeriod"/>
             </a:pPr>
             <a:r>
-              <a:rPr lang="en-IE" sz="2000" dirty="0" smtClean="0"/>
-              <a:t>after </a:t>
-            </a:r>
-            <a:r>
               <a:rPr lang="en-IE" sz="2000" dirty="0"/>
-              <a:t>a chunk </a:t>
-            </a:r>
-            <a:r>
-              <a:rPr lang="en-IE" sz="2000" dirty="0" smtClean="0"/>
-              <a:t>split.</a:t>
-            </a:r>
-            <a:endParaRPr lang="en-IE" sz="2000" dirty="0"/>
+              <a:t>after a chunk split.</a:t>
+            </a:r>
           </a:p>
         </p:txBody>
       </p:sp>
@@ -18179,7 +17146,7 @@
               <a:defRPr/>
             </a:pPr>
             <a:r>
-              <a:rPr lang="en-US" smtClean="0"/>
+              <a:rPr lang="en-US"/>
               <a:t>2012/2013 - DT228/4</a:t>
             </a:r>
             <a:endParaRPr lang="en-IE" dirty="0"/>
@@ -18261,10 +17228,9 @@
           <a:lstStyle/>
           <a:p>
             <a:r>
-              <a:rPr lang="en-IE" dirty="0" smtClean="0"/>
+              <a:rPr lang="en-IE" dirty="0"/>
               <a:t>When to shard</a:t>
             </a:r>
-            <a:endParaRPr lang="en-IE" dirty="0"/>
           </a:p>
         </p:txBody>
       </p:sp>
@@ -18306,35 +17272,18 @@
             </a:r>
             <a:r>
               <a:rPr lang="en-IE" sz="2000" dirty="0"/>
-              <a:t> clusters have significant infrastructure </a:t>
-            </a:r>
-            <a:r>
-              <a:rPr lang="en-IE" sz="2000" dirty="0" smtClean="0"/>
-              <a:t>requirements and </a:t>
-            </a:r>
+              <a:t> clusters have significant infrastructure requirements and increases the overall complexity of a deployment. Use it only if needed</a:t>
+            </a:r>
+          </a:p>
+          <a:p>
             <a:r>
               <a:rPr lang="en-IE" sz="2000" dirty="0"/>
-              <a:t>increases the overall complexity of a deployment. </a:t>
-            </a:r>
-            <a:r>
-              <a:rPr lang="en-IE" sz="2000" dirty="0" smtClean="0"/>
-              <a:t>Use it only if needed</a:t>
-            </a:r>
-            <a:endParaRPr lang="en-IE" sz="2000" dirty="0"/>
-          </a:p>
-          <a:p>
-            <a:r>
-              <a:rPr lang="en-IE" sz="2000" dirty="0" smtClean="0"/>
-              <a:t>Usually, these are the application </a:t>
-            </a:r>
+              <a:t>Usually, these are the application and operational requirements</a:t>
+            </a:r>
+          </a:p>
+          <a:p>
             <a:r>
               <a:rPr lang="en-IE" sz="2000" dirty="0"/>
-              <a:t>and operational requirements</a:t>
-            </a:r>
-          </a:p>
-          <a:p>
-            <a:r>
-              <a:rPr lang="en-IE" sz="2000" dirty="0" smtClean="0"/>
               <a:t>Use </a:t>
             </a:r>
             <a:r>
@@ -18352,12 +17301,8 @@
               <a:buAutoNum type="arabicPeriod"/>
             </a:pPr>
             <a:r>
-              <a:rPr lang="en-IE" sz="2000" dirty="0" smtClean="0"/>
-              <a:t>your </a:t>
-            </a:r>
-            <a:r>
               <a:rPr lang="en-IE" sz="2000" dirty="0"/>
-              <a:t>data set approaches or exceeds the storage capacity of a single </a:t>
+              <a:t>your data set approaches or exceeds the storage capacity of a single </a:t>
             </a:r>
             <a:r>
               <a:rPr lang="en-IE" sz="2000" dirty="0" err="1"/>
@@ -18365,20 +17310,15 @@
             </a:r>
             <a:r>
               <a:rPr lang="en-IE" sz="2000" dirty="0"/>
-              <a:t> instance</a:t>
-            </a:r>
-            <a:r>
-              <a:rPr lang="en-IE" sz="2000" dirty="0" smtClean="0"/>
-              <a:t>.</a:t>
-            </a:r>
-            <a:endParaRPr lang="en-IE" sz="2000" dirty="0"/>
+              <a:t> instance.</a:t>
+            </a:r>
           </a:p>
           <a:p>
             <a:pPr marL="457200" indent="-457200">
               <a:buFont typeface="+mj-lt"/>
               <a:buAutoNum type="arabicPeriod"/>
             </a:pPr>
-            <a:endParaRPr lang="en-IE" sz="2000" dirty="0" smtClean="0"/>
+            <a:endParaRPr lang="en-IE" sz="2000" dirty="0"/>
           </a:p>
           <a:p>
             <a:pPr marL="457200" indent="-457200">
@@ -18386,12 +17326,8 @@
               <a:buAutoNum type="arabicPeriod"/>
             </a:pPr>
             <a:r>
-              <a:rPr lang="en-IE" sz="2000" dirty="0" smtClean="0"/>
-              <a:t>the </a:t>
-            </a:r>
-            <a:r>
               <a:rPr lang="en-IE" sz="2000" dirty="0"/>
-              <a:t>size of your system’s active working set will soon exceed the capacity of your system’s maximum RAM.</a:t>
+              <a:t>the size of your system’s active working set will soon exceed the capacity of your system’s maximum RAM.</a:t>
             </a:r>
           </a:p>
           <a:p>
@@ -18399,7 +17335,7 @@
               <a:buFont typeface="+mj-lt"/>
               <a:buAutoNum type="arabicPeriod"/>
             </a:pPr>
-            <a:endParaRPr lang="en-IE" sz="2000" dirty="0" smtClean="0"/>
+            <a:endParaRPr lang="en-IE" sz="2000" dirty="0"/>
           </a:p>
           <a:p>
             <a:pPr marL="457200" indent="-457200">
@@ -18407,12 +17343,8 @@
               <a:buAutoNum type="arabicPeriod"/>
             </a:pPr>
             <a:r>
-              <a:rPr lang="en-IE" sz="2000" dirty="0" smtClean="0"/>
-              <a:t>a </a:t>
-            </a:r>
-            <a:r>
               <a:rPr lang="en-IE" sz="2000" dirty="0"/>
-              <a:t>single </a:t>
+              <a:t>a single </a:t>
             </a:r>
             <a:r>
               <a:rPr lang="en-IE" sz="2000" dirty="0" err="1"/>
@@ -18420,15 +17352,7 @@
             </a:r>
             <a:r>
               <a:rPr lang="en-IE" sz="2000" dirty="0"/>
-              <a:t> instance cannot meet the demands of your write operations, and all other approaches </a:t>
-            </a:r>
-            <a:r>
-              <a:rPr lang="en-IE" sz="2000" dirty="0" smtClean="0"/>
-              <a:t>have not </a:t>
-            </a:r>
-            <a:r>
-              <a:rPr lang="en-IE" sz="2000" dirty="0"/>
-              <a:t>reduced contention.</a:t>
+              <a:t> instance cannot meet the demands of your write operations, and all other approaches have not reduced contention.</a:t>
             </a:r>
           </a:p>
         </p:txBody>
@@ -18452,7 +17376,7 @@
               <a:defRPr/>
             </a:pPr>
             <a:r>
-              <a:rPr lang="en-US" smtClean="0"/>
+              <a:rPr lang="en-US"/>
               <a:t>2012/2013 - DT228/4</a:t>
             </a:r>
             <a:endParaRPr lang="en-IE" dirty="0"/>
@@ -18534,10 +17458,9 @@
           <a:lstStyle/>
           <a:p>
             <a:r>
-              <a:rPr lang="en-IE" dirty="0" smtClean="0"/>
+              <a:rPr lang="en-IE" dirty="0"/>
               <a:t>Architecture of a Production Cluster</a:t>
             </a:r>
-            <a:endParaRPr lang="en-IE" dirty="0"/>
           </a:p>
         </p:txBody>
       </p:sp>
@@ -18562,24 +17485,16 @@
           <a:lstStyle/>
           <a:p>
             <a:r>
-              <a:rPr lang="en-IE" sz="2200" dirty="0" smtClean="0"/>
-              <a:t>In </a:t>
-            </a:r>
-            <a:r>
               <a:rPr lang="en-IE" sz="2200" dirty="0"/>
-              <a:t>a production cluster, you must ensure that data is redundant and that your systems are highly available. To that </a:t>
-            </a:r>
-            <a:r>
-              <a:rPr lang="en-IE" sz="2200" dirty="0" err="1" smtClean="0"/>
+              <a:t>In a production cluster, you must ensure that data is redundant and that your systems are highly available. To that </a:t>
+            </a:r>
+            <a:r>
+              <a:rPr lang="en-IE" sz="2200" dirty="0" err="1"/>
               <a:t>end,a</a:t>
             </a:r>
             <a:r>
-              <a:rPr lang="en-IE" sz="2200" dirty="0" smtClean="0"/>
-              <a:t> </a:t>
-            </a:r>
-            <a:r>
               <a:rPr lang="en-IE" sz="2200" dirty="0"/>
-              <a:t>production cluster must have the following components:</a:t>
+              <a:t> production cluster must have the following components:</a:t>
             </a:r>
           </a:p>
           <a:p>
@@ -18588,7 +17503,7 @@
               <a:buAutoNum type="arabicPeriod"/>
             </a:pPr>
             <a:r>
-              <a:rPr lang="en-IE" sz="2000" dirty="0" smtClean="0"/>
+              <a:rPr lang="en-IE" sz="2000" dirty="0"/>
               <a:t>Three </a:t>
             </a:r>
             <a:r>
@@ -18605,15 +17520,7 @@
             </a:r>
             <a:r>
               <a:rPr lang="en-IE" sz="2000" dirty="0"/>
-              <a:t> server </a:t>
-            </a:r>
-            <a:r>
-              <a:rPr lang="en-IE" sz="2000" dirty="0" smtClean="0"/>
-              <a:t>must </a:t>
-            </a:r>
-            <a:r>
-              <a:rPr lang="en-IE" sz="2000" dirty="0"/>
-              <a:t>be on separate machines. A single </a:t>
+              <a:t> server must be on separate machines. A single </a:t>
             </a:r>
             <a:r>
               <a:rPr lang="en-IE" sz="2000" dirty="0" err="1"/>
@@ -18621,15 +17528,7 @@
             </a:r>
             <a:r>
               <a:rPr lang="en-IE" sz="2000" dirty="0"/>
-              <a:t> </a:t>
-            </a:r>
-            <a:r>
-              <a:rPr lang="en-IE" sz="2000" dirty="0" smtClean="0"/>
-              <a:t>cluster must </a:t>
-            </a:r>
-            <a:r>
-              <a:rPr lang="en-IE" sz="2000" dirty="0"/>
-              <a:t>have exclusive use of its </a:t>
+              <a:t> cluster must have exclusive use of its </a:t>
             </a:r>
             <a:r>
               <a:rPr lang="en-IE" sz="2000" dirty="0" err="1"/>
@@ -18637,15 +17536,7 @@
             </a:r>
             <a:r>
               <a:rPr lang="en-IE" sz="2000" dirty="0"/>
-              <a:t> </a:t>
-            </a:r>
-            <a:r>
-              <a:rPr lang="en-IE" sz="2000" dirty="0" smtClean="0"/>
-              <a:t>servers. </a:t>
-            </a:r>
-            <a:r>
-              <a:rPr lang="en-IE" sz="2000" dirty="0"/>
-              <a:t>If you have multiple </a:t>
+              <a:t> servers. If you have multiple </a:t>
             </a:r>
             <a:r>
               <a:rPr lang="en-IE" sz="2000" dirty="0" err="1"/>
@@ -18653,15 +17544,7 @@
             </a:r>
             <a:r>
               <a:rPr lang="en-IE" sz="2000" dirty="0"/>
-              <a:t> clusters, you </a:t>
-            </a:r>
-            <a:r>
-              <a:rPr lang="en-IE" sz="2000" dirty="0" smtClean="0"/>
-              <a:t>will need </a:t>
-            </a:r>
-            <a:r>
-              <a:rPr lang="en-IE" sz="2000" dirty="0"/>
-              <a:t>to have a group of </a:t>
+              <a:t> clusters, you will need to have a group of </a:t>
             </a:r>
             <a:r>
               <a:rPr lang="en-IE" sz="2000" dirty="0" err="1"/>
@@ -18669,11 +17552,7 @@
             </a:r>
             <a:r>
               <a:rPr lang="en-IE" sz="2000" dirty="0"/>
-              <a:t> servers for each cluster</a:t>
-            </a:r>
-            <a:r>
-              <a:rPr lang="en-IE" sz="2000" dirty="0" smtClean="0"/>
-              <a:t>.</a:t>
+              <a:t> servers for each cluster.</a:t>
             </a:r>
           </a:p>
           <a:p>
@@ -18689,29 +17568,16 @@
               <a:buAutoNum type="arabicPeriod"/>
             </a:pPr>
             <a:r>
-              <a:rPr lang="en-IE" sz="2000" dirty="0" smtClean="0"/>
-              <a:t>Two </a:t>
-            </a:r>
-            <a:r>
               <a:rPr lang="en-IE" sz="2000" dirty="0"/>
-              <a:t>or More Replica Sets As </a:t>
-            </a:r>
-            <a:r>
-              <a:rPr lang="en-IE" sz="2000" dirty="0" smtClean="0"/>
-              <a:t>Shards. </a:t>
-            </a:r>
-            <a:r>
-              <a:rPr lang="en-IE" sz="2000" dirty="0"/>
-              <a:t>These replica sets are the shards. </a:t>
-            </a:r>
-            <a:endParaRPr lang="en-IE" sz="2000" dirty="0" smtClean="0"/>
+              <a:t>Two or More Replica Sets As Shards. These replica sets are the shards. </a:t>
+            </a:r>
           </a:p>
           <a:p>
             <a:pPr marL="457200" indent="-457200">
               <a:buFont typeface="+mj-lt"/>
               <a:buAutoNum type="arabicPeriod"/>
             </a:pPr>
-            <a:endParaRPr lang="en-IE" sz="2000" dirty="0" smtClean="0"/>
+            <a:endParaRPr lang="en-IE" sz="2000" dirty="0"/>
           </a:p>
           <a:p>
             <a:pPr marL="457200" indent="-457200">
@@ -18719,12 +17585,8 @@
               <a:buAutoNum type="arabicPeriod"/>
             </a:pPr>
             <a:r>
-              <a:rPr lang="en-IE" sz="2000" dirty="0" smtClean="0"/>
-              <a:t>One </a:t>
-            </a:r>
-            <a:r>
               <a:rPr lang="en-IE" sz="2000" dirty="0"/>
-              <a:t>or More Query Routers (</a:t>
+              <a:t>One or More Query Routers (</a:t>
             </a:r>
             <a:r>
               <a:rPr lang="en-IE" sz="2000" b="1" dirty="0"/>
@@ -18732,15 +17594,7 @@
             </a:r>
             <a:r>
               <a:rPr lang="en-IE" sz="2000" dirty="0"/>
-              <a:t>) The mongos instances are the routers for the cluster. Typically, </a:t>
-            </a:r>
-            <a:r>
-              <a:rPr lang="en-IE" sz="2000" dirty="0" smtClean="0"/>
-              <a:t>deployments have </a:t>
-            </a:r>
-            <a:r>
-              <a:rPr lang="en-IE" sz="2000" dirty="0"/>
-              <a:t>one mongos instance on each application server.</a:t>
+              <a:t>) The mongos instances are the routers for the cluster. Typically, deployments have one mongos instance on each application server.</a:t>
             </a:r>
           </a:p>
         </p:txBody>
@@ -18764,7 +17618,7 @@
               <a:defRPr/>
             </a:pPr>
             <a:r>
-              <a:rPr lang="en-US" smtClean="0"/>
+              <a:rPr lang="en-US"/>
               <a:t>2012/2013 - DT228/4</a:t>
             </a:r>
             <a:endParaRPr lang="en-IE" dirty="0"/>
@@ -18851,18 +17705,17 @@
           <a:lstStyle/>
           <a:p>
             <a:r>
-              <a:rPr lang="en-IE" dirty="0" smtClean="0"/>
+              <a:rPr lang="en-IE" dirty="0"/>
               <a:t>Architecture: production </a:t>
             </a:r>
             <a:r>
-              <a:rPr lang="en-IE" dirty="0" err="1" smtClean="0"/>
+              <a:rPr lang="en-IE" dirty="0" err="1"/>
               <a:t>vs</a:t>
             </a:r>
             <a:r>
-              <a:rPr lang="en-IE" dirty="0" smtClean="0"/>
+              <a:rPr lang="en-IE" dirty="0"/>
               <a:t> test</a:t>
             </a:r>
-            <a:endParaRPr lang="en-IE" dirty="0"/>
           </a:p>
         </p:txBody>
       </p:sp>
@@ -18890,33 +17743,33 @@
               <a:buNone/>
             </a:pPr>
             <a:r>
-              <a:rPr lang="en-IE" sz="2200" b="1" dirty="0" smtClean="0"/>
+              <a:rPr lang="en-IE" sz="2200" b="1" dirty="0"/>
               <a:t>Production</a:t>
             </a:r>
           </a:p>
           <a:p>
             <a:r>
-              <a:rPr lang="en-IE" sz="2200" dirty="0" smtClean="0"/>
+              <a:rPr lang="en-IE" sz="2200" dirty="0"/>
               <a:t>3 </a:t>
             </a:r>
             <a:r>
-              <a:rPr lang="en-IE" sz="2200" dirty="0" err="1" smtClean="0"/>
+              <a:rPr lang="en-IE" sz="2200" dirty="0" err="1"/>
               <a:t>config</a:t>
             </a:r>
             <a:r>
-              <a:rPr lang="en-IE" sz="2200" dirty="0" smtClean="0"/>
+              <a:rPr lang="en-IE" sz="2200" dirty="0"/>
               <a:t> servers  (3 different machines)</a:t>
             </a:r>
           </a:p>
           <a:p>
             <a:r>
-              <a:rPr lang="en-IE" sz="2200" dirty="0" smtClean="0"/>
+              <a:rPr lang="en-IE" sz="2200" dirty="0"/>
               <a:t>Many routers</a:t>
             </a:r>
           </a:p>
           <a:p>
             <a:r>
-              <a:rPr lang="en-IE" sz="2200" dirty="0" smtClean="0"/>
+              <a:rPr lang="en-IE" sz="2200" dirty="0"/>
               <a:t>Many shards implemented as replica set</a:t>
             </a:r>
           </a:p>
@@ -18928,44 +17781,43 @@
               <a:buNone/>
             </a:pPr>
             <a:r>
-              <a:rPr lang="en-IE" sz="2200" b="1" dirty="0" smtClean="0"/>
+              <a:rPr lang="en-IE" sz="2200" b="1" dirty="0"/>
               <a:t>Test</a:t>
             </a:r>
           </a:p>
           <a:p>
             <a:r>
-              <a:rPr lang="en-IE" sz="2200" dirty="0" smtClean="0"/>
+              <a:rPr lang="en-IE" sz="2200" dirty="0"/>
               <a:t>At least 1 </a:t>
             </a:r>
             <a:r>
-              <a:rPr lang="en-IE" sz="2200" dirty="0" err="1" smtClean="0"/>
+              <a:rPr lang="en-IE" sz="2200" dirty="0" err="1"/>
               <a:t>config</a:t>
             </a:r>
             <a:r>
-              <a:rPr lang="en-IE" sz="2200" dirty="0" smtClean="0"/>
+              <a:rPr lang="en-IE" sz="2200" dirty="0"/>
               <a:t> server</a:t>
             </a:r>
           </a:p>
           <a:p>
             <a:r>
-              <a:rPr lang="en-IE" sz="2200" dirty="0" smtClean="0"/>
+              <a:rPr lang="en-IE" sz="2200" dirty="0"/>
               <a:t>At least 1 router</a:t>
             </a:r>
           </a:p>
           <a:p>
             <a:r>
-              <a:rPr lang="en-IE" sz="2200" dirty="0" smtClean="0"/>
+              <a:rPr lang="en-IE" sz="2200" dirty="0"/>
               <a:t>At least 1 shard (even a </a:t>
             </a:r>
             <a:r>
-              <a:rPr lang="en-IE" sz="2200" dirty="0" err="1" smtClean="0"/>
+              <a:rPr lang="en-IE" sz="2200" dirty="0" err="1"/>
               <a:t>mongod</a:t>
             </a:r>
             <a:r>
-              <a:rPr lang="en-IE" sz="2200" dirty="0" smtClean="0"/>
+              <a:rPr lang="en-IE" sz="2200" dirty="0"/>
               <a:t> instance)</a:t>
             </a:r>
-            <a:endParaRPr lang="en-IE" sz="2200" dirty="0"/>
           </a:p>
         </p:txBody>
       </p:sp>
@@ -18988,7 +17840,7 @@
               <a:defRPr/>
             </a:pPr>
             <a:r>
-              <a:rPr lang="en-US" smtClean="0"/>
+              <a:rPr lang="en-US"/>
               <a:t>2012/2013 - DT228/4</a:t>
             </a:r>
             <a:endParaRPr lang="en-IE" dirty="0"/>
@@ -19094,11 +17946,11 @@
           <a:lstStyle/>
           <a:p>
             <a:r>
-              <a:rPr lang="en-IE" dirty="0" smtClean="0"/>
+              <a:rPr lang="en-IE" dirty="0"/>
               <a:t>More on </a:t>
             </a:r>
             <a:r>
-              <a:rPr lang="en-IE" dirty="0" err="1" smtClean="0"/>
+              <a:rPr lang="en-IE" dirty="0" err="1"/>
               <a:t>Sharding</a:t>
             </a:r>
             <a:endParaRPr lang="en-IE" dirty="0"/>
@@ -19126,39 +17978,23 @@
             </a:r>
             <a:r>
               <a:rPr lang="en-IE" sz="2200" dirty="0"/>
-              <a:t> is the partitioning of data among multiple machines in an </a:t>
-            </a:r>
-            <a:r>
-              <a:rPr lang="en-IE" sz="2200" dirty="0" smtClean="0"/>
-              <a:t>order-preserving </a:t>
+              <a:t> is the partitioning of data among multiple machines in an order-preserving manner. </a:t>
+            </a:r>
+          </a:p>
+          <a:p>
+            <a:r>
+              <a:rPr lang="en-IE" sz="2200" dirty="0" err="1"/>
+              <a:t>Sharding</a:t>
             </a:r>
             <a:r>
               <a:rPr lang="en-IE" sz="2200" dirty="0"/>
-              <a:t>manner. </a:t>
-            </a:r>
-          </a:p>
-          <a:p>
-            <a:r>
-              <a:rPr lang="en-IE" sz="2200" dirty="0" err="1" smtClean="0"/>
-              <a:t>Sharding</a:t>
-            </a:r>
-            <a:r>
-              <a:rPr lang="en-IE" sz="2200" dirty="0" smtClean="0"/>
-              <a:t> </a:t>
-            </a:r>
+              <a:t> is performed on a per-collection basis. </a:t>
+            </a:r>
+          </a:p>
+          <a:p>
             <a:r>
               <a:rPr lang="en-IE" sz="2200" dirty="0"/>
-              <a:t>is performed on a per-collection basis. </a:t>
-            </a:r>
-          </a:p>
-          <a:p>
-            <a:r>
-              <a:rPr lang="en-IE" sz="2200" dirty="0" smtClean="0"/>
-              <a:t>Each </a:t>
-            </a:r>
-            <a:r>
-              <a:rPr lang="en-IE" sz="2200" dirty="0"/>
-              <a:t>shard stores multiple "chunks" of data, based on the shard key. </a:t>
+              <a:t>Each shard stores multiple "chunks" of data, based on the shard key. </a:t>
             </a:r>
             <a:r>
               <a:rPr lang="en-IE" sz="2200" dirty="0" err="1"/>
@@ -19166,20 +18002,12 @@
             </a:r>
             <a:r>
               <a:rPr lang="en-IE" sz="2200" dirty="0"/>
-              <a:t> </a:t>
-            </a:r>
-            <a:r>
-              <a:rPr lang="en-IE" sz="2200" dirty="0" smtClean="0"/>
-              <a:t>distributes </a:t>
-            </a:r>
+              <a:t> distributes these chunks evenly. </a:t>
+            </a:r>
+          </a:p>
+          <a:p>
             <a:r>
               <a:rPr lang="en-IE" sz="2200" dirty="0"/>
-              <a:t>these chunks evenly. </a:t>
-            </a:r>
-          </a:p>
-          <a:p>
-            <a:r>
-              <a:rPr lang="en-IE" sz="2200" dirty="0" smtClean="0"/>
               <a:t>In </a:t>
             </a:r>
             <a:r>
@@ -19196,39 +18024,23 @@
             </a:r>
             <a:r>
               <a:rPr lang="en-IE" sz="2200" dirty="0"/>
-              <a:t> is the tool for scaling a system, and replication is the tool for </a:t>
-            </a:r>
-            <a:r>
-              <a:rPr lang="en-IE" sz="2200" dirty="0" smtClean="0"/>
-              <a:t> data </a:t>
-            </a:r>
+              <a:t> is the tool for scaling a system, and replication is the tool for  data safety, high availability, and disaster recovery.  </a:t>
+            </a:r>
+          </a:p>
+          <a:p>
             <a:r>
               <a:rPr lang="en-IE" sz="2200" dirty="0"/>
-              <a:t>safety, high availability, and disaster recovery.  </a:t>
-            </a:r>
-          </a:p>
-          <a:p>
-            <a:r>
-              <a:rPr lang="en-IE" sz="2200" dirty="0" smtClean="0"/>
-              <a:t>The </a:t>
+              <a:t>The two work in tandem yet are orthogonal concepts in the design. </a:t>
+            </a:r>
+          </a:p>
+          <a:p>
+            <a:r>
+              <a:rPr lang="en-IE" sz="2200" dirty="0" err="1"/>
+              <a:t>MongoDB's</a:t>
             </a:r>
             <a:r>
               <a:rPr lang="en-IE" sz="2200" dirty="0"/>
-              <a:t>two work in tandem yet are orthogonal concepts in the design. </a:t>
-            </a:r>
-          </a:p>
-          <a:p>
-            <a:r>
-              <a:rPr lang="en-IE" sz="2200" dirty="0" err="1" smtClean="0"/>
-              <a:t>MongoDB's</a:t>
-            </a:r>
-            <a:r>
-              <a:rPr lang="en-IE" sz="2200" dirty="0" smtClean="0"/>
-              <a:t> </a:t>
-            </a:r>
-            <a:r>
-              <a:rPr lang="en-IE" sz="2200" dirty="0"/>
-              <a:t>auto-</a:t>
+              <a:t> auto-</a:t>
             </a:r>
             <a:r>
               <a:rPr lang="en-IE" sz="2200" dirty="0" err="1"/>
@@ -19236,15 +18048,7 @@
             </a:r>
             <a:r>
               <a:rPr lang="en-IE" sz="2200" dirty="0"/>
-              <a:t> scaling model shares many similarities with Yahoo's </a:t>
-            </a:r>
-            <a:r>
-              <a:rPr lang="en-IE" sz="2200" dirty="0" smtClean="0"/>
-              <a:t> PNUTS </a:t>
-            </a:r>
-            <a:r>
-              <a:rPr lang="en-IE" sz="2200" dirty="0"/>
-              <a:t>and Google's </a:t>
+              <a:t> scaling model shares many similarities with Yahoo's  PNUTS and Google's </a:t>
             </a:r>
             <a:r>
               <a:rPr lang="en-IE" sz="2200" dirty="0" err="1"/>
@@ -19276,7 +18080,7 @@
               <a:defRPr/>
             </a:pPr>
             <a:r>
-              <a:rPr lang="en-US" smtClean="0"/>
+              <a:rPr lang="en-US"/>
               <a:t>2012/2013 - DT228/4</a:t>
             </a:r>
             <a:endParaRPr lang="en-IE" dirty="0"/>
@@ -19358,11 +18162,11 @@
           <a:lstStyle/>
           <a:p>
             <a:r>
-              <a:rPr lang="en-IE" dirty="0" smtClean="0"/>
+              <a:rPr lang="en-IE" dirty="0"/>
               <a:t>More on </a:t>
             </a:r>
             <a:r>
-              <a:rPr lang="en-IE" dirty="0" err="1" smtClean="0"/>
+              <a:rPr lang="en-IE" dirty="0" err="1"/>
               <a:t>Sharding</a:t>
             </a:r>
             <a:endParaRPr lang="en-IE" dirty="0"/>
@@ -19396,12 +18200,8 @@
           </a:p>
           <a:p>
             <a:r>
-              <a:rPr lang="en-IE" sz="2100" dirty="0" smtClean="0"/>
-              <a:t>Chunks </a:t>
-            </a:r>
-            <a:r>
               <a:rPr lang="en-IE" sz="2100" dirty="0"/>
-              <a:t>are described as a triple of collection, </a:t>
+              <a:t>Chunks are described as a triple of collection, </a:t>
             </a:r>
             <a:r>
               <a:rPr lang="en-IE" sz="2100" dirty="0" err="1"/>
@@ -19423,15 +18223,7 @@
           <a:p>
             <a:r>
               <a:rPr lang="en-IE" sz="2100" dirty="0"/>
-              <a:t>T</a:t>
-            </a:r>
-            <a:r>
-              <a:rPr lang="en-IE" sz="2100" dirty="0" smtClean="0"/>
-              <a:t>hus</a:t>
-            </a:r>
-            <a:r>
-              <a:rPr lang="en-IE" sz="2100" dirty="0"/>
-              <a:t>, the shard key K of a given document assigns that document to the chunk where </a:t>
+              <a:t>Thus, the shard key K of a given document assigns that document to the chunk where </a:t>
             </a:r>
             <a:r>
               <a:rPr lang="en-IE" sz="2100" dirty="0" err="1"/>
@@ -19439,14 +18231,10 @@
             </a:r>
             <a:r>
               <a:rPr lang="en-IE" sz="2100" dirty="0"/>
-              <a:t> &lt;= K &lt; </a:t>
-            </a:r>
-            <a:r>
-              <a:rPr lang="en-IE" sz="2100" dirty="0" smtClean="0"/>
-              <a:t> </a:t>
-            </a:r>
-            <a:r>
-              <a:rPr lang="en-IE" sz="2100" dirty="0" err="1" smtClean="0"/>
+              <a:t> &lt;= K &lt;  </a:t>
+            </a:r>
+            <a:r>
+              <a:rPr lang="en-IE" sz="2100" dirty="0" err="1"/>
               <a:t>maxKey</a:t>
             </a:r>
             <a:r>
@@ -19456,34 +18244,21 @@
           </a:p>
           <a:p>
             <a:r>
-              <a:rPr lang="en-IE" sz="2100" dirty="0" smtClean="0"/>
-              <a:t>Chunks </a:t>
-            </a:r>
-            <a:r>
               <a:rPr lang="en-IE" sz="2100" dirty="0"/>
-              <a:t>grow to a maximum size, usually 64MB.  </a:t>
-            </a:r>
-          </a:p>
-          <a:p>
-            <a:r>
-              <a:rPr lang="en-IE" sz="2100" dirty="0" smtClean="0"/>
-              <a:t>Once </a:t>
-            </a:r>
+              <a:t>Chunks grow to a maximum size, usually 64MB.  </a:t>
+            </a:r>
+          </a:p>
+          <a:p>
             <a:r>
               <a:rPr lang="en-IE" sz="2100" dirty="0"/>
-              <a:t>a chunk has reached that approximate size, the chunk splits into two new chunks.  </a:t>
-            </a:r>
-          </a:p>
-          <a:p>
-            <a:r>
-              <a:rPr lang="en-IE" sz="2100" dirty="0" smtClean="0"/>
-              <a:t>When </a:t>
-            </a:r>
+              <a:t>Once a chunk has reached that approximate size, the chunk splits into two new chunks.  </a:t>
+            </a:r>
+          </a:p>
+          <a:p>
             <a:r>
               <a:rPr lang="en-IE" sz="2100" dirty="0"/>
-              <a:t>a particular shard has excess data, chunks will then migrate to other shards in the system. </a:t>
-            </a:r>
-            <a:endParaRPr lang="en-IE" sz="2100" dirty="0" smtClean="0"/>
+              <a:t>When a particular shard has excess data, chunks will then migrate to other shards in the system. </a:t>
+            </a:r>
           </a:p>
           <a:p>
             <a:r>
@@ -19498,7 +18273,7 @@
             </a:r>
           </a:p>
           <a:p>
-            <a:endParaRPr lang="en-IE" sz="2100" dirty="0" smtClean="0"/>
+            <a:endParaRPr lang="en-IE" sz="2100" dirty="0"/>
           </a:p>
         </p:txBody>
       </p:sp>
@@ -19521,7 +18296,7 @@
               <a:defRPr/>
             </a:pPr>
             <a:r>
-              <a:rPr lang="en-US" smtClean="0"/>
+              <a:rPr lang="en-US"/>
               <a:t>2012/2013 - DT228/4</a:t>
             </a:r>
             <a:endParaRPr lang="en-IE" dirty="0"/>
@@ -19603,10 +18378,9 @@
           <a:lstStyle/>
           <a:p>
             <a:r>
-              <a:rPr lang="en-IE" dirty="0" smtClean="0"/>
+              <a:rPr lang="en-IE" dirty="0"/>
               <a:t>Multiple Updates</a:t>
             </a:r>
-            <a:endParaRPr lang="en-IE" dirty="0"/>
           </a:p>
         </p:txBody>
       </p:sp>
@@ -19631,21 +18405,21 @@
           <a:lstStyle/>
           <a:p>
             <a:r>
-              <a:rPr lang="en-IE" sz="2400" dirty="0" smtClean="0"/>
+              <a:rPr lang="en-IE" sz="2400" dirty="0"/>
               <a:t>Add {multi: true). It controls the ability of </a:t>
             </a:r>
             <a:r>
-              <a:rPr lang="en-IE" sz="2400" dirty="0" err="1" smtClean="0"/>
+              <a:rPr lang="en-IE" sz="2400" dirty="0" err="1"/>
               <a:t>mongoDB</a:t>
             </a:r>
             <a:r>
-              <a:rPr lang="en-IE" sz="2400" dirty="0" smtClean="0"/>
+              <a:rPr lang="en-IE" sz="2400" dirty="0"/>
               <a:t> to update more than one field in a single query</a:t>
             </a:r>
           </a:p>
           <a:p>
             <a:r>
-              <a:rPr lang="en-IE" sz="2400" dirty="0" smtClean="0"/>
+              <a:rPr lang="en-IE" sz="2400" dirty="0"/>
               <a:t>Try:</a:t>
             </a:r>
           </a:p>
@@ -19653,7 +18427,7 @@
             <a:pPr marL="0" indent="0">
               <a:buNone/>
             </a:pPr>
-            <a:endParaRPr lang="en-IE" sz="1200" dirty="0" smtClean="0"/>
+            <a:endParaRPr lang="en-IE" sz="1200" dirty="0"/>
           </a:p>
           <a:p>
             <a:pPr marL="0" indent="0">
@@ -19799,17 +18573,8 @@
               <a:rPr lang="en-IE" sz="2200" dirty="0">
                 <a:latin typeface="Courier" pitchFamily="49" charset="0"/>
               </a:rPr>
-              <a:t>: {age : 2</a:t>
-            </a:r>
-            <a:r>
-              <a:rPr lang="en-IE" sz="2200" dirty="0" smtClean="0">
-                <a:latin typeface="Courier" pitchFamily="49" charset="0"/>
-              </a:rPr>
-              <a:t>}},{multi: true})</a:t>
-            </a:r>
-            <a:endParaRPr lang="en-IE" sz="2200" dirty="0">
-              <a:latin typeface="Courier" pitchFamily="49" charset="0"/>
-            </a:endParaRPr>
+              <a:t>: {age : 2}},{multi: true})</a:t>
+            </a:r>
           </a:p>
           <a:p>
             <a:pPr marL="0" indent="0">
@@ -19888,7 +18653,7 @@
               <a:defRPr/>
             </a:pPr>
             <a:r>
-              <a:rPr lang="en-US" smtClean="0"/>
+              <a:rPr lang="en-US"/>
               <a:t>2012/2013 - DT228/4</a:t>
             </a:r>
             <a:endParaRPr lang="en-IE" dirty="0"/>
@@ -19934,13 +18699,6 @@
   <p:clrMapOvr>
     <a:masterClrMapping/>
   </p:clrMapOvr>
-  <p:timing>
-    <p:tnLst>
-      <p:par>
-        <p:cTn id="1" dur="indefinite" restart="never" nodeType="tmRoot"/>
-      </p:par>
-    </p:tnLst>
-  </p:timing>
 </p:sld>
 </file>
 
@@ -19977,10 +18735,9 @@
           <a:lstStyle/>
           <a:p>
             <a:r>
-              <a:rPr lang="en-IE" dirty="0" smtClean="0"/>
+              <a:rPr lang="en-IE" dirty="0"/>
               <a:t>Cursors</a:t>
             </a:r>
-            <a:endParaRPr lang="en-IE" dirty="0"/>
           </a:p>
         </p:txBody>
       </p:sp>
@@ -20041,20 +18798,14 @@
               <a:rPr lang="en-IE" sz="2000" dirty="0">
                 <a:latin typeface="Courier" pitchFamily="49" charset="0"/>
               </a:rPr>
-              <a:t>( { type: 'food' } </a:t>
-            </a:r>
-            <a:r>
-              <a:rPr lang="en-IE" sz="2000" dirty="0" smtClean="0">
-                <a:latin typeface="Courier" pitchFamily="49" charset="0"/>
-              </a:rPr>
-              <a:t>);</a:t>
+              <a:t>( { type: 'food' } );</a:t>
             </a:r>
           </a:p>
           <a:p>
             <a:pPr marL="0" indent="0">
               <a:buNone/>
             </a:pPr>
-            <a:endParaRPr lang="en-IE" sz="2000" b="1" dirty="0" smtClean="0">
+            <a:endParaRPr lang="en-IE" sz="2000" b="1" dirty="0">
               <a:latin typeface="Courier" pitchFamily="49" charset="0"/>
             </a:endParaRPr>
           </a:p>
@@ -20063,16 +18814,34 @@
               <a:buNone/>
             </a:pPr>
             <a:r>
-              <a:rPr lang="en-IE" sz="2000" b="1" dirty="0" smtClean="0">
+              <a:rPr lang="en-IE" sz="2000" b="1" dirty="0">
                 <a:latin typeface="Courier" pitchFamily="49" charset="0"/>
               </a:rPr>
               <a:t>while</a:t>
             </a:r>
             <a:r>
-              <a:rPr lang="en-IE" sz="2000" dirty="0" smtClean="0">
+              <a:rPr lang="en-IE" sz="2000" dirty="0">
                 <a:latin typeface="Courier" pitchFamily="49" charset="0"/>
               </a:rPr>
-              <a:t> </a:t>
+              <a:t> (</a:t>
+            </a:r>
+            <a:r>
+              <a:rPr lang="en-IE" sz="2000" dirty="0" err="1">
+                <a:latin typeface="Courier" pitchFamily="49" charset="0"/>
+              </a:rPr>
+              <a:t>myCursor.hasNext</a:t>
+            </a:r>
+            <a:r>
+              <a:rPr lang="en-IE" sz="2000" dirty="0">
+                <a:latin typeface="Courier" pitchFamily="49" charset="0"/>
+              </a:rPr>
+              <a:t>()) { 	print(</a:t>
+            </a:r>
+            <a:r>
+              <a:rPr lang="en-IE" sz="2000" dirty="0" err="1">
+                <a:latin typeface="Courier" pitchFamily="49" charset="0"/>
+              </a:rPr>
+              <a:t>tojson</a:t>
             </a:r>
             <a:r>
               <a:rPr lang="en-IE" sz="2000" dirty="0">
@@ -20084,56 +18853,57 @@
               <a:rPr lang="en-IE" sz="2000" dirty="0" err="1">
                 <a:latin typeface="Courier" pitchFamily="49" charset="0"/>
               </a:rPr>
-              <a:t>myCursor.hasNext</a:t>
+              <a:t>myCursor.next</a:t>
             </a:r>
             <a:r>
               <a:rPr lang="en-IE" sz="2000" dirty="0">
                 <a:latin typeface="Courier" pitchFamily="49" charset="0"/>
               </a:rPr>
-              <a:t>()) { </a:t>
-            </a:r>
-            <a:r>
-              <a:rPr lang="en-IE" sz="2000" dirty="0" smtClean="0">
+              <a:t>())); }</a:t>
+            </a:r>
+          </a:p>
+          <a:p>
+            <a:pPr marL="0" indent="0">
+              <a:buNone/>
+            </a:pPr>
+            <a:endParaRPr lang="en-IE" sz="2000" dirty="0">
+              <a:latin typeface="Courier" pitchFamily="49" charset="0"/>
+            </a:endParaRPr>
+          </a:p>
+          <a:p>
+            <a:pPr marL="0" indent="0">
+              <a:buNone/>
+            </a:pPr>
+            <a:r>
+              <a:rPr lang="en-IE" sz="2000" dirty="0" err="1">
                 <a:latin typeface="Courier" pitchFamily="49" charset="0"/>
               </a:rPr>
-              <a:t>	print(</a:t>
-            </a:r>
-            <a:r>
-              <a:rPr lang="en-IE" sz="2000" dirty="0" err="1" smtClean="0">
-                <a:latin typeface="Courier" pitchFamily="49" charset="0"/>
-              </a:rPr>
-              <a:t>tojson</a:t>
-            </a:r>
-            <a:r>
-              <a:rPr lang="en-IE" sz="2000" dirty="0" smtClean="0">
+              <a:t>myCursor.forEach</a:t>
+            </a:r>
+            <a:r>
+              <a:rPr lang="en-IE" sz="2000" dirty="0">
                 <a:latin typeface="Courier" pitchFamily="49" charset="0"/>
               </a:rPr>
               <a:t>(</a:t>
             </a:r>
             <a:r>
-              <a:rPr lang="en-IE" sz="2000" dirty="0" err="1" smtClean="0">
+              <a:rPr lang="en-IE" sz="2000" dirty="0" err="1">
                 <a:latin typeface="Courier" pitchFamily="49" charset="0"/>
               </a:rPr>
-              <a:t>myCursor.next</a:t>
+              <a:t>printjson</a:t>
             </a:r>
             <a:r>
               <a:rPr lang="en-IE" sz="2000" dirty="0">
                 <a:latin typeface="Courier" pitchFamily="49" charset="0"/>
               </a:rPr>
-              <a:t>())); </a:t>
-            </a:r>
-            <a:r>
-              <a:rPr lang="en-IE" sz="2000" dirty="0" smtClean="0">
-                <a:latin typeface="Courier" pitchFamily="49" charset="0"/>
-              </a:rPr>
-              <a:t>}</a:t>
+              <a:t>);</a:t>
             </a:r>
           </a:p>
           <a:p>
             <a:pPr marL="0" indent="0">
               <a:buNone/>
             </a:pPr>
-            <a:endParaRPr lang="en-IE" sz="2000" dirty="0" smtClean="0">
+            <a:endParaRPr lang="en-IE" sz="2000" b="1" dirty="0">
               <a:latin typeface="Courier" pitchFamily="49" charset="0"/>
             </a:endParaRPr>
           </a:p>
@@ -20142,50 +18912,13 @@
               <a:buNone/>
             </a:pPr>
             <a:r>
-              <a:rPr lang="en-IE" sz="2000" dirty="0" err="1" smtClean="0">
-                <a:latin typeface="Courier" pitchFamily="49" charset="0"/>
-              </a:rPr>
-              <a:t>myCursor.forEach</a:t>
-            </a:r>
-            <a:r>
-              <a:rPr lang="en-IE" sz="2000" dirty="0" smtClean="0">
-                <a:latin typeface="Courier" pitchFamily="49" charset="0"/>
-              </a:rPr>
-              <a:t>(</a:t>
-            </a:r>
-            <a:r>
-              <a:rPr lang="en-IE" sz="2000" dirty="0" err="1" smtClean="0">
-                <a:latin typeface="Courier" pitchFamily="49" charset="0"/>
-              </a:rPr>
-              <a:t>printjson</a:t>
-            </a:r>
-            <a:r>
-              <a:rPr lang="en-IE" sz="2000" dirty="0" smtClean="0">
-                <a:latin typeface="Courier" pitchFamily="49" charset="0"/>
-              </a:rPr>
-              <a:t>);</a:t>
-            </a:r>
-          </a:p>
-          <a:p>
-            <a:pPr marL="0" indent="0">
-              <a:buNone/>
-            </a:pPr>
-            <a:endParaRPr lang="en-IE" sz="2000" b="1" dirty="0" smtClean="0">
-              <a:latin typeface="Courier" pitchFamily="49" charset="0"/>
-            </a:endParaRPr>
-          </a:p>
-          <a:p>
-            <a:pPr marL="0" indent="0">
-              <a:buNone/>
-            </a:pPr>
-            <a:r>
-              <a:rPr lang="en-IE" sz="2000" b="1" dirty="0" err="1" smtClean="0">
+              <a:rPr lang="en-IE" sz="2000" b="1" dirty="0" err="1">
                 <a:latin typeface="Courier" pitchFamily="49" charset="0"/>
               </a:rPr>
               <a:t>var</a:t>
             </a:r>
             <a:r>
-              <a:rPr lang="en-IE" sz="2000" dirty="0" smtClean="0">
+              <a:rPr lang="en-IE" sz="2000" dirty="0">
                 <a:latin typeface="Courier" pitchFamily="49" charset="0"/>
               </a:rPr>
               <a:t> </a:t>
@@ -20214,22 +18947,19 @@
               </a:rPr>
               <a:t>(); </a:t>
             </a:r>
-            <a:endParaRPr lang="en-IE" sz="2000" dirty="0" smtClean="0">
-              <a:latin typeface="Courier" pitchFamily="49" charset="0"/>
-            </a:endParaRPr>
           </a:p>
           <a:p>
             <a:pPr marL="0" indent="0">
               <a:buNone/>
             </a:pPr>
             <a:r>
-              <a:rPr lang="en-IE" sz="2000" b="1" dirty="0" err="1" smtClean="0">
+              <a:rPr lang="en-IE" sz="2000" b="1" dirty="0" err="1">
                 <a:latin typeface="Courier" pitchFamily="49" charset="0"/>
               </a:rPr>
               <a:t>var</a:t>
             </a:r>
             <a:r>
-              <a:rPr lang="en-IE" sz="2000" dirty="0" smtClean="0">
+              <a:rPr lang="en-IE" sz="2000" dirty="0">
                 <a:latin typeface="Courier" pitchFamily="49" charset="0"/>
               </a:rPr>
               <a:t> </a:t>
@@ -20256,20 +18986,14 @@
               <a:rPr lang="en-IE" sz="2000" dirty="0">
                 <a:latin typeface="Courier" pitchFamily="49" charset="0"/>
               </a:rPr>
-              <a:t>[3</a:t>
-            </a:r>
-            <a:r>
-              <a:rPr lang="en-IE" sz="2000" dirty="0" smtClean="0">
-                <a:latin typeface="Courier" pitchFamily="49" charset="0"/>
-              </a:rPr>
-              <a:t>];</a:t>
+              <a:t>[3];</a:t>
             </a:r>
           </a:p>
           <a:p>
             <a:pPr marL="0" indent="0">
               <a:buNone/>
             </a:pPr>
-            <a:endParaRPr lang="en-IE" sz="2000" b="1" dirty="0" smtClean="0">
+            <a:endParaRPr lang="en-IE" sz="2000" b="1" dirty="0">
               <a:latin typeface="Courier" pitchFamily="49" charset="0"/>
             </a:endParaRPr>
           </a:p>
@@ -20278,13 +19002,13 @@
               <a:buNone/>
             </a:pPr>
             <a:r>
-              <a:rPr lang="en-IE" sz="2000" b="1" dirty="0" err="1" smtClean="0">
+              <a:rPr lang="en-IE" sz="2000" b="1" dirty="0" err="1">
                 <a:latin typeface="Courier" pitchFamily="49" charset="0"/>
               </a:rPr>
               <a:t>var</a:t>
             </a:r>
             <a:r>
-              <a:rPr lang="en-IE" sz="2000" dirty="0" smtClean="0">
+              <a:rPr lang="en-IE" sz="2000" dirty="0">
                 <a:latin typeface="Courier" pitchFamily="49" charset="0"/>
               </a:rPr>
               <a:t> </a:t>
@@ -20335,7 +19059,7 @@
               <a:defRPr/>
             </a:pPr>
             <a:r>
-              <a:rPr lang="en-US" smtClean="0"/>
+              <a:rPr lang="en-US"/>
               <a:t>2012/2013 - DT228/4</a:t>
             </a:r>
             <a:endParaRPr lang="en-IE" dirty="0"/>
@@ -20381,13 +19105,6 @@
   <p:clrMapOvr>
     <a:masterClrMapping/>
   </p:clrMapOvr>
-  <p:timing>
-    <p:tnLst>
-      <p:par>
-        <p:cTn id="1" dur="indefinite" restart="never" nodeType="tmRoot"/>
-      </p:par>
-    </p:tnLst>
-  </p:timing>
 </p:sld>
 </file>
 
@@ -20424,10 +19141,9 @@
           <a:lstStyle/>
           <a:p>
             <a:r>
-              <a:rPr lang="en-IE" dirty="0" smtClean="0"/>
+              <a:rPr lang="en-IE" dirty="0"/>
               <a:t>Shell – Script Commands</a:t>
             </a:r>
-            <a:endParaRPr lang="en-IE" dirty="0"/>
           </a:p>
         </p:txBody>
       </p:sp>
@@ -20474,7 +19190,7 @@
                     <a:p>
                       <a:pPr algn="ctr"/>
                       <a:r>
-                        <a:rPr lang="en-IE" sz="2000" b="1" dirty="0" smtClean="0">
+                        <a:rPr lang="en-IE" sz="2000" b="1" dirty="0">
                           <a:effectLst/>
                           <a:latin typeface="Source Code Pro"/>
                         </a:rPr>
@@ -20483,7 +19199,7 @@
                     </a:p>
                     <a:p>
                       <a:pPr algn="l"/>
-                      <a:endParaRPr lang="en-IE" dirty="0" smtClean="0">
+                      <a:endParaRPr lang="en-IE" dirty="0">
                         <a:effectLst/>
                         <a:latin typeface="Source Code Pro"/>
                       </a:endParaRPr>
@@ -20491,7 +19207,7 @@
                     <a:p>
                       <a:pPr algn="l"/>
                       <a:r>
-                        <a:rPr lang="en-IE" dirty="0" smtClean="0">
+                        <a:rPr lang="en-IE" dirty="0">
                           <a:effectLst/>
                           <a:latin typeface="Source Code Pro"/>
                         </a:rPr>
@@ -20572,7 +19288,7 @@
                     <a:p>
                       <a:pPr algn="ctr"/>
                       <a:r>
-                        <a:rPr lang="en-IE" sz="2000" b="1" dirty="0" smtClean="0">
+                        <a:rPr lang="en-IE" sz="2000" b="1" dirty="0">
                           <a:effectLst/>
                         </a:rPr>
                         <a:t>JS SCRIPT</a:t>
@@ -20580,14 +19296,14 @@
                     </a:p>
                     <a:p>
                       <a:pPr algn="l"/>
-                      <a:endParaRPr lang="en-IE" dirty="0" smtClean="0">
+                      <a:endParaRPr lang="en-IE" dirty="0">
                         <a:effectLst/>
                       </a:endParaRPr>
                     </a:p>
                     <a:p>
                       <a:pPr algn="l"/>
                       <a:r>
-                        <a:rPr lang="en-IE" dirty="0" err="1" smtClean="0">
+                        <a:rPr lang="en-IE" dirty="0" err="1">
                           <a:effectLst/>
                         </a:rPr>
                         <a:t>db.adminCommand</a:t>
@@ -20946,7 +19662,7 @@
               <a:defRPr/>
             </a:pPr>
             <a:r>
-              <a:rPr lang="en-US" smtClean="0"/>
+              <a:rPr lang="en-US"/>
               <a:t>2012/2013 - DT228/4</a:t>
             </a:r>
             <a:endParaRPr lang="en-IE" dirty="0"/>
@@ -20992,13 +19708,6 @@
   <p:clrMapOvr>
     <a:masterClrMapping/>
   </p:clrMapOvr>
-  <p:timing>
-    <p:tnLst>
-      <p:par>
-        <p:cTn id="1" dur="indefinite" restart="never" nodeType="tmRoot"/>
-      </p:par>
-    </p:tnLst>
-  </p:timing>
 </p:sld>
 </file>
 
@@ -21035,11 +19744,11 @@
           <a:lstStyle/>
           <a:p>
             <a:r>
-              <a:rPr lang="en-IE" dirty="0" smtClean="0"/>
+              <a:rPr lang="en-IE" dirty="0"/>
               <a:t>Replication and </a:t>
             </a:r>
             <a:r>
-              <a:rPr lang="en-IE" dirty="0" err="1" smtClean="0"/>
+              <a:rPr lang="en-IE" dirty="0" err="1"/>
               <a:t>Sharding</a:t>
             </a:r>
             <a:endParaRPr lang="en-IE" dirty="0"/>
@@ -21065,14 +19774,14 @@
               <a:buNone/>
             </a:pPr>
             <a:r>
-              <a:rPr lang="en-IE" sz="2400" b="1" dirty="0" smtClean="0"/>
+              <a:rPr lang="en-IE" sz="2400" b="1" dirty="0"/>
               <a:t>Replication in </a:t>
             </a:r>
             <a:r>
-              <a:rPr lang="en-IE" sz="2400" b="1" dirty="0" err="1" smtClean="0"/>
+              <a:rPr lang="en-IE" sz="2400" b="1" dirty="0" err="1"/>
               <a:t>MongoDB</a:t>
             </a:r>
-            <a:endParaRPr lang="en-IE" sz="2400" b="1" dirty="0" smtClean="0"/>
+            <a:endParaRPr lang="en-IE" sz="2400" b="1" dirty="0"/>
           </a:p>
           <a:p>
             <a:r>
@@ -21095,16 +19804,11 @@
               <a:rPr lang="en-IE" sz="2400" dirty="0"/>
               <a:t>, the primary, receives all write operations. </a:t>
             </a:r>
-            <a:endParaRPr lang="en-IE" sz="2400" dirty="0" smtClean="0"/>
-          </a:p>
-          <a:p>
-            <a:r>
-              <a:rPr lang="en-IE" sz="2400" dirty="0" smtClean="0"/>
-              <a:t>All </a:t>
-            </a:r>
+          </a:p>
+          <a:p>
             <a:r>
               <a:rPr lang="en-IE" sz="2400" dirty="0"/>
-              <a:t>other instances, </a:t>
+              <a:t>All other instances, </a:t>
             </a:r>
             <a:r>
               <a:rPr lang="en-IE" sz="2400" dirty="0" err="1"/>
@@ -21112,69 +19816,65 @@
             </a:r>
             <a:r>
               <a:rPr lang="en-IE" sz="2400" dirty="0"/>
-              <a:t>, apply operations from the primary so that they have the same data set</a:t>
-            </a:r>
-            <a:r>
-              <a:rPr lang="en-IE" sz="2400" dirty="0" smtClean="0"/>
-              <a:t>.</a:t>
+              <a:t>, apply operations from the primary so that they have the same data set.</a:t>
             </a:r>
           </a:p>
           <a:p>
             <a:pPr marL="0" indent="0">
               <a:buNone/>
             </a:pPr>
-            <a:endParaRPr lang="en-IE" sz="2400" dirty="0" smtClean="0"/>
+            <a:endParaRPr lang="en-IE" sz="2400" dirty="0"/>
           </a:p>
           <a:p>
             <a:pPr marL="0" indent="0">
               <a:buNone/>
             </a:pPr>
             <a:r>
-              <a:rPr lang="en-IE" sz="2400" b="1" dirty="0" err="1" smtClean="0"/>
+              <a:rPr lang="en-IE" sz="2400" b="1" dirty="0" err="1"/>
               <a:t>Sharding</a:t>
             </a:r>
             <a:r>
-              <a:rPr lang="en-IE" sz="2400" b="1" dirty="0" smtClean="0"/>
+              <a:rPr lang="en-IE" sz="2400" b="1" dirty="0"/>
               <a:t> in </a:t>
             </a:r>
             <a:r>
-              <a:rPr lang="en-IE" sz="2400" b="1" dirty="0" err="1" smtClean="0"/>
+              <a:rPr lang="en-IE" sz="2400" b="1" dirty="0" err="1"/>
               <a:t>MongoDB</a:t>
             </a:r>
-            <a:endParaRPr lang="en-IE" sz="2400" b="1" dirty="0" smtClean="0"/>
-          </a:p>
-          <a:p>
-            <a:r>
-              <a:rPr lang="en-IE" sz="2400" dirty="0" err="1" smtClean="0"/>
+            <a:endParaRPr lang="en-IE" sz="2400" b="1" dirty="0"/>
+          </a:p>
+          <a:p>
+            <a:r>
+              <a:rPr lang="en-IE" sz="2400" dirty="0" err="1"/>
               <a:t>Sharding</a:t>
             </a:r>
             <a:r>
-              <a:rPr lang="en-IE" sz="2400" dirty="0" smtClean="0"/>
+              <a:rPr lang="en-IE" sz="2400" dirty="0"/>
               <a:t> is the way </a:t>
             </a:r>
             <a:r>
-              <a:rPr lang="en-IE" sz="2400" dirty="0" err="1" smtClean="0"/>
+              <a:rPr lang="en-IE" sz="2400" dirty="0" err="1"/>
               <a:t>MongoDB</a:t>
             </a:r>
             <a:r>
-              <a:rPr lang="en-IE" sz="2400" dirty="0" smtClean="0"/>
+              <a:rPr lang="en-IE" sz="2400" dirty="0"/>
               <a:t> scales horizontally. A shard is a chunk of data stored by a </a:t>
             </a:r>
             <a:r>
-              <a:rPr lang="en-IE" sz="2400" dirty="0" err="1" smtClean="0"/>
+              <a:rPr lang="en-IE" sz="2400" dirty="0" err="1"/>
               <a:t>MongoDB</a:t>
             </a:r>
             <a:r>
-              <a:rPr lang="en-IE" sz="2400" dirty="0" smtClean="0"/>
+              <a:rPr lang="en-IE" sz="2400" dirty="0"/>
               <a:t> instance</a:t>
             </a:r>
           </a:p>
           <a:p>
-            <a:endParaRPr lang="en-IE" sz="2400" dirty="0" smtClean="0"/>
-          </a:p>
-          <a:p>
             <a:endParaRPr lang="en-IE" sz="2400" dirty="0"/>
           </a:p>
+          <a:p>
+            <a:endParaRPr lang="en-IE" sz="2400" dirty="0"/>
+          </a:p>
         </p:txBody>
       </p:sp>
       <p:sp>
@@ -21196,7 +19896,7 @@
               <a:defRPr/>
             </a:pPr>
             <a:r>
-              <a:rPr lang="en-US" smtClean="0"/>
+              <a:rPr lang="en-US"/>
               <a:t>2012/2013 - DT228/4</a:t>
             </a:r>
             <a:endParaRPr lang="en-IE" dirty="0"/>
@@ -21242,13 +19942,6 @@
   <p:clrMapOvr>
     <a:masterClrMapping/>
   </p:clrMapOvr>
-  <p:timing>
-    <p:tnLst>
-      <p:par>
-        <p:cTn id="1" dur="indefinite" restart="never" nodeType="tmRoot"/>
-      </p:par>
-    </p:tnLst>
-  </p:timing>
 </p:sld>
 </file>
 
@@ -21285,10 +19978,9 @@
           <a:lstStyle/>
           <a:p>
             <a:r>
-              <a:rPr lang="en-IE" dirty="0" smtClean="0"/>
+              <a:rPr lang="en-IE" dirty="0"/>
               <a:t>Replica Sets</a:t>
             </a:r>
-            <a:endParaRPr lang="en-IE" dirty="0"/>
           </a:p>
         </p:txBody>
       </p:sp>
@@ -21308,26 +20000,22 @@
           <a:lstStyle/>
           <a:p>
             <a:r>
-              <a:rPr lang="en-IE" sz="2200" dirty="0" smtClean="0"/>
+              <a:rPr lang="en-IE" sz="2200" dirty="0"/>
               <a:t>Replica sets are a group of </a:t>
             </a:r>
             <a:r>
-              <a:rPr lang="en-IE" sz="2200" dirty="0" err="1" smtClean="0"/>
+              <a:rPr lang="en-IE" sz="2200" dirty="0" err="1"/>
               <a:t>mongodb</a:t>
             </a:r>
             <a:r>
-              <a:rPr lang="en-IE" sz="2200" dirty="0" smtClean="0"/>
+              <a:rPr lang="en-IE" sz="2200" dirty="0"/>
               <a:t> instances duplicating the same data</a:t>
             </a:r>
           </a:p>
           <a:p>
             <a:r>
-              <a:rPr lang="en-IE" sz="2200" dirty="0" smtClean="0"/>
-              <a:t>The </a:t>
-            </a:r>
-            <a:r>
               <a:rPr lang="en-IE" sz="2200" dirty="0"/>
-              <a:t>minimum requirements for a replica set are: A primary, a secondary, and an arbiter. Most deployments, however, will keep three members that store data: A primary and two secondary members.</a:t>
+              <a:t>The minimum requirements for a replica set are: A primary, a secondary, and an arbiter. Most deployments, however, will keep three members that store data: A primary and two secondary members.</a:t>
             </a:r>
           </a:p>
           <a:p>
@@ -21354,7 +20042,7 @@
               <a:defRPr/>
             </a:pPr>
             <a:r>
-              <a:rPr lang="en-US" smtClean="0"/>
+              <a:rPr lang="en-US"/>
               <a:t>2012/2013 - DT228/4</a:t>
             </a:r>
             <a:endParaRPr lang="en-IE" dirty="0"/>
@@ -21430,13 +20118,6 @@
   <p:clrMapOvr>
     <a:masterClrMapping/>
   </p:clrMapOvr>
-  <p:timing>
-    <p:tnLst>
-      <p:par>
-        <p:cTn id="1" dur="indefinite" restart="never" nodeType="tmRoot"/>
-      </p:par>
-    </p:tnLst>
-  </p:timing>
 </p:sld>
 </file>
 
@@ -23016,15 +21697,6 @@
 </file>
 
 <file path=customXml/item1.xml><?xml version="1.0" encoding="utf-8"?>
-<?mso-contentType ?>
-<FormTemplates xmlns="http://schemas.microsoft.com/sharepoint/v3/contenttype/forms">
-  <Display>DocumentLibraryForm</Display>
-  <Edit>DocumentLibraryForm</Edit>
-  <New>DocumentLibraryForm</New>
-</FormTemplates>
-</file>
-
-<file path=customXml/item2.xml><?xml version="1.0" encoding="utf-8"?>
 <ct:contentTypeSchema xmlns:ct="http://schemas.microsoft.com/office/2006/metadata/contentType" xmlns:ma="http://schemas.microsoft.com/office/2006/metadata/properties/metaAttributes" ct:_="" ma:_="" ma:contentTypeName="NDRC Document" ma:contentTypeID="0x01010067DD71A3E2A05543A829DA82727911F90077C82967715ED94B96AD0B60EC67406A" ma:contentTypeVersion="25" ma:contentTypeDescription="This is the default template for NDRC document." ma:contentTypeScope="" ma:versionID="975fd59ca4815150fd9994aab2aebd8d">
   <xsd:schema xmlns:xsd="http://www.w3.org/2001/XMLSchema" xmlns:p="http://schemas.microsoft.com/office/2006/metadata/properties" targetNamespace="http://schemas.microsoft.com/office/2006/metadata/properties" ma:root="true" ma:fieldsID="ddd02c06f875442d2d8e0c0357ce4144">
     <xsd:element name="properties">
@@ -23073,6 +21745,15 @@
 </ct:contentTypeSchema>
 </file>
 
+<file path=customXml/item2.xml><?xml version="1.0" encoding="utf-8"?>
+<?mso-contentType ?>
+<FormTemplates xmlns="http://schemas.microsoft.com/sharepoint/v3/contenttype/forms">
+  <Display>DocumentLibraryForm</Display>
+  <Edit>DocumentLibraryForm</Edit>
+  <New>DocumentLibraryForm</New>
+</FormTemplates>
+</file>
+
 <file path=customXml/item3.xml><?xml version="1.0" encoding="utf-8"?>
 <p:properties xmlns:p="http://schemas.microsoft.com/office/2006/metadata/properties" xmlns:xsi="http://www.w3.org/2001/XMLSchema-instance">
   <documentManagement/>
@@ -23080,14 +21761,6 @@
 </file>
 
 <file path=customXml/itemProps1.xml><?xml version="1.0" encoding="utf-8"?>
-<ds:datastoreItem xmlns:ds="http://schemas.openxmlformats.org/officeDocument/2006/customXml" ds:itemID="{359CE32C-DA76-40C8-A133-90BBA7D7558F}">
-  <ds:schemaRefs>
-    <ds:schemaRef ds:uri="http://schemas.microsoft.com/sharepoint/v3/contenttype/forms"/>
-  </ds:schemaRefs>
-</ds:datastoreItem>
-</file>
-
-<file path=customXml/itemProps2.xml><?xml version="1.0" encoding="utf-8"?>
 <ds:datastoreItem xmlns:ds="http://schemas.openxmlformats.org/officeDocument/2006/customXml" ds:itemID="{2EFA0D13-7183-4503-AA10-815D0BE33460}">
   <ds:schemaRefs>
     <ds:schemaRef ds:uri="http://schemas.microsoft.com/office/2006/metadata/contentType"/>
@@ -23098,6 +21771,14 @@
     <ds:schemaRef ds:uri="http://purl.org/dc/elements/1.1/"/>
     <ds:schemaRef ds:uri="http://purl.org/dc/terms/"/>
     <ds:schemaRef ds:uri="http://schemas.microsoft.com/office/internal/2005/internalDocumentation"/>
+  </ds:schemaRefs>
+</ds:datastoreItem>
+</file>
+
+<file path=customXml/itemProps2.xml><?xml version="1.0" encoding="utf-8"?>
+<ds:datastoreItem xmlns:ds="http://schemas.openxmlformats.org/officeDocument/2006/customXml" ds:itemID="{359CE32C-DA76-40C8-A133-90BBA7D7558F}">
+  <ds:schemaRefs>
+    <ds:schemaRef ds:uri="http://schemas.microsoft.com/sharepoint/v3/contenttype/forms"/>
   </ds:schemaRefs>
 </ds:datastoreItem>
 </file>
